--- a/Informes Y Presentaciones/Presentacion git.pptx
+++ b/Informes Y Presentaciones/Presentacion git.pptx
@@ -2,10 +2,11 @@
 <file path=ppt/presentation.xml><?xml version="1.0" encoding="utf-8"?>
 <p:presentation xmlns:a="http://schemas.openxmlformats.org/drawingml/2006/main" xmlns:r="http://schemas.openxmlformats.org/officeDocument/2006/relationships" xmlns:p="http://schemas.openxmlformats.org/presentationml/2006/main" saveSubsetFonts="1">
   <p:sldMasterIdLst>
-    <p:sldMasterId id="2147483648" r:id="rId1"/>
+    <p:sldMasterId id="2147483711" r:id="rId1"/>
   </p:sldMasterIdLst>
   <p:sldIdLst>
     <p:sldId id="256" r:id="rId2"/>
+    <p:sldId id="257" r:id="rId3"/>
   </p:sldIdLst>
   <p:sldSz cx="12192000" cy="6858000"/>
   <p:notesSz cx="6858000" cy="9144000"/>
@@ -104,11 +105,16 @@
       </a:defRPr>
     </a:lvl9pPr>
   </p:defaultTextStyle>
+  <p:extLst>
+    <p:ext uri="{EFAFB233-063F-42B5-8137-9DF3F51BA10A}">
+      <p15:sldGuideLst xmlns:p15="http://schemas.microsoft.com/office/powerpoint/2012/main"/>
+    </p:ext>
+  </p:extLst>
 </p:presentation>
 </file>
 
 <file path=ppt/slideLayouts/slideLayout1.xml><?xml version="1.0" encoding="utf-8"?>
-<p:sldLayout xmlns:a="http://schemas.openxmlformats.org/drawingml/2006/main" xmlns:r="http://schemas.openxmlformats.org/officeDocument/2006/relationships" xmlns:p="http://schemas.openxmlformats.org/presentationml/2006/main" type="title" preserve="1">
+<p:sldLayout xmlns:a="http://schemas.openxmlformats.org/drawingml/2006/main" xmlns:r="http://schemas.openxmlformats.org/officeDocument/2006/relationships" xmlns:p="http://schemas.openxmlformats.org/presentationml/2006/main" showMasterSp="0" type="title" preserve="1">
   <p:cSld name="Diapositiva de título">
     <p:spTree>
       <p:nvGrpSpPr>
@@ -124,9 +130,562 @@
           <a:chExt cx="0" cy="0"/>
         </a:xfrm>
       </p:grpSpPr>
-      <p:sp>
-        <p:nvSpPr>
-          <p:cNvPr id="2" name="Título 1"/>
+      <p:grpSp>
+        <p:nvGrpSpPr>
+          <p:cNvPr id="16" name="Group 15"/>
+          <p:cNvGrpSpPr/>
+          <p:nvPr/>
+        </p:nvGrpSpPr>
+        <p:grpSpPr>
+          <a:xfrm>
+            <a:off x="0" y="-8467"/>
+            <a:ext cx="12192000" cy="6866467"/>
+            <a:chOff x="0" y="-8467"/>
+            <a:chExt cx="12192000" cy="6866467"/>
+          </a:xfrm>
+        </p:grpSpPr>
+        <p:sp>
+          <p:nvSpPr>
+            <p:cNvPr id="15" name="Freeform 14"/>
+            <p:cNvSpPr/>
+            <p:nvPr/>
+          </p:nvSpPr>
+          <p:spPr>
+            <a:xfrm>
+              <a:off x="0" y="-7862"/>
+              <a:ext cx="863600" cy="5698067"/>
+            </a:xfrm>
+            <a:custGeom>
+              <a:avLst/>
+              <a:gdLst/>
+              <a:ahLst/>
+              <a:cxnLst/>
+              <a:rect l="l" t="t" r="r" b="b"/>
+              <a:pathLst>
+                <a:path w="863600" h="5698067">
+                  <a:moveTo>
+                    <a:pt x="0" y="8467"/>
+                  </a:moveTo>
+                  <a:lnTo>
+                    <a:pt x="863600" y="0"/>
+                  </a:lnTo>
+                  <a:lnTo>
+                    <a:pt x="863600" y="16934"/>
+                  </a:lnTo>
+                  <a:lnTo>
+                    <a:pt x="0" y="5698067"/>
+                  </a:lnTo>
+                  <a:lnTo>
+                    <a:pt x="0" y="8467"/>
+                  </a:lnTo>
+                  <a:close/>
+                </a:path>
+              </a:pathLst>
+            </a:custGeom>
+            <a:solidFill>
+              <a:schemeClr val="accent1">
+                <a:alpha val="70000"/>
+              </a:schemeClr>
+            </a:solidFill>
+            <a:ln>
+              <a:noFill/>
+            </a:ln>
+            <a:effectLst/>
+          </p:spPr>
+          <p:style>
+            <a:lnRef idx="1">
+              <a:schemeClr val="accent1"/>
+            </a:lnRef>
+            <a:fillRef idx="3">
+              <a:schemeClr val="accent1"/>
+            </a:fillRef>
+            <a:effectRef idx="2">
+              <a:schemeClr val="accent1"/>
+            </a:effectRef>
+            <a:fontRef idx="minor">
+              <a:schemeClr val="lt1"/>
+            </a:fontRef>
+          </p:style>
+        </p:sp>
+        <p:cxnSp>
+          <p:nvCxnSpPr>
+            <p:cNvPr id="19" name="Straight Connector 18"/>
+            <p:cNvCxnSpPr/>
+            <p:nvPr/>
+          </p:nvCxnSpPr>
+          <p:spPr>
+            <a:xfrm>
+              <a:off x="9371012" y="0"/>
+              <a:ext cx="1219200" cy="6858000"/>
+            </a:xfrm>
+            <a:prstGeom prst="line">
+              <a:avLst/>
+            </a:prstGeom>
+            <a:ln w="9525">
+              <a:solidFill>
+                <a:schemeClr val="accent1">
+                  <a:alpha val="70000"/>
+                </a:schemeClr>
+              </a:solidFill>
+            </a:ln>
+          </p:spPr>
+          <p:style>
+            <a:lnRef idx="2">
+              <a:schemeClr val="accent1"/>
+            </a:lnRef>
+            <a:fillRef idx="0">
+              <a:schemeClr val="accent1"/>
+            </a:fillRef>
+            <a:effectRef idx="1">
+              <a:schemeClr val="accent1"/>
+            </a:effectRef>
+            <a:fontRef idx="minor">
+              <a:schemeClr val="tx1"/>
+            </a:fontRef>
+          </p:style>
+        </p:cxnSp>
+        <p:cxnSp>
+          <p:nvCxnSpPr>
+            <p:cNvPr id="20" name="Straight Connector 19"/>
+            <p:cNvCxnSpPr/>
+            <p:nvPr/>
+          </p:nvCxnSpPr>
+          <p:spPr>
+            <a:xfrm flipH="1">
+              <a:off x="7425267" y="3681413"/>
+              <a:ext cx="4763558" cy="3176587"/>
+            </a:xfrm>
+            <a:prstGeom prst="line">
+              <a:avLst/>
+            </a:prstGeom>
+            <a:ln w="9525">
+              <a:solidFill>
+                <a:schemeClr val="accent1">
+                  <a:alpha val="70000"/>
+                </a:schemeClr>
+              </a:solidFill>
+            </a:ln>
+          </p:spPr>
+          <p:style>
+            <a:lnRef idx="2">
+              <a:schemeClr val="accent1"/>
+            </a:lnRef>
+            <a:fillRef idx="0">
+              <a:schemeClr val="accent1"/>
+            </a:fillRef>
+            <a:effectRef idx="1">
+              <a:schemeClr val="accent1"/>
+            </a:effectRef>
+            <a:fontRef idx="minor">
+              <a:schemeClr val="tx1"/>
+            </a:fontRef>
+          </p:style>
+        </p:cxnSp>
+        <p:sp>
+          <p:nvSpPr>
+            <p:cNvPr id="21" name="Rectangle 23"/>
+            <p:cNvSpPr/>
+            <p:nvPr/>
+          </p:nvSpPr>
+          <p:spPr>
+            <a:xfrm>
+              <a:off x="9181476" y="-8467"/>
+              <a:ext cx="3007349" cy="6866467"/>
+            </a:xfrm>
+            <a:custGeom>
+              <a:avLst/>
+              <a:gdLst/>
+              <a:ahLst/>
+              <a:cxnLst/>
+              <a:rect l="l" t="t" r="r" b="b"/>
+              <a:pathLst>
+                <a:path w="3007349" h="6866467">
+                  <a:moveTo>
+                    <a:pt x="2045532" y="0"/>
+                  </a:moveTo>
+                  <a:lnTo>
+                    <a:pt x="3007349" y="0"/>
+                  </a:lnTo>
+                  <a:lnTo>
+                    <a:pt x="3007349" y="6866467"/>
+                  </a:lnTo>
+                  <a:lnTo>
+                    <a:pt x="0" y="6866467"/>
+                  </a:lnTo>
+                  <a:lnTo>
+                    <a:pt x="2045532" y="0"/>
+                  </a:lnTo>
+                  <a:close/>
+                </a:path>
+              </a:pathLst>
+            </a:custGeom>
+            <a:solidFill>
+              <a:schemeClr val="accent1">
+                <a:alpha val="36000"/>
+              </a:schemeClr>
+            </a:solidFill>
+            <a:ln>
+              <a:noFill/>
+            </a:ln>
+            <a:effectLst/>
+          </p:spPr>
+          <p:style>
+            <a:lnRef idx="1">
+              <a:schemeClr val="accent1"/>
+            </a:lnRef>
+            <a:fillRef idx="3">
+              <a:schemeClr val="accent1"/>
+            </a:fillRef>
+            <a:effectRef idx="2">
+              <a:schemeClr val="accent1"/>
+            </a:effectRef>
+            <a:fontRef idx="minor">
+              <a:schemeClr val="lt1"/>
+            </a:fontRef>
+          </p:style>
+        </p:sp>
+        <p:sp>
+          <p:nvSpPr>
+            <p:cNvPr id="22" name="Rectangle 25"/>
+            <p:cNvSpPr/>
+            <p:nvPr/>
+          </p:nvSpPr>
+          <p:spPr>
+            <a:xfrm>
+              <a:off x="9603442" y="-8467"/>
+              <a:ext cx="2588558" cy="6866467"/>
+            </a:xfrm>
+            <a:custGeom>
+              <a:avLst/>
+              <a:gdLst/>
+              <a:ahLst/>
+              <a:cxnLst/>
+              <a:rect l="l" t="t" r="r" b="b"/>
+              <a:pathLst>
+                <a:path w="2573311" h="6866467">
+                  <a:moveTo>
+                    <a:pt x="0" y="0"/>
+                  </a:moveTo>
+                  <a:lnTo>
+                    <a:pt x="2573311" y="0"/>
+                  </a:lnTo>
+                  <a:lnTo>
+                    <a:pt x="2573311" y="6866467"/>
+                  </a:lnTo>
+                  <a:lnTo>
+                    <a:pt x="1202336" y="6866467"/>
+                  </a:lnTo>
+                  <a:lnTo>
+                    <a:pt x="0" y="0"/>
+                  </a:lnTo>
+                  <a:close/>
+                </a:path>
+              </a:pathLst>
+            </a:custGeom>
+            <a:solidFill>
+              <a:schemeClr val="accent1">
+                <a:alpha val="20000"/>
+              </a:schemeClr>
+            </a:solidFill>
+            <a:ln>
+              <a:noFill/>
+            </a:ln>
+            <a:effectLst/>
+          </p:spPr>
+          <p:style>
+            <a:lnRef idx="1">
+              <a:schemeClr val="accent1"/>
+            </a:lnRef>
+            <a:fillRef idx="3">
+              <a:schemeClr val="accent1"/>
+            </a:fillRef>
+            <a:effectRef idx="2">
+              <a:schemeClr val="accent1"/>
+            </a:effectRef>
+            <a:fontRef idx="minor">
+              <a:schemeClr val="lt1"/>
+            </a:fontRef>
+          </p:style>
+        </p:sp>
+        <p:sp>
+          <p:nvSpPr>
+            <p:cNvPr id="23" name="Isosceles Triangle 22"/>
+            <p:cNvSpPr/>
+            <p:nvPr/>
+          </p:nvSpPr>
+          <p:spPr>
+            <a:xfrm>
+              <a:off x="8932333" y="3048000"/>
+              <a:ext cx="3259667" cy="3810000"/>
+            </a:xfrm>
+            <a:prstGeom prst="triangle">
+              <a:avLst>
+                <a:gd name="adj" fmla="val 100000"/>
+              </a:avLst>
+            </a:prstGeom>
+            <a:solidFill>
+              <a:schemeClr val="accent1">
+                <a:lumMod val="75000"/>
+                <a:alpha val="66000"/>
+              </a:schemeClr>
+            </a:solidFill>
+            <a:ln>
+              <a:noFill/>
+            </a:ln>
+            <a:effectLst/>
+          </p:spPr>
+          <p:style>
+            <a:lnRef idx="1">
+              <a:schemeClr val="accent1"/>
+            </a:lnRef>
+            <a:fillRef idx="3">
+              <a:schemeClr val="accent1"/>
+            </a:fillRef>
+            <a:effectRef idx="2">
+              <a:schemeClr val="accent1"/>
+            </a:effectRef>
+            <a:fontRef idx="minor">
+              <a:schemeClr val="lt1"/>
+            </a:fontRef>
+          </p:style>
+        </p:sp>
+        <p:sp>
+          <p:nvSpPr>
+            <p:cNvPr id="24" name="Rectangle 27"/>
+            <p:cNvSpPr/>
+            <p:nvPr/>
+          </p:nvSpPr>
+          <p:spPr>
+            <a:xfrm>
+              <a:off x="9334500" y="-8467"/>
+              <a:ext cx="2854326" cy="6866467"/>
+            </a:xfrm>
+            <a:custGeom>
+              <a:avLst/>
+              <a:gdLst/>
+              <a:ahLst/>
+              <a:cxnLst/>
+              <a:rect l="l" t="t" r="r" b="b"/>
+              <a:pathLst>
+                <a:path w="2858013" h="6866467">
+                  <a:moveTo>
+                    <a:pt x="0" y="0"/>
+                  </a:moveTo>
+                  <a:lnTo>
+                    <a:pt x="2858013" y="0"/>
+                  </a:lnTo>
+                  <a:lnTo>
+                    <a:pt x="2858013" y="6866467"/>
+                  </a:lnTo>
+                  <a:lnTo>
+                    <a:pt x="2473942" y="6866467"/>
+                  </a:lnTo>
+                  <a:lnTo>
+                    <a:pt x="0" y="0"/>
+                  </a:lnTo>
+                  <a:close/>
+                </a:path>
+              </a:pathLst>
+            </a:custGeom>
+            <a:solidFill>
+              <a:schemeClr val="accent1">
+                <a:lumMod val="75000"/>
+                <a:alpha val="50000"/>
+              </a:schemeClr>
+            </a:solidFill>
+            <a:ln>
+              <a:noFill/>
+            </a:ln>
+            <a:effectLst/>
+          </p:spPr>
+          <p:style>
+            <a:lnRef idx="1">
+              <a:schemeClr val="accent1"/>
+            </a:lnRef>
+            <a:fillRef idx="3">
+              <a:schemeClr val="accent1"/>
+            </a:fillRef>
+            <a:effectRef idx="2">
+              <a:schemeClr val="accent1"/>
+            </a:effectRef>
+            <a:fontRef idx="minor">
+              <a:schemeClr val="lt1"/>
+            </a:fontRef>
+          </p:style>
+        </p:sp>
+        <p:sp>
+          <p:nvSpPr>
+            <p:cNvPr id="25" name="Rectangle 28"/>
+            <p:cNvSpPr/>
+            <p:nvPr/>
+          </p:nvSpPr>
+          <p:spPr>
+            <a:xfrm>
+              <a:off x="10898730" y="-8467"/>
+              <a:ext cx="1290094" cy="6866467"/>
+            </a:xfrm>
+            <a:custGeom>
+              <a:avLst/>
+              <a:gdLst/>
+              <a:ahLst/>
+              <a:cxnLst/>
+              <a:rect l="l" t="t" r="r" b="b"/>
+              <a:pathLst>
+                <a:path w="1290094" h="6858000">
+                  <a:moveTo>
+                    <a:pt x="1019735" y="0"/>
+                  </a:moveTo>
+                  <a:lnTo>
+                    <a:pt x="1290094" y="0"/>
+                  </a:lnTo>
+                  <a:lnTo>
+                    <a:pt x="1290094" y="6858000"/>
+                  </a:lnTo>
+                  <a:lnTo>
+                    <a:pt x="0" y="6858000"/>
+                  </a:lnTo>
+                  <a:lnTo>
+                    <a:pt x="1019735" y="0"/>
+                  </a:lnTo>
+                  <a:close/>
+                </a:path>
+              </a:pathLst>
+            </a:custGeom>
+            <a:solidFill>
+              <a:schemeClr val="accent2">
+                <a:alpha val="70000"/>
+              </a:schemeClr>
+            </a:solidFill>
+            <a:ln>
+              <a:noFill/>
+            </a:ln>
+            <a:effectLst/>
+          </p:spPr>
+          <p:style>
+            <a:lnRef idx="1">
+              <a:schemeClr val="accent1"/>
+            </a:lnRef>
+            <a:fillRef idx="3">
+              <a:schemeClr val="accent1"/>
+            </a:fillRef>
+            <a:effectRef idx="2">
+              <a:schemeClr val="accent1"/>
+            </a:effectRef>
+            <a:fontRef idx="minor">
+              <a:schemeClr val="lt1"/>
+            </a:fontRef>
+          </p:style>
+        </p:sp>
+        <p:sp>
+          <p:nvSpPr>
+            <p:cNvPr id="26" name="Rectangle 29"/>
+            <p:cNvSpPr/>
+            <p:nvPr/>
+          </p:nvSpPr>
+          <p:spPr>
+            <a:xfrm>
+              <a:off x="10938999" y="-8467"/>
+              <a:ext cx="1249825" cy="6866467"/>
+            </a:xfrm>
+            <a:custGeom>
+              <a:avLst/>
+              <a:gdLst/>
+              <a:ahLst/>
+              <a:cxnLst/>
+              <a:rect l="l" t="t" r="r" b="b"/>
+              <a:pathLst>
+                <a:path w="1249825" h="6858000">
+                  <a:moveTo>
+                    <a:pt x="0" y="0"/>
+                  </a:moveTo>
+                  <a:lnTo>
+                    <a:pt x="1249825" y="0"/>
+                  </a:lnTo>
+                  <a:lnTo>
+                    <a:pt x="1249825" y="6858000"/>
+                  </a:lnTo>
+                  <a:lnTo>
+                    <a:pt x="1109382" y="6858000"/>
+                  </a:lnTo>
+                  <a:lnTo>
+                    <a:pt x="0" y="0"/>
+                  </a:lnTo>
+                  <a:close/>
+                </a:path>
+              </a:pathLst>
+            </a:custGeom>
+            <a:solidFill>
+              <a:schemeClr val="accent2">
+                <a:lumMod val="75000"/>
+                <a:alpha val="80000"/>
+              </a:schemeClr>
+            </a:solidFill>
+            <a:ln>
+              <a:noFill/>
+            </a:ln>
+            <a:effectLst/>
+          </p:spPr>
+          <p:style>
+            <a:lnRef idx="1">
+              <a:schemeClr val="accent1"/>
+            </a:lnRef>
+            <a:fillRef idx="3">
+              <a:schemeClr val="accent1"/>
+            </a:fillRef>
+            <a:effectRef idx="2">
+              <a:schemeClr val="accent1"/>
+            </a:effectRef>
+            <a:fontRef idx="minor">
+              <a:schemeClr val="lt1"/>
+            </a:fontRef>
+          </p:style>
+        </p:sp>
+        <p:sp>
+          <p:nvSpPr>
+            <p:cNvPr id="27" name="Isosceles Triangle 26"/>
+            <p:cNvSpPr/>
+            <p:nvPr/>
+          </p:nvSpPr>
+          <p:spPr>
+            <a:xfrm>
+              <a:off x="10371666" y="3589867"/>
+              <a:ext cx="1817159" cy="3268133"/>
+            </a:xfrm>
+            <a:prstGeom prst="triangle">
+              <a:avLst>
+                <a:gd name="adj" fmla="val 100000"/>
+              </a:avLst>
+            </a:prstGeom>
+            <a:solidFill>
+              <a:schemeClr val="accent1">
+                <a:lumMod val="75000"/>
+                <a:alpha val="66000"/>
+              </a:schemeClr>
+            </a:solidFill>
+            <a:ln>
+              <a:noFill/>
+            </a:ln>
+            <a:effectLst/>
+          </p:spPr>
+          <p:style>
+            <a:lnRef idx="1">
+              <a:schemeClr val="accent1"/>
+            </a:lnRef>
+            <a:fillRef idx="3">
+              <a:schemeClr val="accent1"/>
+            </a:fillRef>
+            <a:effectRef idx="2">
+              <a:schemeClr val="accent1"/>
+            </a:effectRef>
+            <a:fontRef idx="minor">
+              <a:schemeClr val="lt1"/>
+            </a:fontRef>
+          </p:style>
+        </p:sp>
+      </p:grpSp>
+      <p:sp>
+        <p:nvSpPr>
+          <p:cNvPr id="2" name="Title 1"/>
           <p:cNvSpPr>
             <a:spLocks noGrp="1"/>
           </p:cNvSpPr>
@@ -136,15 +695,21 @@
         </p:nvSpPr>
         <p:spPr>
           <a:xfrm>
-            <a:off x="1524000" y="1122363"/>
-            <a:ext cx="9144000" cy="2387600"/>
+            <a:off x="1507067" y="2404534"/>
+            <a:ext cx="7766936" cy="1646302"/>
           </a:xfrm>
         </p:spPr>
         <p:txBody>
-          <a:bodyPr anchor="b"/>
+          <a:bodyPr anchor="b">
+            <a:noAutofit/>
+          </a:bodyPr>
           <a:lstStyle>
-            <a:lvl1pPr algn="ctr">
-              <a:defRPr sz="6000"/>
+            <a:lvl1pPr algn="r">
+              <a:defRPr sz="5400">
+                <a:solidFill>
+                  <a:schemeClr val="accent1"/>
+                </a:solidFill>
+              </a:defRPr>
             </a:lvl1pPr>
           </a:lstStyle>
           <a:p>
@@ -152,13 +717,13 @@
               <a:rPr lang="es-ES" smtClean="0"/>
               <a:t>Haga clic para modificar el estilo de título del patrón</a:t>
             </a:r>
-            <a:endParaRPr lang="es-CO"/>
-          </a:p>
-        </p:txBody>
-      </p:sp>
-      <p:sp>
-        <p:nvSpPr>
-          <p:cNvPr id="3" name="Subtítulo 2"/>
+            <a:endParaRPr lang="en-US" dirty="0"/>
+          </a:p>
+        </p:txBody>
+      </p:sp>
+      <p:sp>
+        <p:nvSpPr>
+          <p:cNvPr id="3" name="Subtitle 2"/>
           <p:cNvSpPr>
             <a:spLocks noGrp="1"/>
           </p:cNvSpPr>
@@ -168,48 +733,103 @@
         </p:nvSpPr>
         <p:spPr>
           <a:xfrm>
-            <a:off x="1524000" y="3602038"/>
-            <a:ext cx="9144000" cy="1655762"/>
+            <a:off x="1507067" y="4050833"/>
+            <a:ext cx="7766936" cy="1096899"/>
           </a:xfrm>
         </p:spPr>
         <p:txBody>
-          <a:bodyPr/>
+          <a:bodyPr anchor="t"/>
           <a:lstStyle>
-            <a:lvl1pPr marL="0" indent="0" algn="ctr">
-              <a:buNone/>
-              <a:defRPr sz="2400"/>
+            <a:lvl1pPr marL="0" indent="0" algn="r">
+              <a:buNone/>
+              <a:defRPr>
+                <a:solidFill>
+                  <a:schemeClr val="tx1">
+                    <a:lumMod val="50000"/>
+                    <a:lumOff val="50000"/>
+                  </a:schemeClr>
+                </a:solidFill>
+              </a:defRPr>
             </a:lvl1pPr>
             <a:lvl2pPr marL="457200" indent="0" algn="ctr">
               <a:buNone/>
-              <a:defRPr sz="2000"/>
+              <a:defRPr>
+                <a:solidFill>
+                  <a:schemeClr val="tx1">
+                    <a:tint val="75000"/>
+                  </a:schemeClr>
+                </a:solidFill>
+              </a:defRPr>
             </a:lvl2pPr>
             <a:lvl3pPr marL="914400" indent="0" algn="ctr">
               <a:buNone/>
-              <a:defRPr sz="1800"/>
+              <a:defRPr>
+                <a:solidFill>
+                  <a:schemeClr val="tx1">
+                    <a:tint val="75000"/>
+                  </a:schemeClr>
+                </a:solidFill>
+              </a:defRPr>
             </a:lvl3pPr>
             <a:lvl4pPr marL="1371600" indent="0" algn="ctr">
               <a:buNone/>
-              <a:defRPr sz="1600"/>
+              <a:defRPr>
+                <a:solidFill>
+                  <a:schemeClr val="tx1">
+                    <a:tint val="75000"/>
+                  </a:schemeClr>
+                </a:solidFill>
+              </a:defRPr>
             </a:lvl4pPr>
             <a:lvl5pPr marL="1828800" indent="0" algn="ctr">
               <a:buNone/>
-              <a:defRPr sz="1600"/>
+              <a:defRPr>
+                <a:solidFill>
+                  <a:schemeClr val="tx1">
+                    <a:tint val="75000"/>
+                  </a:schemeClr>
+                </a:solidFill>
+              </a:defRPr>
             </a:lvl5pPr>
             <a:lvl6pPr marL="2286000" indent="0" algn="ctr">
               <a:buNone/>
-              <a:defRPr sz="1600"/>
+              <a:defRPr>
+                <a:solidFill>
+                  <a:schemeClr val="tx1">
+                    <a:tint val="75000"/>
+                  </a:schemeClr>
+                </a:solidFill>
+              </a:defRPr>
             </a:lvl6pPr>
             <a:lvl7pPr marL="2743200" indent="0" algn="ctr">
               <a:buNone/>
-              <a:defRPr sz="1600"/>
+              <a:defRPr>
+                <a:solidFill>
+                  <a:schemeClr val="tx1">
+                    <a:tint val="75000"/>
+                  </a:schemeClr>
+                </a:solidFill>
+              </a:defRPr>
             </a:lvl7pPr>
             <a:lvl8pPr marL="3200400" indent="0" algn="ctr">
               <a:buNone/>
-              <a:defRPr sz="1600"/>
+              <a:defRPr>
+                <a:solidFill>
+                  <a:schemeClr val="tx1">
+                    <a:tint val="75000"/>
+                  </a:schemeClr>
+                </a:solidFill>
+              </a:defRPr>
             </a:lvl8pPr>
             <a:lvl9pPr marL="3657600" indent="0" algn="ctr">
               <a:buNone/>
-              <a:defRPr sz="1600"/>
+              <a:defRPr>
+                <a:solidFill>
+                  <a:schemeClr val="tx1">
+                    <a:tint val="75000"/>
+                  </a:schemeClr>
+                </a:solidFill>
+              </a:defRPr>
             </a:lvl9pPr>
           </a:lstStyle>
           <a:p>
@@ -217,13 +837,13 @@
               <a:rPr lang="es-ES" smtClean="0"/>
               <a:t>Haga clic para modificar el estilo de subtítulo del patrón</a:t>
             </a:r>
-            <a:endParaRPr lang="es-CO"/>
-          </a:p>
-        </p:txBody>
-      </p:sp>
-      <p:sp>
-        <p:nvSpPr>
-          <p:cNvPr id="4" name="Marcador de fecha 3"/>
+            <a:endParaRPr lang="en-US" dirty="0"/>
+          </a:p>
+        </p:txBody>
+      </p:sp>
+      <p:sp>
+        <p:nvSpPr>
+          <p:cNvPr id="4" name="Date Placeholder 3"/>
           <p:cNvSpPr>
             <a:spLocks noGrp="1"/>
           </p:cNvSpPr>
@@ -246,7 +866,7 @@
       </p:sp>
       <p:sp>
         <p:nvSpPr>
-          <p:cNvPr id="5" name="Marcador de pie de página 4"/>
+          <p:cNvPr id="5" name="Footer Placeholder 4"/>
           <p:cNvSpPr>
             <a:spLocks noGrp="1"/>
           </p:cNvSpPr>
@@ -265,7 +885,7 @@
       </p:sp>
       <p:sp>
         <p:nvSpPr>
-          <p:cNvPr id="6" name="Marcador de número de diapositiva 5"/>
+          <p:cNvPr id="6" name="Slide Number Placeholder 5"/>
           <p:cNvSpPr>
             <a:spLocks noGrp="1"/>
           </p:cNvSpPr>
@@ -289,7 +909,7 @@
     </p:spTree>
     <p:extLst>
       <p:ext uri="{BB962C8B-B14F-4D97-AF65-F5344CB8AC3E}">
-        <p14:creationId xmlns:p14="http://schemas.microsoft.com/office/powerpoint/2010/main" val="2093985305"/>
+        <p14:creationId xmlns:p14="http://schemas.microsoft.com/office/powerpoint/2010/main" val="2966718878"/>
       </p:ext>
     </p:extLst>
   </p:cSld>
@@ -300,6 +920,1611 @@
 </file>
 
 <file path=ppt/slideLayouts/slideLayout10.xml><?xml version="1.0" encoding="utf-8"?>
+<p:sldLayout xmlns:a="http://schemas.openxmlformats.org/drawingml/2006/main" xmlns:r="http://schemas.openxmlformats.org/officeDocument/2006/relationships" xmlns:p="http://schemas.openxmlformats.org/presentationml/2006/main" preserve="1">
+  <p:cSld name="Título y descripción">
+    <p:spTree>
+      <p:nvGrpSpPr>
+        <p:cNvPr id="1" name=""/>
+        <p:cNvGrpSpPr/>
+        <p:nvPr/>
+      </p:nvGrpSpPr>
+      <p:grpSpPr>
+        <a:xfrm>
+          <a:off x="0" y="0"/>
+          <a:ext cx="0" cy="0"/>
+          <a:chOff x="0" y="0"/>
+          <a:chExt cx="0" cy="0"/>
+        </a:xfrm>
+      </p:grpSpPr>
+      <p:sp>
+        <p:nvSpPr>
+          <p:cNvPr id="2" name="Title 1"/>
+          <p:cNvSpPr>
+            <a:spLocks noGrp="1"/>
+          </p:cNvSpPr>
+          <p:nvPr>
+            <p:ph type="title"/>
+          </p:nvPr>
+        </p:nvSpPr>
+        <p:spPr>
+          <a:xfrm>
+            <a:off x="677335" y="609600"/>
+            <a:ext cx="8596668" cy="3403600"/>
+          </a:xfrm>
+        </p:spPr>
+        <p:txBody>
+          <a:bodyPr anchor="ctr">
+            <a:normAutofit/>
+          </a:bodyPr>
+          <a:lstStyle>
+            <a:lvl1pPr algn="l">
+              <a:defRPr sz="4400" b="0" cap="none"/>
+            </a:lvl1pPr>
+          </a:lstStyle>
+          <a:p>
+            <a:r>
+              <a:rPr lang="es-ES" smtClean="0"/>
+              <a:t>Haga clic para modificar el estilo de título del patrón</a:t>
+            </a:r>
+            <a:endParaRPr lang="en-US" dirty="0"/>
+          </a:p>
+        </p:txBody>
+      </p:sp>
+      <p:sp>
+        <p:nvSpPr>
+          <p:cNvPr id="3" name="Text Placeholder 2"/>
+          <p:cNvSpPr>
+            <a:spLocks noGrp="1"/>
+          </p:cNvSpPr>
+          <p:nvPr>
+            <p:ph type="body" idx="1"/>
+          </p:nvPr>
+        </p:nvSpPr>
+        <p:spPr>
+          <a:xfrm>
+            <a:off x="677335" y="4470400"/>
+            <a:ext cx="8596668" cy="1570962"/>
+          </a:xfrm>
+        </p:spPr>
+        <p:txBody>
+          <a:bodyPr anchor="ctr">
+            <a:normAutofit/>
+          </a:bodyPr>
+          <a:lstStyle>
+            <a:lvl1pPr marL="0" indent="0" algn="l">
+              <a:buNone/>
+              <a:defRPr sz="1800">
+                <a:solidFill>
+                  <a:schemeClr val="tx1">
+                    <a:lumMod val="75000"/>
+                    <a:lumOff val="25000"/>
+                  </a:schemeClr>
+                </a:solidFill>
+              </a:defRPr>
+            </a:lvl1pPr>
+            <a:lvl2pPr marL="457200" indent="0">
+              <a:buNone/>
+              <a:defRPr sz="1800">
+                <a:solidFill>
+                  <a:schemeClr val="tx1">
+                    <a:tint val="75000"/>
+                  </a:schemeClr>
+                </a:solidFill>
+              </a:defRPr>
+            </a:lvl2pPr>
+            <a:lvl3pPr marL="914400" indent="0">
+              <a:buNone/>
+              <a:defRPr sz="1600">
+                <a:solidFill>
+                  <a:schemeClr val="tx1">
+                    <a:tint val="75000"/>
+                  </a:schemeClr>
+                </a:solidFill>
+              </a:defRPr>
+            </a:lvl3pPr>
+            <a:lvl4pPr marL="1371600" indent="0">
+              <a:buNone/>
+              <a:defRPr sz="1400">
+                <a:solidFill>
+                  <a:schemeClr val="tx1">
+                    <a:tint val="75000"/>
+                  </a:schemeClr>
+                </a:solidFill>
+              </a:defRPr>
+            </a:lvl4pPr>
+            <a:lvl5pPr marL="1828800" indent="0">
+              <a:buNone/>
+              <a:defRPr sz="1400">
+                <a:solidFill>
+                  <a:schemeClr val="tx1">
+                    <a:tint val="75000"/>
+                  </a:schemeClr>
+                </a:solidFill>
+              </a:defRPr>
+            </a:lvl5pPr>
+            <a:lvl6pPr marL="2286000" indent="0">
+              <a:buNone/>
+              <a:defRPr sz="1400">
+                <a:solidFill>
+                  <a:schemeClr val="tx1">
+                    <a:tint val="75000"/>
+                  </a:schemeClr>
+                </a:solidFill>
+              </a:defRPr>
+            </a:lvl6pPr>
+            <a:lvl7pPr marL="2743200" indent="0">
+              <a:buNone/>
+              <a:defRPr sz="1400">
+                <a:solidFill>
+                  <a:schemeClr val="tx1">
+                    <a:tint val="75000"/>
+                  </a:schemeClr>
+                </a:solidFill>
+              </a:defRPr>
+            </a:lvl7pPr>
+            <a:lvl8pPr marL="3200400" indent="0">
+              <a:buNone/>
+              <a:defRPr sz="1400">
+                <a:solidFill>
+                  <a:schemeClr val="tx1">
+                    <a:tint val="75000"/>
+                  </a:schemeClr>
+                </a:solidFill>
+              </a:defRPr>
+            </a:lvl8pPr>
+            <a:lvl9pPr marL="3657600" indent="0">
+              <a:buNone/>
+              <a:defRPr sz="1400">
+                <a:solidFill>
+                  <a:schemeClr val="tx1">
+                    <a:tint val="75000"/>
+                  </a:schemeClr>
+                </a:solidFill>
+              </a:defRPr>
+            </a:lvl9pPr>
+          </a:lstStyle>
+          <a:p>
+            <a:pPr lvl="0"/>
+            <a:r>
+              <a:rPr lang="es-ES" smtClean="0"/>
+              <a:t>Haga clic para modificar el estilo de texto del patrón</a:t>
+            </a:r>
+          </a:p>
+        </p:txBody>
+      </p:sp>
+      <p:sp>
+        <p:nvSpPr>
+          <p:cNvPr id="4" name="Date Placeholder 3"/>
+          <p:cNvSpPr>
+            <a:spLocks noGrp="1"/>
+          </p:cNvSpPr>
+          <p:nvPr>
+            <p:ph type="dt" sz="half" idx="10"/>
+          </p:nvPr>
+        </p:nvSpPr>
+        <p:spPr/>
+        <p:txBody>
+          <a:bodyPr/>
+          <a:lstStyle/>
+          <a:p>
+            <a:fld id="{75C66135-EE68-4DD8-A0A4-5D7192798314}" type="datetimeFigureOut">
+              <a:rPr lang="es-CO" smtClean="0"/>
+              <a:t>13/11/2017</a:t>
+            </a:fld>
+            <a:endParaRPr lang="es-CO"/>
+          </a:p>
+        </p:txBody>
+      </p:sp>
+      <p:sp>
+        <p:nvSpPr>
+          <p:cNvPr id="5" name="Footer Placeholder 4"/>
+          <p:cNvSpPr>
+            <a:spLocks noGrp="1"/>
+          </p:cNvSpPr>
+          <p:nvPr>
+            <p:ph type="ftr" sz="quarter" idx="11"/>
+          </p:nvPr>
+        </p:nvSpPr>
+        <p:spPr/>
+        <p:txBody>
+          <a:bodyPr/>
+          <a:lstStyle/>
+          <a:p>
+            <a:endParaRPr lang="es-CO"/>
+          </a:p>
+        </p:txBody>
+      </p:sp>
+      <p:sp>
+        <p:nvSpPr>
+          <p:cNvPr id="6" name="Slide Number Placeholder 5"/>
+          <p:cNvSpPr>
+            <a:spLocks noGrp="1"/>
+          </p:cNvSpPr>
+          <p:nvPr>
+            <p:ph type="sldNum" sz="quarter" idx="12"/>
+          </p:nvPr>
+        </p:nvSpPr>
+        <p:spPr/>
+        <p:txBody>
+          <a:bodyPr/>
+          <a:lstStyle/>
+          <a:p>
+            <a:fld id="{59BFC486-D356-4C3F-958B-5B0B351A2497}" type="slidenum">
+              <a:rPr lang="es-CO" smtClean="0"/>
+              <a:t>‹Nº›</a:t>
+            </a:fld>
+            <a:endParaRPr lang="es-CO"/>
+          </a:p>
+        </p:txBody>
+      </p:sp>
+    </p:spTree>
+    <p:extLst>
+      <p:ext uri="{BB962C8B-B14F-4D97-AF65-F5344CB8AC3E}">
+        <p14:creationId xmlns:p14="http://schemas.microsoft.com/office/powerpoint/2010/main" val="4014198823"/>
+      </p:ext>
+    </p:extLst>
+  </p:cSld>
+  <p:clrMapOvr>
+    <a:masterClrMapping/>
+  </p:clrMapOvr>
+</p:sldLayout>
+</file>
+
+<file path=ppt/slideLayouts/slideLayout11.xml><?xml version="1.0" encoding="utf-8"?>
+<p:sldLayout xmlns:a="http://schemas.openxmlformats.org/drawingml/2006/main" xmlns:r="http://schemas.openxmlformats.org/officeDocument/2006/relationships" xmlns:p="http://schemas.openxmlformats.org/presentationml/2006/main" preserve="1">
+  <p:cSld name="Cita con descripción">
+    <p:spTree>
+      <p:nvGrpSpPr>
+        <p:cNvPr id="1" name=""/>
+        <p:cNvGrpSpPr/>
+        <p:nvPr/>
+      </p:nvGrpSpPr>
+      <p:grpSpPr>
+        <a:xfrm>
+          <a:off x="0" y="0"/>
+          <a:ext cx="0" cy="0"/>
+          <a:chOff x="0" y="0"/>
+          <a:chExt cx="0" cy="0"/>
+        </a:xfrm>
+      </p:grpSpPr>
+      <p:sp>
+        <p:nvSpPr>
+          <p:cNvPr id="2" name="Title 1"/>
+          <p:cNvSpPr>
+            <a:spLocks noGrp="1"/>
+          </p:cNvSpPr>
+          <p:nvPr>
+            <p:ph type="title"/>
+          </p:nvPr>
+        </p:nvSpPr>
+        <p:spPr>
+          <a:xfrm>
+            <a:off x="931334" y="609600"/>
+            <a:ext cx="8094134" cy="3022600"/>
+          </a:xfrm>
+        </p:spPr>
+        <p:txBody>
+          <a:bodyPr anchor="ctr">
+            <a:normAutofit/>
+          </a:bodyPr>
+          <a:lstStyle>
+            <a:lvl1pPr algn="l">
+              <a:defRPr sz="4400" b="0" cap="none"/>
+            </a:lvl1pPr>
+          </a:lstStyle>
+          <a:p>
+            <a:r>
+              <a:rPr lang="es-ES" smtClean="0"/>
+              <a:t>Haga clic para modificar el estilo de título del patrón</a:t>
+            </a:r>
+            <a:endParaRPr lang="en-US" dirty="0"/>
+          </a:p>
+        </p:txBody>
+      </p:sp>
+      <p:sp>
+        <p:nvSpPr>
+          <p:cNvPr id="23" name="Text Placeholder 9"/>
+          <p:cNvSpPr>
+            <a:spLocks noGrp="1"/>
+          </p:cNvSpPr>
+          <p:nvPr>
+            <p:ph type="body" sz="quarter" idx="13"/>
+          </p:nvPr>
+        </p:nvSpPr>
+        <p:spPr>
+          <a:xfrm>
+            <a:off x="1366139" y="3632200"/>
+            <a:ext cx="7224524" cy="381000"/>
+          </a:xfrm>
+        </p:spPr>
+        <p:txBody>
+          <a:bodyPr anchor="ctr">
+            <a:noAutofit/>
+          </a:bodyPr>
+          <a:lstStyle>
+            <a:lvl1pPr marL="0" indent="0">
+              <a:buFontTx/>
+              <a:buNone/>
+              <a:defRPr sz="1600">
+                <a:solidFill>
+                  <a:schemeClr val="tx1">
+                    <a:lumMod val="50000"/>
+                    <a:lumOff val="50000"/>
+                  </a:schemeClr>
+                </a:solidFill>
+              </a:defRPr>
+            </a:lvl1pPr>
+            <a:lvl2pPr marL="457200" indent="0">
+              <a:buFontTx/>
+              <a:buNone/>
+              <a:defRPr/>
+            </a:lvl2pPr>
+            <a:lvl3pPr marL="914400" indent="0">
+              <a:buFontTx/>
+              <a:buNone/>
+              <a:defRPr/>
+            </a:lvl3pPr>
+            <a:lvl4pPr marL="1371600" indent="0">
+              <a:buFontTx/>
+              <a:buNone/>
+              <a:defRPr/>
+            </a:lvl4pPr>
+            <a:lvl5pPr marL="1828800" indent="0">
+              <a:buFontTx/>
+              <a:buNone/>
+              <a:defRPr/>
+            </a:lvl5pPr>
+          </a:lstStyle>
+          <a:p>
+            <a:pPr lvl="0"/>
+            <a:r>
+              <a:rPr lang="es-ES" smtClean="0"/>
+              <a:t>Haga clic para modificar el estilo de texto del patrón</a:t>
+            </a:r>
+          </a:p>
+        </p:txBody>
+      </p:sp>
+      <p:sp>
+        <p:nvSpPr>
+          <p:cNvPr id="3" name="Text Placeholder 2"/>
+          <p:cNvSpPr>
+            <a:spLocks noGrp="1"/>
+          </p:cNvSpPr>
+          <p:nvPr>
+            <p:ph type="body" idx="1"/>
+          </p:nvPr>
+        </p:nvSpPr>
+        <p:spPr>
+          <a:xfrm>
+            <a:off x="677335" y="4470400"/>
+            <a:ext cx="8596668" cy="1570962"/>
+          </a:xfrm>
+        </p:spPr>
+        <p:txBody>
+          <a:bodyPr anchor="ctr">
+            <a:normAutofit/>
+          </a:bodyPr>
+          <a:lstStyle>
+            <a:lvl1pPr marL="0" indent="0" algn="l">
+              <a:buNone/>
+              <a:defRPr sz="1800">
+                <a:solidFill>
+                  <a:schemeClr val="tx1">
+                    <a:lumMod val="75000"/>
+                    <a:lumOff val="25000"/>
+                  </a:schemeClr>
+                </a:solidFill>
+              </a:defRPr>
+            </a:lvl1pPr>
+            <a:lvl2pPr marL="457200" indent="0">
+              <a:buNone/>
+              <a:defRPr sz="1800">
+                <a:solidFill>
+                  <a:schemeClr val="tx1">
+                    <a:tint val="75000"/>
+                  </a:schemeClr>
+                </a:solidFill>
+              </a:defRPr>
+            </a:lvl2pPr>
+            <a:lvl3pPr marL="914400" indent="0">
+              <a:buNone/>
+              <a:defRPr sz="1600">
+                <a:solidFill>
+                  <a:schemeClr val="tx1">
+                    <a:tint val="75000"/>
+                  </a:schemeClr>
+                </a:solidFill>
+              </a:defRPr>
+            </a:lvl3pPr>
+            <a:lvl4pPr marL="1371600" indent="0">
+              <a:buNone/>
+              <a:defRPr sz="1400">
+                <a:solidFill>
+                  <a:schemeClr val="tx1">
+                    <a:tint val="75000"/>
+                  </a:schemeClr>
+                </a:solidFill>
+              </a:defRPr>
+            </a:lvl4pPr>
+            <a:lvl5pPr marL="1828800" indent="0">
+              <a:buNone/>
+              <a:defRPr sz="1400">
+                <a:solidFill>
+                  <a:schemeClr val="tx1">
+                    <a:tint val="75000"/>
+                  </a:schemeClr>
+                </a:solidFill>
+              </a:defRPr>
+            </a:lvl5pPr>
+            <a:lvl6pPr marL="2286000" indent="0">
+              <a:buNone/>
+              <a:defRPr sz="1400">
+                <a:solidFill>
+                  <a:schemeClr val="tx1">
+                    <a:tint val="75000"/>
+                  </a:schemeClr>
+                </a:solidFill>
+              </a:defRPr>
+            </a:lvl6pPr>
+            <a:lvl7pPr marL="2743200" indent="0">
+              <a:buNone/>
+              <a:defRPr sz="1400">
+                <a:solidFill>
+                  <a:schemeClr val="tx1">
+                    <a:tint val="75000"/>
+                  </a:schemeClr>
+                </a:solidFill>
+              </a:defRPr>
+            </a:lvl7pPr>
+            <a:lvl8pPr marL="3200400" indent="0">
+              <a:buNone/>
+              <a:defRPr sz="1400">
+                <a:solidFill>
+                  <a:schemeClr val="tx1">
+                    <a:tint val="75000"/>
+                  </a:schemeClr>
+                </a:solidFill>
+              </a:defRPr>
+            </a:lvl8pPr>
+            <a:lvl9pPr marL="3657600" indent="0">
+              <a:buNone/>
+              <a:defRPr sz="1400">
+                <a:solidFill>
+                  <a:schemeClr val="tx1">
+                    <a:tint val="75000"/>
+                  </a:schemeClr>
+                </a:solidFill>
+              </a:defRPr>
+            </a:lvl9pPr>
+          </a:lstStyle>
+          <a:p>
+            <a:pPr lvl="0"/>
+            <a:r>
+              <a:rPr lang="es-ES" smtClean="0"/>
+              <a:t>Haga clic para modificar el estilo de texto del patrón</a:t>
+            </a:r>
+          </a:p>
+        </p:txBody>
+      </p:sp>
+      <p:sp>
+        <p:nvSpPr>
+          <p:cNvPr id="4" name="Date Placeholder 3"/>
+          <p:cNvSpPr>
+            <a:spLocks noGrp="1"/>
+          </p:cNvSpPr>
+          <p:nvPr>
+            <p:ph type="dt" sz="half" idx="10"/>
+          </p:nvPr>
+        </p:nvSpPr>
+        <p:spPr/>
+        <p:txBody>
+          <a:bodyPr/>
+          <a:lstStyle/>
+          <a:p>
+            <a:fld id="{75C66135-EE68-4DD8-A0A4-5D7192798314}" type="datetimeFigureOut">
+              <a:rPr lang="es-CO" smtClean="0"/>
+              <a:t>13/11/2017</a:t>
+            </a:fld>
+            <a:endParaRPr lang="es-CO"/>
+          </a:p>
+        </p:txBody>
+      </p:sp>
+      <p:sp>
+        <p:nvSpPr>
+          <p:cNvPr id="5" name="Footer Placeholder 4"/>
+          <p:cNvSpPr>
+            <a:spLocks noGrp="1"/>
+          </p:cNvSpPr>
+          <p:nvPr>
+            <p:ph type="ftr" sz="quarter" idx="11"/>
+          </p:nvPr>
+        </p:nvSpPr>
+        <p:spPr/>
+        <p:txBody>
+          <a:bodyPr/>
+          <a:lstStyle/>
+          <a:p>
+            <a:endParaRPr lang="es-CO"/>
+          </a:p>
+        </p:txBody>
+      </p:sp>
+      <p:sp>
+        <p:nvSpPr>
+          <p:cNvPr id="6" name="Slide Number Placeholder 5"/>
+          <p:cNvSpPr>
+            <a:spLocks noGrp="1"/>
+          </p:cNvSpPr>
+          <p:nvPr>
+            <p:ph type="sldNum" sz="quarter" idx="12"/>
+          </p:nvPr>
+        </p:nvSpPr>
+        <p:spPr/>
+        <p:txBody>
+          <a:bodyPr/>
+          <a:lstStyle/>
+          <a:p>
+            <a:fld id="{59BFC486-D356-4C3F-958B-5B0B351A2497}" type="slidenum">
+              <a:rPr lang="es-CO" smtClean="0"/>
+              <a:t>‹Nº›</a:t>
+            </a:fld>
+            <a:endParaRPr lang="es-CO"/>
+          </a:p>
+        </p:txBody>
+      </p:sp>
+      <p:sp>
+        <p:nvSpPr>
+          <p:cNvPr id="24" name="TextBox 23"/>
+          <p:cNvSpPr txBox="1"/>
+          <p:nvPr/>
+        </p:nvSpPr>
+        <p:spPr>
+          <a:xfrm>
+            <a:off x="541870" y="790378"/>
+            <a:ext cx="609600" cy="584776"/>
+          </a:xfrm>
+          <a:prstGeom prst="rect">
+            <a:avLst/>
+          </a:prstGeom>
+        </p:spPr>
+        <p:txBody>
+          <a:bodyPr vert="horz" lIns="91440" tIns="45720" rIns="91440" bIns="45720" rtlCol="0" anchor="ctr">
+            <a:noAutofit/>
+          </a:bodyPr>
+          <a:lstStyle/>
+          <a:p>
+            <a:pPr lvl="0"/>
+            <a:r>
+              <a:rPr lang="en-US" sz="8000" baseline="0" dirty="0">
+                <a:ln w="3175" cmpd="sng">
+                  <a:noFill/>
+                </a:ln>
+                <a:solidFill>
+                  <a:schemeClr val="accent1">
+                    <a:lumMod val="60000"/>
+                    <a:lumOff val="40000"/>
+                  </a:schemeClr>
+                </a:solidFill>
+                <a:effectLst/>
+                <a:latin typeface="Arial"/>
+              </a:rPr>
+              <a:t>“</a:t>
+            </a:r>
+          </a:p>
+        </p:txBody>
+      </p:sp>
+      <p:sp>
+        <p:nvSpPr>
+          <p:cNvPr id="25" name="TextBox 24"/>
+          <p:cNvSpPr txBox="1"/>
+          <p:nvPr/>
+        </p:nvSpPr>
+        <p:spPr>
+          <a:xfrm>
+            <a:off x="8893011" y="2886556"/>
+            <a:ext cx="609600" cy="584776"/>
+          </a:xfrm>
+          <a:prstGeom prst="rect">
+            <a:avLst/>
+          </a:prstGeom>
+        </p:spPr>
+        <p:txBody>
+          <a:bodyPr vert="horz" lIns="91440" tIns="45720" rIns="91440" bIns="45720" rtlCol="0" anchor="ctr">
+            <a:noAutofit/>
+          </a:bodyPr>
+          <a:lstStyle/>
+          <a:p>
+            <a:pPr lvl="0"/>
+            <a:r>
+              <a:rPr lang="en-US" sz="8000" baseline="0" dirty="0">
+                <a:ln w="3175" cmpd="sng">
+                  <a:noFill/>
+                </a:ln>
+                <a:solidFill>
+                  <a:schemeClr val="accent1">
+                    <a:lumMod val="60000"/>
+                    <a:lumOff val="40000"/>
+                  </a:schemeClr>
+                </a:solidFill>
+                <a:effectLst/>
+                <a:latin typeface="Arial"/>
+              </a:rPr>
+              <a:t>”</a:t>
+            </a:r>
+          </a:p>
+        </p:txBody>
+      </p:sp>
+    </p:spTree>
+    <p:extLst>
+      <p:ext uri="{BB962C8B-B14F-4D97-AF65-F5344CB8AC3E}">
+        <p14:creationId xmlns:p14="http://schemas.microsoft.com/office/powerpoint/2010/main" val="4068838041"/>
+      </p:ext>
+    </p:extLst>
+  </p:cSld>
+  <p:clrMapOvr>
+    <a:masterClrMapping/>
+  </p:clrMapOvr>
+</p:sldLayout>
+</file>
+
+<file path=ppt/slideLayouts/slideLayout12.xml><?xml version="1.0" encoding="utf-8"?>
+<p:sldLayout xmlns:a="http://schemas.openxmlformats.org/drawingml/2006/main" xmlns:r="http://schemas.openxmlformats.org/officeDocument/2006/relationships" xmlns:p="http://schemas.openxmlformats.org/presentationml/2006/main" preserve="1">
+  <p:cSld name="Tarjeta de nombre">
+    <p:spTree>
+      <p:nvGrpSpPr>
+        <p:cNvPr id="1" name=""/>
+        <p:cNvGrpSpPr/>
+        <p:nvPr/>
+      </p:nvGrpSpPr>
+      <p:grpSpPr>
+        <a:xfrm>
+          <a:off x="0" y="0"/>
+          <a:ext cx="0" cy="0"/>
+          <a:chOff x="0" y="0"/>
+          <a:chExt cx="0" cy="0"/>
+        </a:xfrm>
+      </p:grpSpPr>
+      <p:sp>
+        <p:nvSpPr>
+          <p:cNvPr id="2" name="Title 1"/>
+          <p:cNvSpPr>
+            <a:spLocks noGrp="1"/>
+          </p:cNvSpPr>
+          <p:nvPr>
+            <p:ph type="title"/>
+          </p:nvPr>
+        </p:nvSpPr>
+        <p:spPr>
+          <a:xfrm>
+            <a:off x="677335" y="1931988"/>
+            <a:ext cx="8596668" cy="2595460"/>
+          </a:xfrm>
+        </p:spPr>
+        <p:txBody>
+          <a:bodyPr anchor="b">
+            <a:normAutofit/>
+          </a:bodyPr>
+          <a:lstStyle>
+            <a:lvl1pPr algn="l">
+              <a:defRPr sz="4400" b="0" cap="none"/>
+            </a:lvl1pPr>
+          </a:lstStyle>
+          <a:p>
+            <a:r>
+              <a:rPr lang="es-ES" smtClean="0"/>
+              <a:t>Haga clic para modificar el estilo de título del patrón</a:t>
+            </a:r>
+            <a:endParaRPr lang="en-US" dirty="0"/>
+          </a:p>
+        </p:txBody>
+      </p:sp>
+      <p:sp>
+        <p:nvSpPr>
+          <p:cNvPr id="3" name="Text Placeholder 2"/>
+          <p:cNvSpPr>
+            <a:spLocks noGrp="1"/>
+          </p:cNvSpPr>
+          <p:nvPr>
+            <p:ph type="body" idx="1"/>
+          </p:nvPr>
+        </p:nvSpPr>
+        <p:spPr>
+          <a:xfrm>
+            <a:off x="677335" y="4527448"/>
+            <a:ext cx="8596668" cy="1513914"/>
+          </a:xfrm>
+        </p:spPr>
+        <p:txBody>
+          <a:bodyPr anchor="t">
+            <a:normAutofit/>
+          </a:bodyPr>
+          <a:lstStyle>
+            <a:lvl1pPr marL="0" indent="0" algn="l">
+              <a:buNone/>
+              <a:defRPr sz="1800">
+                <a:solidFill>
+                  <a:schemeClr val="tx1">
+                    <a:lumMod val="75000"/>
+                    <a:lumOff val="25000"/>
+                  </a:schemeClr>
+                </a:solidFill>
+              </a:defRPr>
+            </a:lvl1pPr>
+            <a:lvl2pPr marL="457200" indent="0">
+              <a:buNone/>
+              <a:defRPr sz="1800">
+                <a:solidFill>
+                  <a:schemeClr val="tx1">
+                    <a:tint val="75000"/>
+                  </a:schemeClr>
+                </a:solidFill>
+              </a:defRPr>
+            </a:lvl2pPr>
+            <a:lvl3pPr marL="914400" indent="0">
+              <a:buNone/>
+              <a:defRPr sz="1600">
+                <a:solidFill>
+                  <a:schemeClr val="tx1">
+                    <a:tint val="75000"/>
+                  </a:schemeClr>
+                </a:solidFill>
+              </a:defRPr>
+            </a:lvl3pPr>
+            <a:lvl4pPr marL="1371600" indent="0">
+              <a:buNone/>
+              <a:defRPr sz="1400">
+                <a:solidFill>
+                  <a:schemeClr val="tx1">
+                    <a:tint val="75000"/>
+                  </a:schemeClr>
+                </a:solidFill>
+              </a:defRPr>
+            </a:lvl4pPr>
+            <a:lvl5pPr marL="1828800" indent="0">
+              <a:buNone/>
+              <a:defRPr sz="1400">
+                <a:solidFill>
+                  <a:schemeClr val="tx1">
+                    <a:tint val="75000"/>
+                  </a:schemeClr>
+                </a:solidFill>
+              </a:defRPr>
+            </a:lvl5pPr>
+            <a:lvl6pPr marL="2286000" indent="0">
+              <a:buNone/>
+              <a:defRPr sz="1400">
+                <a:solidFill>
+                  <a:schemeClr val="tx1">
+                    <a:tint val="75000"/>
+                  </a:schemeClr>
+                </a:solidFill>
+              </a:defRPr>
+            </a:lvl6pPr>
+            <a:lvl7pPr marL="2743200" indent="0">
+              <a:buNone/>
+              <a:defRPr sz="1400">
+                <a:solidFill>
+                  <a:schemeClr val="tx1">
+                    <a:tint val="75000"/>
+                  </a:schemeClr>
+                </a:solidFill>
+              </a:defRPr>
+            </a:lvl7pPr>
+            <a:lvl8pPr marL="3200400" indent="0">
+              <a:buNone/>
+              <a:defRPr sz="1400">
+                <a:solidFill>
+                  <a:schemeClr val="tx1">
+                    <a:tint val="75000"/>
+                  </a:schemeClr>
+                </a:solidFill>
+              </a:defRPr>
+            </a:lvl8pPr>
+            <a:lvl9pPr marL="3657600" indent="0">
+              <a:buNone/>
+              <a:defRPr sz="1400">
+                <a:solidFill>
+                  <a:schemeClr val="tx1">
+                    <a:tint val="75000"/>
+                  </a:schemeClr>
+                </a:solidFill>
+              </a:defRPr>
+            </a:lvl9pPr>
+          </a:lstStyle>
+          <a:p>
+            <a:pPr lvl="0"/>
+            <a:r>
+              <a:rPr lang="es-ES" smtClean="0"/>
+              <a:t>Haga clic para modificar el estilo de texto del patrón</a:t>
+            </a:r>
+          </a:p>
+        </p:txBody>
+      </p:sp>
+      <p:sp>
+        <p:nvSpPr>
+          <p:cNvPr id="4" name="Date Placeholder 3"/>
+          <p:cNvSpPr>
+            <a:spLocks noGrp="1"/>
+          </p:cNvSpPr>
+          <p:nvPr>
+            <p:ph type="dt" sz="half" idx="10"/>
+          </p:nvPr>
+        </p:nvSpPr>
+        <p:spPr/>
+        <p:txBody>
+          <a:bodyPr/>
+          <a:lstStyle/>
+          <a:p>
+            <a:fld id="{75C66135-EE68-4DD8-A0A4-5D7192798314}" type="datetimeFigureOut">
+              <a:rPr lang="es-CO" smtClean="0"/>
+              <a:t>13/11/2017</a:t>
+            </a:fld>
+            <a:endParaRPr lang="es-CO"/>
+          </a:p>
+        </p:txBody>
+      </p:sp>
+      <p:sp>
+        <p:nvSpPr>
+          <p:cNvPr id="5" name="Footer Placeholder 4"/>
+          <p:cNvSpPr>
+            <a:spLocks noGrp="1"/>
+          </p:cNvSpPr>
+          <p:nvPr>
+            <p:ph type="ftr" sz="quarter" idx="11"/>
+          </p:nvPr>
+        </p:nvSpPr>
+        <p:spPr/>
+        <p:txBody>
+          <a:bodyPr/>
+          <a:lstStyle/>
+          <a:p>
+            <a:endParaRPr lang="es-CO"/>
+          </a:p>
+        </p:txBody>
+      </p:sp>
+      <p:sp>
+        <p:nvSpPr>
+          <p:cNvPr id="6" name="Slide Number Placeholder 5"/>
+          <p:cNvSpPr>
+            <a:spLocks noGrp="1"/>
+          </p:cNvSpPr>
+          <p:nvPr>
+            <p:ph type="sldNum" sz="quarter" idx="12"/>
+          </p:nvPr>
+        </p:nvSpPr>
+        <p:spPr/>
+        <p:txBody>
+          <a:bodyPr/>
+          <a:lstStyle/>
+          <a:p>
+            <a:fld id="{59BFC486-D356-4C3F-958B-5B0B351A2497}" type="slidenum">
+              <a:rPr lang="es-CO" smtClean="0"/>
+              <a:t>‹Nº›</a:t>
+            </a:fld>
+            <a:endParaRPr lang="es-CO"/>
+          </a:p>
+        </p:txBody>
+      </p:sp>
+    </p:spTree>
+    <p:extLst>
+      <p:ext uri="{BB962C8B-B14F-4D97-AF65-F5344CB8AC3E}">
+        <p14:creationId xmlns:p14="http://schemas.microsoft.com/office/powerpoint/2010/main" val="1970678674"/>
+      </p:ext>
+    </p:extLst>
+  </p:cSld>
+  <p:clrMapOvr>
+    <a:masterClrMapping/>
+  </p:clrMapOvr>
+</p:sldLayout>
+</file>
+
+<file path=ppt/slideLayouts/slideLayout13.xml><?xml version="1.0" encoding="utf-8"?>
+<p:sldLayout xmlns:a="http://schemas.openxmlformats.org/drawingml/2006/main" xmlns:r="http://schemas.openxmlformats.org/officeDocument/2006/relationships" xmlns:p="http://schemas.openxmlformats.org/presentationml/2006/main" preserve="1">
+  <p:cSld name="Citar la tarjeta de nombre">
+    <p:spTree>
+      <p:nvGrpSpPr>
+        <p:cNvPr id="1" name=""/>
+        <p:cNvGrpSpPr/>
+        <p:nvPr/>
+      </p:nvGrpSpPr>
+      <p:grpSpPr>
+        <a:xfrm>
+          <a:off x="0" y="0"/>
+          <a:ext cx="0" cy="0"/>
+          <a:chOff x="0" y="0"/>
+          <a:chExt cx="0" cy="0"/>
+        </a:xfrm>
+      </p:grpSpPr>
+      <p:sp>
+        <p:nvSpPr>
+          <p:cNvPr id="2" name="Title 1"/>
+          <p:cNvSpPr>
+            <a:spLocks noGrp="1"/>
+          </p:cNvSpPr>
+          <p:nvPr>
+            <p:ph type="title"/>
+          </p:nvPr>
+        </p:nvSpPr>
+        <p:spPr>
+          <a:xfrm>
+            <a:off x="931334" y="609600"/>
+            <a:ext cx="8094134" cy="3022600"/>
+          </a:xfrm>
+        </p:spPr>
+        <p:txBody>
+          <a:bodyPr anchor="ctr">
+            <a:normAutofit/>
+          </a:bodyPr>
+          <a:lstStyle>
+            <a:lvl1pPr algn="l">
+              <a:defRPr sz="4400" b="0" cap="none"/>
+            </a:lvl1pPr>
+          </a:lstStyle>
+          <a:p>
+            <a:r>
+              <a:rPr lang="es-ES" smtClean="0"/>
+              <a:t>Haga clic para modificar el estilo de título del patrón</a:t>
+            </a:r>
+            <a:endParaRPr lang="en-US" dirty="0"/>
+          </a:p>
+        </p:txBody>
+      </p:sp>
+      <p:sp>
+        <p:nvSpPr>
+          <p:cNvPr id="23" name="Text Placeholder 9"/>
+          <p:cNvSpPr>
+            <a:spLocks noGrp="1"/>
+          </p:cNvSpPr>
+          <p:nvPr>
+            <p:ph type="body" sz="quarter" idx="13"/>
+          </p:nvPr>
+        </p:nvSpPr>
+        <p:spPr>
+          <a:xfrm>
+            <a:off x="677332" y="4013200"/>
+            <a:ext cx="8596669" cy="514248"/>
+          </a:xfrm>
+        </p:spPr>
+        <p:txBody>
+          <a:bodyPr anchor="b">
+            <a:noAutofit/>
+          </a:bodyPr>
+          <a:lstStyle>
+            <a:lvl1pPr marL="0" indent="0">
+              <a:buFontTx/>
+              <a:buNone/>
+              <a:defRPr sz="2400">
+                <a:solidFill>
+                  <a:schemeClr val="tx1">
+                    <a:lumMod val="75000"/>
+                    <a:lumOff val="25000"/>
+                  </a:schemeClr>
+                </a:solidFill>
+              </a:defRPr>
+            </a:lvl1pPr>
+            <a:lvl2pPr marL="457200" indent="0">
+              <a:buFontTx/>
+              <a:buNone/>
+              <a:defRPr/>
+            </a:lvl2pPr>
+            <a:lvl3pPr marL="914400" indent="0">
+              <a:buFontTx/>
+              <a:buNone/>
+              <a:defRPr/>
+            </a:lvl3pPr>
+            <a:lvl4pPr marL="1371600" indent="0">
+              <a:buFontTx/>
+              <a:buNone/>
+              <a:defRPr/>
+            </a:lvl4pPr>
+            <a:lvl5pPr marL="1828800" indent="0">
+              <a:buFontTx/>
+              <a:buNone/>
+              <a:defRPr/>
+            </a:lvl5pPr>
+          </a:lstStyle>
+          <a:p>
+            <a:pPr lvl="0"/>
+            <a:r>
+              <a:rPr lang="es-ES" smtClean="0"/>
+              <a:t>Haga clic para modificar el estilo de texto del patrón</a:t>
+            </a:r>
+          </a:p>
+        </p:txBody>
+      </p:sp>
+      <p:sp>
+        <p:nvSpPr>
+          <p:cNvPr id="3" name="Text Placeholder 2"/>
+          <p:cNvSpPr>
+            <a:spLocks noGrp="1"/>
+          </p:cNvSpPr>
+          <p:nvPr>
+            <p:ph type="body" idx="1"/>
+          </p:nvPr>
+        </p:nvSpPr>
+        <p:spPr>
+          <a:xfrm>
+            <a:off x="677335" y="4527448"/>
+            <a:ext cx="8596668" cy="1513914"/>
+          </a:xfrm>
+        </p:spPr>
+        <p:txBody>
+          <a:bodyPr anchor="t">
+            <a:normAutofit/>
+          </a:bodyPr>
+          <a:lstStyle>
+            <a:lvl1pPr marL="0" indent="0" algn="l">
+              <a:buNone/>
+              <a:defRPr sz="1800">
+                <a:solidFill>
+                  <a:schemeClr val="tx1">
+                    <a:lumMod val="50000"/>
+                    <a:lumOff val="50000"/>
+                  </a:schemeClr>
+                </a:solidFill>
+              </a:defRPr>
+            </a:lvl1pPr>
+            <a:lvl2pPr marL="457200" indent="0">
+              <a:buNone/>
+              <a:defRPr sz="1800">
+                <a:solidFill>
+                  <a:schemeClr val="tx1">
+                    <a:tint val="75000"/>
+                  </a:schemeClr>
+                </a:solidFill>
+              </a:defRPr>
+            </a:lvl2pPr>
+            <a:lvl3pPr marL="914400" indent="0">
+              <a:buNone/>
+              <a:defRPr sz="1600">
+                <a:solidFill>
+                  <a:schemeClr val="tx1">
+                    <a:tint val="75000"/>
+                  </a:schemeClr>
+                </a:solidFill>
+              </a:defRPr>
+            </a:lvl3pPr>
+            <a:lvl4pPr marL="1371600" indent="0">
+              <a:buNone/>
+              <a:defRPr sz="1400">
+                <a:solidFill>
+                  <a:schemeClr val="tx1">
+                    <a:tint val="75000"/>
+                  </a:schemeClr>
+                </a:solidFill>
+              </a:defRPr>
+            </a:lvl4pPr>
+            <a:lvl5pPr marL="1828800" indent="0">
+              <a:buNone/>
+              <a:defRPr sz="1400">
+                <a:solidFill>
+                  <a:schemeClr val="tx1">
+                    <a:tint val="75000"/>
+                  </a:schemeClr>
+                </a:solidFill>
+              </a:defRPr>
+            </a:lvl5pPr>
+            <a:lvl6pPr marL="2286000" indent="0">
+              <a:buNone/>
+              <a:defRPr sz="1400">
+                <a:solidFill>
+                  <a:schemeClr val="tx1">
+                    <a:tint val="75000"/>
+                  </a:schemeClr>
+                </a:solidFill>
+              </a:defRPr>
+            </a:lvl6pPr>
+            <a:lvl7pPr marL="2743200" indent="0">
+              <a:buNone/>
+              <a:defRPr sz="1400">
+                <a:solidFill>
+                  <a:schemeClr val="tx1">
+                    <a:tint val="75000"/>
+                  </a:schemeClr>
+                </a:solidFill>
+              </a:defRPr>
+            </a:lvl7pPr>
+            <a:lvl8pPr marL="3200400" indent="0">
+              <a:buNone/>
+              <a:defRPr sz="1400">
+                <a:solidFill>
+                  <a:schemeClr val="tx1">
+                    <a:tint val="75000"/>
+                  </a:schemeClr>
+                </a:solidFill>
+              </a:defRPr>
+            </a:lvl8pPr>
+            <a:lvl9pPr marL="3657600" indent="0">
+              <a:buNone/>
+              <a:defRPr sz="1400">
+                <a:solidFill>
+                  <a:schemeClr val="tx1">
+                    <a:tint val="75000"/>
+                  </a:schemeClr>
+                </a:solidFill>
+              </a:defRPr>
+            </a:lvl9pPr>
+          </a:lstStyle>
+          <a:p>
+            <a:pPr lvl="0"/>
+            <a:r>
+              <a:rPr lang="es-ES" smtClean="0"/>
+              <a:t>Haga clic para modificar el estilo de texto del patrón</a:t>
+            </a:r>
+          </a:p>
+        </p:txBody>
+      </p:sp>
+      <p:sp>
+        <p:nvSpPr>
+          <p:cNvPr id="4" name="Date Placeholder 3"/>
+          <p:cNvSpPr>
+            <a:spLocks noGrp="1"/>
+          </p:cNvSpPr>
+          <p:nvPr>
+            <p:ph type="dt" sz="half" idx="10"/>
+          </p:nvPr>
+        </p:nvSpPr>
+        <p:spPr/>
+        <p:txBody>
+          <a:bodyPr/>
+          <a:lstStyle/>
+          <a:p>
+            <a:fld id="{75C66135-EE68-4DD8-A0A4-5D7192798314}" type="datetimeFigureOut">
+              <a:rPr lang="es-CO" smtClean="0"/>
+              <a:t>13/11/2017</a:t>
+            </a:fld>
+            <a:endParaRPr lang="es-CO"/>
+          </a:p>
+        </p:txBody>
+      </p:sp>
+      <p:sp>
+        <p:nvSpPr>
+          <p:cNvPr id="5" name="Footer Placeholder 4"/>
+          <p:cNvSpPr>
+            <a:spLocks noGrp="1"/>
+          </p:cNvSpPr>
+          <p:nvPr>
+            <p:ph type="ftr" sz="quarter" idx="11"/>
+          </p:nvPr>
+        </p:nvSpPr>
+        <p:spPr/>
+        <p:txBody>
+          <a:bodyPr/>
+          <a:lstStyle/>
+          <a:p>
+            <a:endParaRPr lang="es-CO"/>
+          </a:p>
+        </p:txBody>
+      </p:sp>
+      <p:sp>
+        <p:nvSpPr>
+          <p:cNvPr id="6" name="Slide Number Placeholder 5"/>
+          <p:cNvSpPr>
+            <a:spLocks noGrp="1"/>
+          </p:cNvSpPr>
+          <p:nvPr>
+            <p:ph type="sldNum" sz="quarter" idx="12"/>
+          </p:nvPr>
+        </p:nvSpPr>
+        <p:spPr/>
+        <p:txBody>
+          <a:bodyPr/>
+          <a:lstStyle/>
+          <a:p>
+            <a:fld id="{59BFC486-D356-4C3F-958B-5B0B351A2497}" type="slidenum">
+              <a:rPr lang="es-CO" smtClean="0"/>
+              <a:t>‹Nº›</a:t>
+            </a:fld>
+            <a:endParaRPr lang="es-CO"/>
+          </a:p>
+        </p:txBody>
+      </p:sp>
+      <p:sp>
+        <p:nvSpPr>
+          <p:cNvPr id="24" name="TextBox 23"/>
+          <p:cNvSpPr txBox="1"/>
+          <p:nvPr/>
+        </p:nvSpPr>
+        <p:spPr>
+          <a:xfrm>
+            <a:off x="541870" y="790378"/>
+            <a:ext cx="609600" cy="584776"/>
+          </a:xfrm>
+          <a:prstGeom prst="rect">
+            <a:avLst/>
+          </a:prstGeom>
+        </p:spPr>
+        <p:txBody>
+          <a:bodyPr vert="horz" lIns="91440" tIns="45720" rIns="91440" bIns="45720" rtlCol="0" anchor="ctr">
+            <a:noAutofit/>
+          </a:bodyPr>
+          <a:lstStyle/>
+          <a:p>
+            <a:pPr lvl="0"/>
+            <a:r>
+              <a:rPr lang="en-US" sz="8000" baseline="0" dirty="0">
+                <a:ln w="3175" cmpd="sng">
+                  <a:noFill/>
+                </a:ln>
+                <a:solidFill>
+                  <a:schemeClr val="accent1">
+                    <a:lumMod val="60000"/>
+                    <a:lumOff val="40000"/>
+                  </a:schemeClr>
+                </a:solidFill>
+                <a:effectLst/>
+                <a:latin typeface="Arial"/>
+              </a:rPr>
+              <a:t>“</a:t>
+            </a:r>
+          </a:p>
+        </p:txBody>
+      </p:sp>
+      <p:sp>
+        <p:nvSpPr>
+          <p:cNvPr id="25" name="TextBox 24"/>
+          <p:cNvSpPr txBox="1"/>
+          <p:nvPr/>
+        </p:nvSpPr>
+        <p:spPr>
+          <a:xfrm>
+            <a:off x="8893011" y="2886556"/>
+            <a:ext cx="609600" cy="584776"/>
+          </a:xfrm>
+          <a:prstGeom prst="rect">
+            <a:avLst/>
+          </a:prstGeom>
+        </p:spPr>
+        <p:txBody>
+          <a:bodyPr vert="horz" lIns="91440" tIns="45720" rIns="91440" bIns="45720" rtlCol="0" anchor="ctr">
+            <a:noAutofit/>
+          </a:bodyPr>
+          <a:lstStyle/>
+          <a:p>
+            <a:pPr lvl="0"/>
+            <a:r>
+              <a:rPr lang="en-US" sz="8000" baseline="0" dirty="0">
+                <a:ln w="3175" cmpd="sng">
+                  <a:noFill/>
+                </a:ln>
+                <a:solidFill>
+                  <a:schemeClr val="accent1">
+                    <a:lumMod val="60000"/>
+                    <a:lumOff val="40000"/>
+                  </a:schemeClr>
+                </a:solidFill>
+                <a:effectLst/>
+                <a:latin typeface="Arial"/>
+              </a:rPr>
+              <a:t>”</a:t>
+            </a:r>
+          </a:p>
+        </p:txBody>
+      </p:sp>
+    </p:spTree>
+    <p:extLst>
+      <p:ext uri="{BB962C8B-B14F-4D97-AF65-F5344CB8AC3E}">
+        <p14:creationId xmlns:p14="http://schemas.microsoft.com/office/powerpoint/2010/main" val="658039308"/>
+      </p:ext>
+    </p:extLst>
+  </p:cSld>
+  <p:clrMapOvr>
+    <a:masterClrMapping/>
+  </p:clrMapOvr>
+</p:sldLayout>
+</file>
+
+<file path=ppt/slideLayouts/slideLayout14.xml><?xml version="1.0" encoding="utf-8"?>
+<p:sldLayout xmlns:a="http://schemas.openxmlformats.org/drawingml/2006/main" xmlns:r="http://schemas.openxmlformats.org/officeDocument/2006/relationships" xmlns:p="http://schemas.openxmlformats.org/presentationml/2006/main" preserve="1">
+  <p:cSld name="Verdadero o falso">
+    <p:spTree>
+      <p:nvGrpSpPr>
+        <p:cNvPr id="1" name=""/>
+        <p:cNvGrpSpPr/>
+        <p:nvPr/>
+      </p:nvGrpSpPr>
+      <p:grpSpPr>
+        <a:xfrm>
+          <a:off x="0" y="0"/>
+          <a:ext cx="0" cy="0"/>
+          <a:chOff x="0" y="0"/>
+          <a:chExt cx="0" cy="0"/>
+        </a:xfrm>
+      </p:grpSpPr>
+      <p:sp>
+        <p:nvSpPr>
+          <p:cNvPr id="2" name="Title 1"/>
+          <p:cNvSpPr>
+            <a:spLocks noGrp="1"/>
+          </p:cNvSpPr>
+          <p:nvPr>
+            <p:ph type="title"/>
+          </p:nvPr>
+        </p:nvSpPr>
+        <p:spPr>
+          <a:xfrm>
+            <a:off x="685799" y="609600"/>
+            <a:ext cx="8588203" cy="3022600"/>
+          </a:xfrm>
+        </p:spPr>
+        <p:txBody>
+          <a:bodyPr anchor="ctr">
+            <a:normAutofit/>
+          </a:bodyPr>
+          <a:lstStyle>
+            <a:lvl1pPr algn="l">
+              <a:defRPr sz="4400" b="0" cap="none"/>
+            </a:lvl1pPr>
+          </a:lstStyle>
+          <a:p>
+            <a:r>
+              <a:rPr lang="es-ES" smtClean="0"/>
+              <a:t>Haga clic para modificar el estilo de título del patrón</a:t>
+            </a:r>
+            <a:endParaRPr lang="en-US" dirty="0"/>
+          </a:p>
+        </p:txBody>
+      </p:sp>
+      <p:sp>
+        <p:nvSpPr>
+          <p:cNvPr id="23" name="Text Placeholder 9"/>
+          <p:cNvSpPr>
+            <a:spLocks noGrp="1"/>
+          </p:cNvSpPr>
+          <p:nvPr>
+            <p:ph type="body" sz="quarter" idx="13"/>
+          </p:nvPr>
+        </p:nvSpPr>
+        <p:spPr>
+          <a:xfrm>
+            <a:off x="677332" y="4013200"/>
+            <a:ext cx="8596669" cy="514248"/>
+          </a:xfrm>
+        </p:spPr>
+        <p:txBody>
+          <a:bodyPr anchor="b">
+            <a:noAutofit/>
+          </a:bodyPr>
+          <a:lstStyle>
+            <a:lvl1pPr marL="0" indent="0">
+              <a:buFontTx/>
+              <a:buNone/>
+              <a:defRPr sz="2400">
+                <a:solidFill>
+                  <a:schemeClr val="accent1"/>
+                </a:solidFill>
+              </a:defRPr>
+            </a:lvl1pPr>
+            <a:lvl2pPr marL="457200" indent="0">
+              <a:buFontTx/>
+              <a:buNone/>
+              <a:defRPr/>
+            </a:lvl2pPr>
+            <a:lvl3pPr marL="914400" indent="0">
+              <a:buFontTx/>
+              <a:buNone/>
+              <a:defRPr/>
+            </a:lvl3pPr>
+            <a:lvl4pPr marL="1371600" indent="0">
+              <a:buFontTx/>
+              <a:buNone/>
+              <a:defRPr/>
+            </a:lvl4pPr>
+            <a:lvl5pPr marL="1828800" indent="0">
+              <a:buFontTx/>
+              <a:buNone/>
+              <a:defRPr/>
+            </a:lvl5pPr>
+          </a:lstStyle>
+          <a:p>
+            <a:pPr lvl="0"/>
+            <a:r>
+              <a:rPr lang="es-ES" smtClean="0"/>
+              <a:t>Haga clic para modificar el estilo de texto del patrón</a:t>
+            </a:r>
+          </a:p>
+        </p:txBody>
+      </p:sp>
+      <p:sp>
+        <p:nvSpPr>
+          <p:cNvPr id="3" name="Text Placeholder 2"/>
+          <p:cNvSpPr>
+            <a:spLocks noGrp="1"/>
+          </p:cNvSpPr>
+          <p:nvPr>
+            <p:ph type="body" idx="1"/>
+          </p:nvPr>
+        </p:nvSpPr>
+        <p:spPr>
+          <a:xfrm>
+            <a:off x="677335" y="4527448"/>
+            <a:ext cx="8596668" cy="1513914"/>
+          </a:xfrm>
+        </p:spPr>
+        <p:txBody>
+          <a:bodyPr anchor="t">
+            <a:normAutofit/>
+          </a:bodyPr>
+          <a:lstStyle>
+            <a:lvl1pPr marL="0" indent="0" algn="l">
+              <a:buNone/>
+              <a:defRPr sz="1800">
+                <a:solidFill>
+                  <a:schemeClr val="tx1">
+                    <a:lumMod val="50000"/>
+                    <a:lumOff val="50000"/>
+                  </a:schemeClr>
+                </a:solidFill>
+              </a:defRPr>
+            </a:lvl1pPr>
+            <a:lvl2pPr marL="457200" indent="0">
+              <a:buNone/>
+              <a:defRPr sz="1800">
+                <a:solidFill>
+                  <a:schemeClr val="tx1">
+                    <a:tint val="75000"/>
+                  </a:schemeClr>
+                </a:solidFill>
+              </a:defRPr>
+            </a:lvl2pPr>
+            <a:lvl3pPr marL="914400" indent="0">
+              <a:buNone/>
+              <a:defRPr sz="1600">
+                <a:solidFill>
+                  <a:schemeClr val="tx1">
+                    <a:tint val="75000"/>
+                  </a:schemeClr>
+                </a:solidFill>
+              </a:defRPr>
+            </a:lvl3pPr>
+            <a:lvl4pPr marL="1371600" indent="0">
+              <a:buNone/>
+              <a:defRPr sz="1400">
+                <a:solidFill>
+                  <a:schemeClr val="tx1">
+                    <a:tint val="75000"/>
+                  </a:schemeClr>
+                </a:solidFill>
+              </a:defRPr>
+            </a:lvl4pPr>
+            <a:lvl5pPr marL="1828800" indent="0">
+              <a:buNone/>
+              <a:defRPr sz="1400">
+                <a:solidFill>
+                  <a:schemeClr val="tx1">
+                    <a:tint val="75000"/>
+                  </a:schemeClr>
+                </a:solidFill>
+              </a:defRPr>
+            </a:lvl5pPr>
+            <a:lvl6pPr marL="2286000" indent="0">
+              <a:buNone/>
+              <a:defRPr sz="1400">
+                <a:solidFill>
+                  <a:schemeClr val="tx1">
+                    <a:tint val="75000"/>
+                  </a:schemeClr>
+                </a:solidFill>
+              </a:defRPr>
+            </a:lvl6pPr>
+            <a:lvl7pPr marL="2743200" indent="0">
+              <a:buNone/>
+              <a:defRPr sz="1400">
+                <a:solidFill>
+                  <a:schemeClr val="tx1">
+                    <a:tint val="75000"/>
+                  </a:schemeClr>
+                </a:solidFill>
+              </a:defRPr>
+            </a:lvl7pPr>
+            <a:lvl8pPr marL="3200400" indent="0">
+              <a:buNone/>
+              <a:defRPr sz="1400">
+                <a:solidFill>
+                  <a:schemeClr val="tx1">
+                    <a:tint val="75000"/>
+                  </a:schemeClr>
+                </a:solidFill>
+              </a:defRPr>
+            </a:lvl8pPr>
+            <a:lvl9pPr marL="3657600" indent="0">
+              <a:buNone/>
+              <a:defRPr sz="1400">
+                <a:solidFill>
+                  <a:schemeClr val="tx1">
+                    <a:tint val="75000"/>
+                  </a:schemeClr>
+                </a:solidFill>
+              </a:defRPr>
+            </a:lvl9pPr>
+          </a:lstStyle>
+          <a:p>
+            <a:pPr lvl="0"/>
+            <a:r>
+              <a:rPr lang="es-ES" smtClean="0"/>
+              <a:t>Haga clic para modificar el estilo de texto del patrón</a:t>
+            </a:r>
+          </a:p>
+        </p:txBody>
+      </p:sp>
+      <p:sp>
+        <p:nvSpPr>
+          <p:cNvPr id="4" name="Date Placeholder 3"/>
+          <p:cNvSpPr>
+            <a:spLocks noGrp="1"/>
+          </p:cNvSpPr>
+          <p:nvPr>
+            <p:ph type="dt" sz="half" idx="10"/>
+          </p:nvPr>
+        </p:nvSpPr>
+        <p:spPr/>
+        <p:txBody>
+          <a:bodyPr/>
+          <a:lstStyle/>
+          <a:p>
+            <a:fld id="{75C66135-EE68-4DD8-A0A4-5D7192798314}" type="datetimeFigureOut">
+              <a:rPr lang="es-CO" smtClean="0"/>
+              <a:t>13/11/2017</a:t>
+            </a:fld>
+            <a:endParaRPr lang="es-CO"/>
+          </a:p>
+        </p:txBody>
+      </p:sp>
+      <p:sp>
+        <p:nvSpPr>
+          <p:cNvPr id="5" name="Footer Placeholder 4"/>
+          <p:cNvSpPr>
+            <a:spLocks noGrp="1"/>
+          </p:cNvSpPr>
+          <p:nvPr>
+            <p:ph type="ftr" sz="quarter" idx="11"/>
+          </p:nvPr>
+        </p:nvSpPr>
+        <p:spPr/>
+        <p:txBody>
+          <a:bodyPr/>
+          <a:lstStyle/>
+          <a:p>
+            <a:endParaRPr lang="es-CO"/>
+          </a:p>
+        </p:txBody>
+      </p:sp>
+      <p:sp>
+        <p:nvSpPr>
+          <p:cNvPr id="6" name="Slide Number Placeholder 5"/>
+          <p:cNvSpPr>
+            <a:spLocks noGrp="1"/>
+          </p:cNvSpPr>
+          <p:nvPr>
+            <p:ph type="sldNum" sz="quarter" idx="12"/>
+          </p:nvPr>
+        </p:nvSpPr>
+        <p:spPr/>
+        <p:txBody>
+          <a:bodyPr/>
+          <a:lstStyle/>
+          <a:p>
+            <a:fld id="{59BFC486-D356-4C3F-958B-5B0B351A2497}" type="slidenum">
+              <a:rPr lang="es-CO" smtClean="0"/>
+              <a:t>‹Nº›</a:t>
+            </a:fld>
+            <a:endParaRPr lang="es-CO"/>
+          </a:p>
+        </p:txBody>
+      </p:sp>
+    </p:spTree>
+    <p:extLst>
+      <p:ext uri="{BB962C8B-B14F-4D97-AF65-F5344CB8AC3E}">
+        <p14:creationId xmlns:p14="http://schemas.microsoft.com/office/powerpoint/2010/main" val="506500057"/>
+      </p:ext>
+    </p:extLst>
+  </p:cSld>
+  <p:clrMapOvr>
+    <a:masterClrMapping/>
+  </p:clrMapOvr>
+</p:sldLayout>
+</file>
+
+<file path=ppt/slideLayouts/slideLayout15.xml><?xml version="1.0" encoding="utf-8"?>
 <p:sldLayout xmlns:a="http://schemas.openxmlformats.org/drawingml/2006/main" xmlns:r="http://schemas.openxmlformats.org/officeDocument/2006/relationships" xmlns:p="http://schemas.openxmlformats.org/presentationml/2006/main" type="vertTx" preserve="1">
   <p:cSld name="Título y texto vertical">
     <p:spTree>
@@ -318,7 +2543,7 @@
       </p:grpSpPr>
       <p:sp>
         <p:nvSpPr>
-          <p:cNvPr id="2" name="Título 1"/>
+          <p:cNvPr id="2" name="Title 1"/>
           <p:cNvSpPr>
             <a:spLocks noGrp="1"/>
           </p:cNvSpPr>
@@ -335,13 +2560,13 @@
               <a:rPr lang="es-ES" smtClean="0"/>
               <a:t>Haga clic para modificar el estilo de título del patrón</a:t>
             </a:r>
-            <a:endParaRPr lang="es-CO"/>
-          </a:p>
-        </p:txBody>
-      </p:sp>
-      <p:sp>
-        <p:nvSpPr>
-          <p:cNvPr id="3" name="Marcador de texto vertical 2"/>
+            <a:endParaRPr lang="en-US" dirty="0"/>
+          </a:p>
+        </p:txBody>
+      </p:sp>
+      <p:sp>
+        <p:nvSpPr>
+          <p:cNvPr id="3" name="Vertical Text Placeholder 2"/>
           <p:cNvSpPr>
             <a:spLocks noGrp="1"/>
           </p:cNvSpPr>
@@ -387,13 +2612,13 @@
               <a:rPr lang="es-ES" smtClean="0"/>
               <a:t>Quinto nivel</a:t>
             </a:r>
-            <a:endParaRPr lang="es-CO"/>
-          </a:p>
-        </p:txBody>
-      </p:sp>
-      <p:sp>
-        <p:nvSpPr>
-          <p:cNvPr id="4" name="Marcador de fecha 3"/>
+            <a:endParaRPr lang="en-US" dirty="0"/>
+          </a:p>
+        </p:txBody>
+      </p:sp>
+      <p:sp>
+        <p:nvSpPr>
+          <p:cNvPr id="4" name="Date Placeholder 3"/>
           <p:cNvSpPr>
             <a:spLocks noGrp="1"/>
           </p:cNvSpPr>
@@ -416,7 +2641,7 @@
       </p:sp>
       <p:sp>
         <p:nvSpPr>
-          <p:cNvPr id="5" name="Marcador de pie de página 4"/>
+          <p:cNvPr id="5" name="Footer Placeholder 4"/>
           <p:cNvSpPr>
             <a:spLocks noGrp="1"/>
           </p:cNvSpPr>
@@ -435,7 +2660,7 @@
       </p:sp>
       <p:sp>
         <p:nvSpPr>
-          <p:cNvPr id="6" name="Marcador de número de diapositiva 5"/>
+          <p:cNvPr id="6" name="Slide Number Placeholder 5"/>
           <p:cNvSpPr>
             <a:spLocks noGrp="1"/>
           </p:cNvSpPr>
@@ -459,7 +2684,7 @@
     </p:spTree>
     <p:extLst>
       <p:ext uri="{BB962C8B-B14F-4D97-AF65-F5344CB8AC3E}">
-        <p14:creationId xmlns:p14="http://schemas.microsoft.com/office/powerpoint/2010/main" val="2572934900"/>
+        <p14:creationId xmlns:p14="http://schemas.microsoft.com/office/powerpoint/2010/main" val="606605889"/>
       </p:ext>
     </p:extLst>
   </p:cSld>
@@ -469,7 +2694,7 @@
 </p:sldLayout>
 </file>
 
-<file path=ppt/slideLayouts/slideLayout11.xml><?xml version="1.0" encoding="utf-8"?>
+<file path=ppt/slideLayouts/slideLayout16.xml><?xml version="1.0" encoding="utf-8"?>
 <p:sldLayout xmlns:a="http://schemas.openxmlformats.org/drawingml/2006/main" xmlns:r="http://schemas.openxmlformats.org/officeDocument/2006/relationships" xmlns:p="http://schemas.openxmlformats.org/presentationml/2006/main" type="vertTitleAndTx" preserve="1">
   <p:cSld name="Título vertical y texto">
     <p:spTree>
@@ -488,7 +2713,7 @@
       </p:grpSpPr>
       <p:sp>
         <p:nvSpPr>
-          <p:cNvPr id="2" name="Título vertical 1"/>
+          <p:cNvPr id="2" name="Vertical Title 1"/>
           <p:cNvSpPr>
             <a:spLocks noGrp="1"/>
           </p:cNvSpPr>
@@ -498,25 +2723,25 @@
         </p:nvSpPr>
         <p:spPr>
           <a:xfrm>
-            <a:off x="8724900" y="365125"/>
-            <a:ext cx="2628900" cy="5811838"/>
+            <a:off x="7967673" y="609599"/>
+            <a:ext cx="1304743" cy="5251451"/>
           </a:xfrm>
         </p:spPr>
         <p:txBody>
-          <a:bodyPr vert="eaVert"/>
+          <a:bodyPr vert="eaVert" anchor="ctr"/>
           <a:lstStyle/>
           <a:p>
             <a:r>
               <a:rPr lang="es-ES" smtClean="0"/>
               <a:t>Haga clic para modificar el estilo de título del patrón</a:t>
             </a:r>
-            <a:endParaRPr lang="es-CO"/>
-          </a:p>
-        </p:txBody>
-      </p:sp>
-      <p:sp>
-        <p:nvSpPr>
-          <p:cNvPr id="3" name="Marcador de texto vertical 2"/>
+            <a:endParaRPr lang="en-US" dirty="0"/>
+          </a:p>
+        </p:txBody>
+      </p:sp>
+      <p:sp>
+        <p:nvSpPr>
+          <p:cNvPr id="3" name="Vertical Text Placeholder 2"/>
           <p:cNvSpPr>
             <a:spLocks noGrp="1"/>
           </p:cNvSpPr>
@@ -526,8 +2751,8 @@
         </p:nvSpPr>
         <p:spPr>
           <a:xfrm>
-            <a:off x="838200" y="365125"/>
-            <a:ext cx="7734300" cy="5811838"/>
+            <a:off x="677335" y="609600"/>
+            <a:ext cx="7060150" cy="5251450"/>
           </a:xfrm>
         </p:spPr>
         <p:txBody>
@@ -567,13 +2792,13 @@
               <a:rPr lang="es-ES" smtClean="0"/>
               <a:t>Quinto nivel</a:t>
             </a:r>
-            <a:endParaRPr lang="es-CO"/>
-          </a:p>
-        </p:txBody>
-      </p:sp>
-      <p:sp>
-        <p:nvSpPr>
-          <p:cNvPr id="4" name="Marcador de fecha 3"/>
+            <a:endParaRPr lang="en-US" dirty="0"/>
+          </a:p>
+        </p:txBody>
+      </p:sp>
+      <p:sp>
+        <p:nvSpPr>
+          <p:cNvPr id="4" name="Date Placeholder 3"/>
           <p:cNvSpPr>
             <a:spLocks noGrp="1"/>
           </p:cNvSpPr>
@@ -596,7 +2821,7 @@
       </p:sp>
       <p:sp>
         <p:nvSpPr>
-          <p:cNvPr id="5" name="Marcador de pie de página 4"/>
+          <p:cNvPr id="5" name="Footer Placeholder 4"/>
           <p:cNvSpPr>
             <a:spLocks noGrp="1"/>
           </p:cNvSpPr>
@@ -615,7 +2840,7 @@
       </p:sp>
       <p:sp>
         <p:nvSpPr>
-          <p:cNvPr id="6" name="Marcador de número de diapositiva 5"/>
+          <p:cNvPr id="6" name="Slide Number Placeholder 5"/>
           <p:cNvSpPr>
             <a:spLocks noGrp="1"/>
           </p:cNvSpPr>
@@ -639,7 +2864,7 @@
     </p:spTree>
     <p:extLst>
       <p:ext uri="{BB962C8B-B14F-4D97-AF65-F5344CB8AC3E}">
-        <p14:creationId xmlns:p14="http://schemas.microsoft.com/office/powerpoint/2010/main" val="3062316177"/>
+        <p14:creationId xmlns:p14="http://schemas.microsoft.com/office/powerpoint/2010/main" val="2066674846"/>
       </p:ext>
     </p:extLst>
   </p:cSld>
@@ -668,7 +2893,7 @@
       </p:grpSpPr>
       <p:sp>
         <p:nvSpPr>
-          <p:cNvPr id="2" name="Título 1"/>
+          <p:cNvPr id="2" name="Title 1"/>
           <p:cNvSpPr>
             <a:spLocks noGrp="1"/>
           </p:cNvSpPr>
@@ -685,13 +2910,13 @@
               <a:rPr lang="es-ES" smtClean="0"/>
               <a:t>Haga clic para modificar el estilo de título del patrón</a:t>
             </a:r>
-            <a:endParaRPr lang="es-CO"/>
-          </a:p>
-        </p:txBody>
-      </p:sp>
-      <p:sp>
-        <p:nvSpPr>
-          <p:cNvPr id="3" name="Marcador de contenido 2"/>
+            <a:endParaRPr lang="en-US" dirty="0"/>
+          </a:p>
+        </p:txBody>
+      </p:sp>
+      <p:sp>
+        <p:nvSpPr>
+          <p:cNvPr id="3" name="Content Placeholder 2"/>
           <p:cNvSpPr>
             <a:spLocks noGrp="1"/>
           </p:cNvSpPr>
@@ -737,13 +2962,13 @@
               <a:rPr lang="es-ES" smtClean="0"/>
               <a:t>Quinto nivel</a:t>
             </a:r>
-            <a:endParaRPr lang="es-CO"/>
-          </a:p>
-        </p:txBody>
-      </p:sp>
-      <p:sp>
-        <p:nvSpPr>
-          <p:cNvPr id="4" name="Marcador de fecha 3"/>
+            <a:endParaRPr lang="en-US" dirty="0"/>
+          </a:p>
+        </p:txBody>
+      </p:sp>
+      <p:sp>
+        <p:nvSpPr>
+          <p:cNvPr id="4" name="Date Placeholder 3"/>
           <p:cNvSpPr>
             <a:spLocks noGrp="1"/>
           </p:cNvSpPr>
@@ -766,7 +2991,7 @@
       </p:sp>
       <p:sp>
         <p:nvSpPr>
-          <p:cNvPr id="5" name="Marcador de pie de página 4"/>
+          <p:cNvPr id="5" name="Footer Placeholder 4"/>
           <p:cNvSpPr>
             <a:spLocks noGrp="1"/>
           </p:cNvSpPr>
@@ -785,7 +3010,7 @@
       </p:sp>
       <p:sp>
         <p:nvSpPr>
-          <p:cNvPr id="6" name="Marcador de número de diapositiva 5"/>
+          <p:cNvPr id="6" name="Slide Number Placeholder 5"/>
           <p:cNvSpPr>
             <a:spLocks noGrp="1"/>
           </p:cNvSpPr>
@@ -809,7 +3034,7 @@
     </p:spTree>
     <p:extLst>
       <p:ext uri="{BB962C8B-B14F-4D97-AF65-F5344CB8AC3E}">
-        <p14:creationId xmlns:p14="http://schemas.microsoft.com/office/powerpoint/2010/main" val="3064366044"/>
+        <p14:creationId xmlns:p14="http://schemas.microsoft.com/office/powerpoint/2010/main" val="2367512989"/>
       </p:ext>
     </p:extLst>
   </p:cSld>
@@ -838,7 +3063,7 @@
       </p:grpSpPr>
       <p:sp>
         <p:nvSpPr>
-          <p:cNvPr id="2" name="Título 1"/>
+          <p:cNvPr id="2" name="Title 1"/>
           <p:cNvSpPr>
             <a:spLocks noGrp="1"/>
           </p:cNvSpPr>
@@ -848,15 +3073,15 @@
         </p:nvSpPr>
         <p:spPr>
           <a:xfrm>
-            <a:off x="831850" y="1709738"/>
-            <a:ext cx="10515600" cy="2852737"/>
+            <a:off x="677335" y="2700867"/>
+            <a:ext cx="8596668" cy="1826581"/>
           </a:xfrm>
         </p:spPr>
         <p:txBody>
           <a:bodyPr anchor="b"/>
           <a:lstStyle>
-            <a:lvl1pPr>
-              <a:defRPr sz="6000"/>
+            <a:lvl1pPr algn="l">
+              <a:defRPr sz="4000" b="0" cap="none"/>
             </a:lvl1pPr>
           </a:lstStyle>
           <a:p>
@@ -864,13 +3089,13 @@
               <a:rPr lang="es-ES" smtClean="0"/>
               <a:t>Haga clic para modificar el estilo de título del patrón</a:t>
             </a:r>
-            <a:endParaRPr lang="es-CO"/>
-          </a:p>
-        </p:txBody>
-      </p:sp>
-      <p:sp>
-        <p:nvSpPr>
-          <p:cNvPr id="3" name="Marcador de texto 2"/>
+            <a:endParaRPr lang="en-US" dirty="0"/>
+          </a:p>
+        </p:txBody>
+      </p:sp>
+      <p:sp>
+        <p:nvSpPr>
+          <p:cNvPr id="3" name="Text Placeholder 2"/>
           <p:cNvSpPr>
             <a:spLocks noGrp="1"/>
           </p:cNvSpPr>
@@ -880,26 +3105,27 @@
         </p:nvSpPr>
         <p:spPr>
           <a:xfrm>
-            <a:off x="831850" y="4589463"/>
-            <a:ext cx="10515600" cy="1500187"/>
+            <a:off x="677335" y="4527448"/>
+            <a:ext cx="8596668" cy="860400"/>
           </a:xfrm>
         </p:spPr>
         <p:txBody>
-          <a:bodyPr/>
+          <a:bodyPr anchor="t"/>
           <a:lstStyle>
-            <a:lvl1pPr marL="0" indent="0">
-              <a:buNone/>
-              <a:defRPr sz="2400">
-                <a:solidFill>
-                  <a:schemeClr val="tx1">
-                    <a:tint val="75000"/>
+            <a:lvl1pPr marL="0" indent="0" algn="l">
+              <a:buNone/>
+              <a:defRPr sz="2000">
+                <a:solidFill>
+                  <a:schemeClr val="tx1">
+                    <a:lumMod val="50000"/>
+                    <a:lumOff val="50000"/>
                   </a:schemeClr>
                 </a:solidFill>
               </a:defRPr>
             </a:lvl1pPr>
             <a:lvl2pPr marL="457200" indent="0">
               <a:buNone/>
-              <a:defRPr sz="2000">
+              <a:defRPr sz="1800">
                 <a:solidFill>
                   <a:schemeClr val="tx1">
                     <a:tint val="75000"/>
@@ -909,7 +3135,7 @@
             </a:lvl2pPr>
             <a:lvl3pPr marL="914400" indent="0">
               <a:buNone/>
-              <a:defRPr sz="1800">
+              <a:defRPr sz="1600">
                 <a:solidFill>
                   <a:schemeClr val="tx1">
                     <a:tint val="75000"/>
@@ -919,7 +3145,7 @@
             </a:lvl3pPr>
             <a:lvl4pPr marL="1371600" indent="0">
               <a:buNone/>
-              <a:defRPr sz="1600">
+              <a:defRPr sz="1400">
                 <a:solidFill>
                   <a:schemeClr val="tx1">
                     <a:tint val="75000"/>
@@ -929,7 +3155,7 @@
             </a:lvl4pPr>
             <a:lvl5pPr marL="1828800" indent="0">
               <a:buNone/>
-              <a:defRPr sz="1600">
+              <a:defRPr sz="1400">
                 <a:solidFill>
                   <a:schemeClr val="tx1">
                     <a:tint val="75000"/>
@@ -939,7 +3165,7 @@
             </a:lvl5pPr>
             <a:lvl6pPr marL="2286000" indent="0">
               <a:buNone/>
-              <a:defRPr sz="1600">
+              <a:defRPr sz="1400">
                 <a:solidFill>
                   <a:schemeClr val="tx1">
                     <a:tint val="75000"/>
@@ -949,7 +3175,7 @@
             </a:lvl6pPr>
             <a:lvl7pPr marL="2743200" indent="0">
               <a:buNone/>
-              <a:defRPr sz="1600">
+              <a:defRPr sz="1400">
                 <a:solidFill>
                   <a:schemeClr val="tx1">
                     <a:tint val="75000"/>
@@ -959,7 +3185,7 @@
             </a:lvl7pPr>
             <a:lvl8pPr marL="3200400" indent="0">
               <a:buNone/>
-              <a:defRPr sz="1600">
+              <a:defRPr sz="1400">
                 <a:solidFill>
                   <a:schemeClr val="tx1">
                     <a:tint val="75000"/>
@@ -969,7 +3195,7 @@
             </a:lvl8pPr>
             <a:lvl9pPr marL="3657600" indent="0">
               <a:buNone/>
-              <a:defRPr sz="1600">
+              <a:defRPr sz="1400">
                 <a:solidFill>
                   <a:schemeClr val="tx1">
                     <a:tint val="75000"/>
@@ -989,7 +3215,7 @@
       </p:sp>
       <p:sp>
         <p:nvSpPr>
-          <p:cNvPr id="4" name="Marcador de fecha 3"/>
+          <p:cNvPr id="4" name="Date Placeholder 3"/>
           <p:cNvSpPr>
             <a:spLocks noGrp="1"/>
           </p:cNvSpPr>
@@ -1012,7 +3238,7 @@
       </p:sp>
       <p:sp>
         <p:nvSpPr>
-          <p:cNvPr id="5" name="Marcador de pie de página 4"/>
+          <p:cNvPr id="5" name="Footer Placeholder 4"/>
           <p:cNvSpPr>
             <a:spLocks noGrp="1"/>
           </p:cNvSpPr>
@@ -1031,7 +3257,7 @@
       </p:sp>
       <p:sp>
         <p:nvSpPr>
-          <p:cNvPr id="6" name="Marcador de número de diapositiva 5"/>
+          <p:cNvPr id="6" name="Slide Number Placeholder 5"/>
           <p:cNvSpPr>
             <a:spLocks noGrp="1"/>
           </p:cNvSpPr>
@@ -1055,7 +3281,7 @@
     </p:spTree>
     <p:extLst>
       <p:ext uri="{BB962C8B-B14F-4D97-AF65-F5344CB8AC3E}">
-        <p14:creationId xmlns:p14="http://schemas.microsoft.com/office/powerpoint/2010/main" val="3570483196"/>
+        <p14:creationId xmlns:p14="http://schemas.microsoft.com/office/powerpoint/2010/main" val="1494720826"/>
       </p:ext>
     </p:extLst>
   </p:cSld>
@@ -1084,7 +3310,7 @@
       </p:grpSpPr>
       <p:sp>
         <p:nvSpPr>
-          <p:cNvPr id="2" name="Título 1"/>
+          <p:cNvPr id="2" name="Title 1"/>
           <p:cNvSpPr>
             <a:spLocks noGrp="1"/>
           </p:cNvSpPr>
@@ -1101,13 +3327,13 @@
               <a:rPr lang="es-ES" smtClean="0"/>
               <a:t>Haga clic para modificar el estilo de título del patrón</a:t>
             </a:r>
-            <a:endParaRPr lang="es-CO"/>
-          </a:p>
-        </p:txBody>
-      </p:sp>
-      <p:sp>
-        <p:nvSpPr>
-          <p:cNvPr id="3" name="Marcador de contenido 2"/>
+            <a:endParaRPr lang="en-US" dirty="0"/>
+          </a:p>
+        </p:txBody>
+      </p:sp>
+      <p:sp>
+        <p:nvSpPr>
+          <p:cNvPr id="3" name="Content Placeholder 2"/>
           <p:cNvSpPr>
             <a:spLocks noGrp="1"/>
           </p:cNvSpPr>
@@ -1117,8 +3343,8 @@
         </p:nvSpPr>
         <p:spPr>
           <a:xfrm>
-            <a:off x="838200" y="1825625"/>
-            <a:ext cx="5181600" cy="4351338"/>
+            <a:off x="677334" y="2160589"/>
+            <a:ext cx="4184035" cy="3880772"/>
           </a:xfrm>
         </p:spPr>
         <p:txBody>
@@ -1158,13 +3384,13 @@
               <a:rPr lang="es-ES" smtClean="0"/>
               <a:t>Quinto nivel</a:t>
             </a:r>
-            <a:endParaRPr lang="es-CO"/>
-          </a:p>
-        </p:txBody>
-      </p:sp>
-      <p:sp>
-        <p:nvSpPr>
-          <p:cNvPr id="4" name="Marcador de contenido 3"/>
+            <a:endParaRPr lang="en-US" dirty="0"/>
+          </a:p>
+        </p:txBody>
+      </p:sp>
+      <p:sp>
+        <p:nvSpPr>
+          <p:cNvPr id="4" name="Content Placeholder 3"/>
           <p:cNvSpPr>
             <a:spLocks noGrp="1"/>
           </p:cNvSpPr>
@@ -1174,8 +3400,8 @@
         </p:nvSpPr>
         <p:spPr>
           <a:xfrm>
-            <a:off x="6172200" y="1825625"/>
-            <a:ext cx="5181600" cy="4351338"/>
+            <a:off x="5089970" y="2160589"/>
+            <a:ext cx="4184034" cy="3880773"/>
           </a:xfrm>
         </p:spPr>
         <p:txBody>
@@ -1215,13 +3441,13 @@
               <a:rPr lang="es-ES" smtClean="0"/>
               <a:t>Quinto nivel</a:t>
             </a:r>
-            <a:endParaRPr lang="es-CO"/>
-          </a:p>
-        </p:txBody>
-      </p:sp>
-      <p:sp>
-        <p:nvSpPr>
-          <p:cNvPr id="5" name="Marcador de fecha 4"/>
+            <a:endParaRPr lang="en-US" dirty="0"/>
+          </a:p>
+        </p:txBody>
+      </p:sp>
+      <p:sp>
+        <p:nvSpPr>
+          <p:cNvPr id="5" name="Date Placeholder 4"/>
           <p:cNvSpPr>
             <a:spLocks noGrp="1"/>
           </p:cNvSpPr>
@@ -1244,7 +3470,7 @@
       </p:sp>
       <p:sp>
         <p:nvSpPr>
-          <p:cNvPr id="6" name="Marcador de pie de página 5"/>
+          <p:cNvPr id="6" name="Footer Placeholder 5"/>
           <p:cNvSpPr>
             <a:spLocks noGrp="1"/>
           </p:cNvSpPr>
@@ -1263,7 +3489,7 @@
       </p:sp>
       <p:sp>
         <p:nvSpPr>
-          <p:cNvPr id="7" name="Marcador de número de diapositiva 6"/>
+          <p:cNvPr id="7" name="Slide Number Placeholder 6"/>
           <p:cNvSpPr>
             <a:spLocks noGrp="1"/>
           </p:cNvSpPr>
@@ -1287,7 +3513,7 @@
     </p:spTree>
     <p:extLst>
       <p:ext uri="{BB962C8B-B14F-4D97-AF65-F5344CB8AC3E}">
-        <p14:creationId xmlns:p14="http://schemas.microsoft.com/office/powerpoint/2010/main" val="433019460"/>
+        <p14:creationId xmlns:p14="http://schemas.microsoft.com/office/powerpoint/2010/main" val="2835065743"/>
       </p:ext>
     </p:extLst>
   </p:cSld>
@@ -1316,54 +3542,55 @@
       </p:grpSpPr>
       <p:sp>
         <p:nvSpPr>
-          <p:cNvPr id="2" name="Título 1"/>
+          <p:cNvPr id="2" name="Title 1"/>
           <p:cNvSpPr>
             <a:spLocks noGrp="1"/>
           </p:cNvSpPr>
           <p:nvPr>
             <p:ph type="title"/>
+          </p:nvPr>
+        </p:nvSpPr>
+        <p:spPr/>
+        <p:txBody>
+          <a:bodyPr/>
+          <a:lstStyle>
+            <a:lvl1pPr>
+              <a:defRPr/>
+            </a:lvl1pPr>
+          </a:lstStyle>
+          <a:p>
+            <a:r>
+              <a:rPr lang="es-ES" smtClean="0"/>
+              <a:t>Haga clic para modificar el estilo de título del patrón</a:t>
+            </a:r>
+            <a:endParaRPr lang="en-US" dirty="0"/>
+          </a:p>
+        </p:txBody>
+      </p:sp>
+      <p:sp>
+        <p:nvSpPr>
+          <p:cNvPr id="3" name="Text Placeholder 2"/>
+          <p:cNvSpPr>
+            <a:spLocks noGrp="1"/>
+          </p:cNvSpPr>
+          <p:nvPr>
+            <p:ph type="body" idx="1"/>
           </p:nvPr>
         </p:nvSpPr>
         <p:spPr>
           <a:xfrm>
-            <a:off x="839788" y="365125"/>
-            <a:ext cx="10515600" cy="1325563"/>
+            <a:off x="675745" y="2160983"/>
+            <a:ext cx="4185623" cy="576262"/>
           </a:xfrm>
         </p:spPr>
         <p:txBody>
-          <a:bodyPr/>
-          <a:lstStyle/>
-          <a:p>
-            <a:r>
-              <a:rPr lang="es-ES" smtClean="0"/>
-              <a:t>Haga clic para modificar el estilo de título del patrón</a:t>
-            </a:r>
-            <a:endParaRPr lang="es-CO"/>
-          </a:p>
-        </p:txBody>
-      </p:sp>
-      <p:sp>
-        <p:nvSpPr>
-          <p:cNvPr id="3" name="Marcador de texto 2"/>
-          <p:cNvSpPr>
-            <a:spLocks noGrp="1"/>
-          </p:cNvSpPr>
-          <p:nvPr>
-            <p:ph type="body" idx="1"/>
-          </p:nvPr>
-        </p:nvSpPr>
-        <p:spPr>
-          <a:xfrm>
-            <a:off x="839788" y="1681163"/>
-            <a:ext cx="5157787" cy="823912"/>
-          </a:xfrm>
-        </p:spPr>
-        <p:txBody>
-          <a:bodyPr anchor="b"/>
+          <a:bodyPr anchor="b">
+            <a:noAutofit/>
+          </a:bodyPr>
           <a:lstStyle>
             <a:lvl1pPr marL="0" indent="0">
               <a:buNone/>
-              <a:defRPr sz="2400" b="1"/>
+              <a:defRPr sz="2400" b="0"/>
             </a:lvl1pPr>
             <a:lvl2pPr marL="457200" indent="0">
               <a:buNone/>
@@ -1409,7 +3636,7 @@
       </p:sp>
       <p:sp>
         <p:nvSpPr>
-          <p:cNvPr id="4" name="Marcador de contenido 3"/>
+          <p:cNvPr id="4" name="Content Placeholder 3"/>
           <p:cNvSpPr>
             <a:spLocks noGrp="1"/>
           </p:cNvSpPr>
@@ -1419,12 +3646,14 @@
         </p:nvSpPr>
         <p:spPr>
           <a:xfrm>
-            <a:off x="839788" y="2505075"/>
-            <a:ext cx="5157787" cy="3684588"/>
+            <a:off x="675745" y="2737245"/>
+            <a:ext cx="4185623" cy="3304117"/>
           </a:xfrm>
         </p:spPr>
         <p:txBody>
-          <a:bodyPr/>
+          <a:bodyPr>
+            <a:normAutofit/>
+          </a:bodyPr>
           <a:lstStyle/>
           <a:p>
             <a:pPr lvl="0"/>
@@ -1460,13 +3689,13 @@
               <a:rPr lang="es-ES" smtClean="0"/>
               <a:t>Quinto nivel</a:t>
             </a:r>
-            <a:endParaRPr lang="es-CO"/>
-          </a:p>
-        </p:txBody>
-      </p:sp>
-      <p:sp>
-        <p:nvSpPr>
-          <p:cNvPr id="5" name="Marcador de texto 4"/>
+            <a:endParaRPr lang="en-US" dirty="0"/>
+          </a:p>
+        </p:txBody>
+      </p:sp>
+      <p:sp>
+        <p:nvSpPr>
+          <p:cNvPr id="5" name="Text Placeholder 4"/>
           <p:cNvSpPr>
             <a:spLocks noGrp="1"/>
           </p:cNvSpPr>
@@ -1476,16 +3705,18 @@
         </p:nvSpPr>
         <p:spPr>
           <a:xfrm>
-            <a:off x="6172200" y="1681163"/>
-            <a:ext cx="5183188" cy="823912"/>
+            <a:off x="5088383" y="2160983"/>
+            <a:ext cx="4185618" cy="576262"/>
           </a:xfrm>
         </p:spPr>
         <p:txBody>
-          <a:bodyPr anchor="b"/>
+          <a:bodyPr anchor="b">
+            <a:noAutofit/>
+          </a:bodyPr>
           <a:lstStyle>
             <a:lvl1pPr marL="0" indent="0">
               <a:buNone/>
-              <a:defRPr sz="2400" b="1"/>
+              <a:defRPr sz="2400" b="0"/>
             </a:lvl1pPr>
             <a:lvl2pPr marL="457200" indent="0">
               <a:buNone/>
@@ -1531,7 +3762,7 @@
       </p:sp>
       <p:sp>
         <p:nvSpPr>
-          <p:cNvPr id="6" name="Marcador de contenido 5"/>
+          <p:cNvPr id="6" name="Content Placeholder 5"/>
           <p:cNvSpPr>
             <a:spLocks noGrp="1"/>
           </p:cNvSpPr>
@@ -1541,12 +3772,14 @@
         </p:nvSpPr>
         <p:spPr>
           <a:xfrm>
-            <a:off x="6172200" y="2505075"/>
-            <a:ext cx="5183188" cy="3684588"/>
+            <a:off x="5088384" y="2737245"/>
+            <a:ext cx="4185617" cy="3304117"/>
           </a:xfrm>
         </p:spPr>
         <p:txBody>
-          <a:bodyPr/>
+          <a:bodyPr>
+            <a:normAutofit/>
+          </a:bodyPr>
           <a:lstStyle/>
           <a:p>
             <a:pPr lvl="0"/>
@@ -1582,13 +3815,13 @@
               <a:rPr lang="es-ES" smtClean="0"/>
               <a:t>Quinto nivel</a:t>
             </a:r>
-            <a:endParaRPr lang="es-CO"/>
-          </a:p>
-        </p:txBody>
-      </p:sp>
-      <p:sp>
-        <p:nvSpPr>
-          <p:cNvPr id="7" name="Marcador de fecha 6"/>
+            <a:endParaRPr lang="en-US" dirty="0"/>
+          </a:p>
+        </p:txBody>
+      </p:sp>
+      <p:sp>
+        <p:nvSpPr>
+          <p:cNvPr id="7" name="Date Placeholder 6"/>
           <p:cNvSpPr>
             <a:spLocks noGrp="1"/>
           </p:cNvSpPr>
@@ -1611,7 +3844,7 @@
       </p:sp>
       <p:sp>
         <p:nvSpPr>
-          <p:cNvPr id="8" name="Marcador de pie de página 7"/>
+          <p:cNvPr id="8" name="Footer Placeholder 7"/>
           <p:cNvSpPr>
             <a:spLocks noGrp="1"/>
           </p:cNvSpPr>
@@ -1630,7 +3863,7 @@
       </p:sp>
       <p:sp>
         <p:nvSpPr>
-          <p:cNvPr id="9" name="Marcador de número de diapositiva 8"/>
+          <p:cNvPr id="9" name="Slide Number Placeholder 8"/>
           <p:cNvSpPr>
             <a:spLocks noGrp="1"/>
           </p:cNvSpPr>
@@ -1654,7 +3887,7 @@
     </p:spTree>
     <p:extLst>
       <p:ext uri="{BB962C8B-B14F-4D97-AF65-F5344CB8AC3E}">
-        <p14:creationId xmlns:p14="http://schemas.microsoft.com/office/powerpoint/2010/main" val="1041076645"/>
+        <p14:creationId xmlns:p14="http://schemas.microsoft.com/office/powerpoint/2010/main" val="2602873334"/>
       </p:ext>
     </p:extLst>
   </p:cSld>
@@ -1683,7 +3916,7 @@
       </p:grpSpPr>
       <p:sp>
         <p:nvSpPr>
-          <p:cNvPr id="2" name="Título 1"/>
+          <p:cNvPr id="2" name="Title 1"/>
           <p:cNvSpPr>
             <a:spLocks noGrp="1"/>
           </p:cNvSpPr>
@@ -1691,7 +3924,12 @@
             <p:ph type="title"/>
           </p:nvPr>
         </p:nvSpPr>
-        <p:spPr/>
+        <p:spPr>
+          <a:xfrm>
+            <a:off x="677334" y="609600"/>
+            <a:ext cx="8596668" cy="1320800"/>
+          </a:xfrm>
+        </p:spPr>
         <p:txBody>
           <a:bodyPr/>
           <a:lstStyle/>
@@ -1700,13 +3938,13 @@
               <a:rPr lang="es-ES" smtClean="0"/>
               <a:t>Haga clic para modificar el estilo de título del patrón</a:t>
             </a:r>
-            <a:endParaRPr lang="es-CO"/>
-          </a:p>
-        </p:txBody>
-      </p:sp>
-      <p:sp>
-        <p:nvSpPr>
-          <p:cNvPr id="3" name="Marcador de fecha 2"/>
+            <a:endParaRPr lang="en-US" dirty="0"/>
+          </a:p>
+        </p:txBody>
+      </p:sp>
+      <p:sp>
+        <p:nvSpPr>
+          <p:cNvPr id="3" name="Date Placeholder 2"/>
           <p:cNvSpPr>
             <a:spLocks noGrp="1"/>
           </p:cNvSpPr>
@@ -1729,7 +3967,7 @@
       </p:sp>
       <p:sp>
         <p:nvSpPr>
-          <p:cNvPr id="4" name="Marcador de pie de página 3"/>
+          <p:cNvPr id="4" name="Footer Placeholder 3"/>
           <p:cNvSpPr>
             <a:spLocks noGrp="1"/>
           </p:cNvSpPr>
@@ -1748,7 +3986,7 @@
       </p:sp>
       <p:sp>
         <p:nvSpPr>
-          <p:cNvPr id="5" name="Marcador de número de diapositiva 4"/>
+          <p:cNvPr id="5" name="Slide Number Placeholder 4"/>
           <p:cNvSpPr>
             <a:spLocks noGrp="1"/>
           </p:cNvSpPr>
@@ -1772,7 +4010,7 @@
     </p:spTree>
     <p:extLst>
       <p:ext uri="{BB962C8B-B14F-4D97-AF65-F5344CB8AC3E}">
-        <p14:creationId xmlns:p14="http://schemas.microsoft.com/office/powerpoint/2010/main" val="4103431447"/>
+        <p14:creationId xmlns:p14="http://schemas.microsoft.com/office/powerpoint/2010/main" val="2976518250"/>
       </p:ext>
     </p:extLst>
   </p:cSld>
@@ -1801,7 +4039,7 @@
       </p:grpSpPr>
       <p:sp>
         <p:nvSpPr>
-          <p:cNvPr id="2" name="Marcador de fecha 1"/>
+          <p:cNvPr id="2" name="Date Placeholder 1"/>
           <p:cNvSpPr>
             <a:spLocks noGrp="1"/>
           </p:cNvSpPr>
@@ -1824,7 +4062,7 @@
       </p:sp>
       <p:sp>
         <p:nvSpPr>
-          <p:cNvPr id="3" name="Marcador de pie de página 2"/>
+          <p:cNvPr id="3" name="Footer Placeholder 2"/>
           <p:cNvSpPr>
             <a:spLocks noGrp="1"/>
           </p:cNvSpPr>
@@ -1843,7 +4081,7 @@
       </p:sp>
       <p:sp>
         <p:nvSpPr>
-          <p:cNvPr id="4" name="Marcador de número de diapositiva 3"/>
+          <p:cNvPr id="4" name="Slide Number Placeholder 3"/>
           <p:cNvSpPr>
             <a:spLocks noGrp="1"/>
           </p:cNvSpPr>
@@ -1867,7 +4105,7 @@
     </p:spTree>
     <p:extLst>
       <p:ext uri="{BB962C8B-B14F-4D97-AF65-F5344CB8AC3E}">
-        <p14:creationId xmlns:p14="http://schemas.microsoft.com/office/powerpoint/2010/main" val="3799404172"/>
+        <p14:creationId xmlns:p14="http://schemas.microsoft.com/office/powerpoint/2010/main" val="1149576149"/>
       </p:ext>
     </p:extLst>
   </p:cSld>
@@ -1896,7 +4134,7 @@
       </p:grpSpPr>
       <p:sp>
         <p:nvSpPr>
-          <p:cNvPr id="2" name="Título 1"/>
+          <p:cNvPr id="2" name="Title 1"/>
           <p:cNvSpPr>
             <a:spLocks noGrp="1"/>
           </p:cNvSpPr>
@@ -1906,15 +4144,17 @@
         </p:nvSpPr>
         <p:spPr>
           <a:xfrm>
-            <a:off x="839788" y="457200"/>
-            <a:ext cx="3932237" cy="1600200"/>
+            <a:off x="677334" y="1498604"/>
+            <a:ext cx="3854528" cy="1278466"/>
           </a:xfrm>
         </p:spPr>
         <p:txBody>
-          <a:bodyPr anchor="b"/>
+          <a:bodyPr anchor="b">
+            <a:normAutofit/>
+          </a:bodyPr>
           <a:lstStyle>
             <a:lvl1pPr>
-              <a:defRPr sz="3200"/>
+              <a:defRPr sz="2000"/>
             </a:lvl1pPr>
           </a:lstStyle>
           <a:p>
@@ -1922,13 +4162,13 @@
               <a:rPr lang="es-ES" smtClean="0"/>
               <a:t>Haga clic para modificar el estilo de título del patrón</a:t>
             </a:r>
-            <a:endParaRPr lang="es-CO"/>
-          </a:p>
-        </p:txBody>
-      </p:sp>
-      <p:sp>
-        <p:nvSpPr>
-          <p:cNvPr id="3" name="Marcador de contenido 2"/>
+            <a:endParaRPr lang="en-US" dirty="0"/>
+          </a:p>
+        </p:txBody>
+      </p:sp>
+      <p:sp>
+        <p:nvSpPr>
+          <p:cNvPr id="3" name="Content Placeholder 2"/>
           <p:cNvSpPr>
             <a:spLocks noGrp="1"/>
           </p:cNvSpPr>
@@ -1938,41 +4178,15 @@
         </p:nvSpPr>
         <p:spPr>
           <a:xfrm>
-            <a:off x="5183188" y="987425"/>
-            <a:ext cx="6172200" cy="4873625"/>
+            <a:off x="4760461" y="514924"/>
+            <a:ext cx="4513541" cy="5526437"/>
           </a:xfrm>
         </p:spPr>
         <p:txBody>
-          <a:bodyPr/>
-          <a:lstStyle>
-            <a:lvl1pPr>
-              <a:defRPr sz="3200"/>
-            </a:lvl1pPr>
-            <a:lvl2pPr>
-              <a:defRPr sz="2800"/>
-            </a:lvl2pPr>
-            <a:lvl3pPr>
-              <a:defRPr sz="2400"/>
-            </a:lvl3pPr>
-            <a:lvl4pPr>
-              <a:defRPr sz="2000"/>
-            </a:lvl4pPr>
-            <a:lvl5pPr>
-              <a:defRPr sz="2000"/>
-            </a:lvl5pPr>
-            <a:lvl6pPr>
-              <a:defRPr sz="2000"/>
-            </a:lvl6pPr>
-            <a:lvl7pPr>
-              <a:defRPr sz="2000"/>
-            </a:lvl7pPr>
-            <a:lvl8pPr>
-              <a:defRPr sz="2000"/>
-            </a:lvl8pPr>
-            <a:lvl9pPr>
-              <a:defRPr sz="2000"/>
-            </a:lvl9pPr>
-          </a:lstStyle>
+          <a:bodyPr>
+            <a:normAutofit/>
+          </a:bodyPr>
+          <a:lstStyle/>
           <a:p>
             <a:pPr lvl="0"/>
             <a:r>
@@ -2007,13 +4221,13 @@
               <a:rPr lang="es-ES" smtClean="0"/>
               <a:t>Quinto nivel</a:t>
             </a:r>
-            <a:endParaRPr lang="es-CO"/>
-          </a:p>
-        </p:txBody>
-      </p:sp>
-      <p:sp>
-        <p:nvSpPr>
-          <p:cNvPr id="4" name="Marcador de texto 3"/>
+            <a:endParaRPr lang="en-US" dirty="0"/>
+          </a:p>
+        </p:txBody>
+      </p:sp>
+      <p:sp>
+        <p:nvSpPr>
+          <p:cNvPr id="4" name="Text Placeholder 3"/>
           <p:cNvSpPr>
             <a:spLocks noGrp="1"/>
           </p:cNvSpPr>
@@ -2023,46 +4237,48 @@
         </p:nvSpPr>
         <p:spPr>
           <a:xfrm>
-            <a:off x="839788" y="2057400"/>
-            <a:ext cx="3932237" cy="3811588"/>
+            <a:off x="677334" y="2777069"/>
+            <a:ext cx="3854528" cy="2584449"/>
           </a:xfrm>
         </p:spPr>
         <p:txBody>
-          <a:bodyPr/>
+          <a:bodyPr>
+            <a:normAutofit/>
+          </a:bodyPr>
           <a:lstStyle>
             <a:lvl1pPr marL="0" indent="0">
               <a:buNone/>
-              <a:defRPr sz="1600"/>
+              <a:defRPr sz="1400"/>
             </a:lvl1pPr>
-            <a:lvl2pPr marL="457200" indent="0">
+            <a:lvl2pPr marL="457063" indent="0">
               <a:buNone/>
               <a:defRPr sz="1400"/>
             </a:lvl2pPr>
-            <a:lvl3pPr marL="914400" indent="0">
+            <a:lvl3pPr marL="914126" indent="0">
               <a:buNone/>
               <a:defRPr sz="1200"/>
             </a:lvl3pPr>
-            <a:lvl4pPr marL="1371600" indent="0">
+            <a:lvl4pPr marL="1371189" indent="0">
               <a:buNone/>
               <a:defRPr sz="1000"/>
             </a:lvl4pPr>
-            <a:lvl5pPr marL="1828800" indent="0">
+            <a:lvl5pPr marL="1828251" indent="0">
               <a:buNone/>
               <a:defRPr sz="1000"/>
             </a:lvl5pPr>
-            <a:lvl6pPr marL="2286000" indent="0">
+            <a:lvl6pPr marL="2285314" indent="0">
               <a:buNone/>
               <a:defRPr sz="1000"/>
             </a:lvl6pPr>
-            <a:lvl7pPr marL="2743200" indent="0">
+            <a:lvl7pPr marL="2742377" indent="0">
               <a:buNone/>
               <a:defRPr sz="1000"/>
             </a:lvl7pPr>
-            <a:lvl8pPr marL="3200400" indent="0">
+            <a:lvl8pPr marL="3199440" indent="0">
               <a:buNone/>
               <a:defRPr sz="1000"/>
             </a:lvl8pPr>
-            <a:lvl9pPr marL="3657600" indent="0">
+            <a:lvl9pPr marL="3656503" indent="0">
               <a:buNone/>
               <a:defRPr sz="1000"/>
             </a:lvl9pPr>
@@ -2078,7 +4294,7 @@
       </p:sp>
       <p:sp>
         <p:nvSpPr>
-          <p:cNvPr id="5" name="Marcador de fecha 4"/>
+          <p:cNvPr id="5" name="Date Placeholder 4"/>
           <p:cNvSpPr>
             <a:spLocks noGrp="1"/>
           </p:cNvSpPr>
@@ -2101,7 +4317,7 @@
       </p:sp>
       <p:sp>
         <p:nvSpPr>
-          <p:cNvPr id="6" name="Marcador de pie de página 5"/>
+          <p:cNvPr id="6" name="Footer Placeholder 5"/>
           <p:cNvSpPr>
             <a:spLocks noGrp="1"/>
           </p:cNvSpPr>
@@ -2120,7 +4336,7 @@
       </p:sp>
       <p:sp>
         <p:nvSpPr>
-          <p:cNvPr id="7" name="Marcador de número de diapositiva 6"/>
+          <p:cNvPr id="7" name="Slide Number Placeholder 6"/>
           <p:cNvSpPr>
             <a:spLocks noGrp="1"/>
           </p:cNvSpPr>
@@ -2144,7 +4360,7 @@
     </p:spTree>
     <p:extLst>
       <p:ext uri="{BB962C8B-B14F-4D97-AF65-F5344CB8AC3E}">
-        <p14:creationId xmlns:p14="http://schemas.microsoft.com/office/powerpoint/2010/main" val="542736570"/>
+        <p14:creationId xmlns:p14="http://schemas.microsoft.com/office/powerpoint/2010/main" val="348250569"/>
       </p:ext>
     </p:extLst>
   </p:cSld>
@@ -2173,7 +4389,7 @@
       </p:grpSpPr>
       <p:sp>
         <p:nvSpPr>
-          <p:cNvPr id="2" name="Título 1"/>
+          <p:cNvPr id="2" name="Title 1"/>
           <p:cNvSpPr>
             <a:spLocks noGrp="1"/>
           </p:cNvSpPr>
@@ -2183,15 +4399,17 @@
         </p:nvSpPr>
         <p:spPr>
           <a:xfrm>
-            <a:off x="839788" y="457200"/>
-            <a:ext cx="3932237" cy="1600200"/>
+            <a:off x="677334" y="4800600"/>
+            <a:ext cx="8596667" cy="566738"/>
           </a:xfrm>
         </p:spPr>
         <p:txBody>
-          <a:bodyPr anchor="b"/>
+          <a:bodyPr anchor="b">
+            <a:normAutofit/>
+          </a:bodyPr>
           <a:lstStyle>
-            <a:lvl1pPr>
-              <a:defRPr sz="3200"/>
+            <a:lvl1pPr algn="l">
+              <a:defRPr sz="2400" b="0"/>
             </a:lvl1pPr>
           </a:lstStyle>
           <a:p>
@@ -2199,15 +4417,15 @@
               <a:rPr lang="es-ES" smtClean="0"/>
               <a:t>Haga clic para modificar el estilo de título del patrón</a:t>
             </a:r>
-            <a:endParaRPr lang="es-CO"/>
-          </a:p>
-        </p:txBody>
-      </p:sp>
-      <p:sp>
-        <p:nvSpPr>
-          <p:cNvPr id="3" name="Marcador de posición de imagen 2"/>
-          <p:cNvSpPr>
-            <a:spLocks noGrp="1"/>
+            <a:endParaRPr lang="en-US" dirty="0"/>
+          </a:p>
+        </p:txBody>
+      </p:sp>
+      <p:sp>
+        <p:nvSpPr>
+          <p:cNvPr id="3" name="Picture Placeholder 2"/>
+          <p:cNvSpPr>
+            <a:spLocks noGrp="1" noChangeAspect="1"/>
           </p:cNvSpPr>
           <p:nvPr>
             <p:ph type="pic" idx="1"/>
@@ -2215,112 +4433,120 @@
         </p:nvSpPr>
         <p:spPr>
           <a:xfrm>
-            <a:off x="5183188" y="987425"/>
-            <a:ext cx="6172200" cy="4873625"/>
+            <a:off x="677334" y="609600"/>
+            <a:ext cx="8596668" cy="3845718"/>
           </a:xfrm>
         </p:spPr>
         <p:txBody>
-          <a:bodyPr/>
+          <a:bodyPr anchor="t">
+            <a:normAutofit/>
+          </a:bodyPr>
           <a:lstStyle>
-            <a:lvl1pPr marL="0" indent="0">
-              <a:buNone/>
-              <a:defRPr sz="3200"/>
-            </a:lvl1pPr>
-            <a:lvl2pPr marL="457200" indent="0">
-              <a:buNone/>
-              <a:defRPr sz="2800"/>
-            </a:lvl2pPr>
-            <a:lvl3pPr marL="914400" indent="0">
-              <a:buNone/>
-              <a:defRPr sz="2400"/>
-            </a:lvl3pPr>
-            <a:lvl4pPr marL="1371600" indent="0">
-              <a:buNone/>
-              <a:defRPr sz="2000"/>
-            </a:lvl4pPr>
-            <a:lvl5pPr marL="1828800" indent="0">
-              <a:buNone/>
-              <a:defRPr sz="2000"/>
-            </a:lvl5pPr>
-            <a:lvl6pPr marL="2286000" indent="0">
-              <a:buNone/>
-              <a:defRPr sz="2000"/>
-            </a:lvl6pPr>
-            <a:lvl7pPr marL="2743200" indent="0">
-              <a:buNone/>
-              <a:defRPr sz="2000"/>
-            </a:lvl7pPr>
-            <a:lvl8pPr marL="3200400" indent="0">
-              <a:buNone/>
-              <a:defRPr sz="2000"/>
-            </a:lvl8pPr>
-            <a:lvl9pPr marL="3657600" indent="0">
-              <a:buNone/>
-              <a:defRPr sz="2000"/>
-            </a:lvl9pPr>
-          </a:lstStyle>
-          <a:p>
-            <a:endParaRPr lang="es-CO"/>
-          </a:p>
-        </p:txBody>
-      </p:sp>
-      <p:sp>
-        <p:nvSpPr>
-          <p:cNvPr id="4" name="Marcador de texto 3"/>
-          <p:cNvSpPr>
-            <a:spLocks noGrp="1"/>
-          </p:cNvSpPr>
-          <p:nvPr>
-            <p:ph type="body" sz="half" idx="2"/>
-          </p:nvPr>
-        </p:nvSpPr>
-        <p:spPr>
-          <a:xfrm>
-            <a:off x="839788" y="2057400"/>
-            <a:ext cx="3932237" cy="3811588"/>
-          </a:xfrm>
-        </p:spPr>
-        <p:txBody>
-          <a:bodyPr/>
-          <a:lstStyle>
-            <a:lvl1pPr marL="0" indent="0">
+            <a:lvl1pPr marL="0" indent="0" algn="ctr">
               <a:buNone/>
               <a:defRPr sz="1600"/>
             </a:lvl1pPr>
             <a:lvl2pPr marL="457200" indent="0">
               <a:buNone/>
-              <a:defRPr sz="1400"/>
+              <a:defRPr sz="1600"/>
             </a:lvl2pPr>
             <a:lvl3pPr marL="914400" indent="0">
               <a:buNone/>
-              <a:defRPr sz="1200"/>
+              <a:defRPr sz="1600"/>
             </a:lvl3pPr>
             <a:lvl4pPr marL="1371600" indent="0">
               <a:buNone/>
-              <a:defRPr sz="1000"/>
+              <a:defRPr sz="1600"/>
             </a:lvl4pPr>
             <a:lvl5pPr marL="1828800" indent="0">
               <a:buNone/>
-              <a:defRPr sz="1000"/>
+              <a:defRPr sz="1600"/>
             </a:lvl5pPr>
             <a:lvl6pPr marL="2286000" indent="0">
               <a:buNone/>
-              <a:defRPr sz="1000"/>
+              <a:defRPr sz="1600"/>
             </a:lvl6pPr>
             <a:lvl7pPr marL="2743200" indent="0">
               <a:buNone/>
-              <a:defRPr sz="1000"/>
+              <a:defRPr sz="1600"/>
             </a:lvl7pPr>
             <a:lvl8pPr marL="3200400" indent="0">
               <a:buNone/>
-              <a:defRPr sz="1000"/>
+              <a:defRPr sz="1600"/>
             </a:lvl8pPr>
             <a:lvl9pPr marL="3657600" indent="0">
               <a:buNone/>
-              <a:defRPr sz="1000"/>
+              <a:defRPr sz="1600"/>
             </a:lvl9pPr>
           </a:lstStyle>
           <a:p>
+            <a:r>
+              <a:rPr lang="es-ES" smtClean="0"/>
+              <a:t>Haga clic en el icono para agregar una imagen</a:t>
+            </a:r>
+            <a:endParaRPr lang="en-US" dirty="0"/>
+          </a:p>
+        </p:txBody>
+      </p:sp>
+      <p:sp>
+        <p:nvSpPr>
+          <p:cNvPr id="4" name="Text Placeholder 3"/>
+          <p:cNvSpPr>
+            <a:spLocks noGrp="1"/>
+          </p:cNvSpPr>
+          <p:nvPr>
+            <p:ph type="body" sz="half" idx="2"/>
+          </p:nvPr>
+        </p:nvSpPr>
+        <p:spPr>
+          <a:xfrm>
+            <a:off x="677334" y="5367338"/>
+            <a:ext cx="8596667" cy="674024"/>
+          </a:xfrm>
+        </p:spPr>
+        <p:txBody>
+          <a:bodyPr>
+            <a:normAutofit/>
+          </a:bodyPr>
+          <a:lstStyle>
+            <a:lvl1pPr marL="0" indent="0">
+              <a:buNone/>
+              <a:defRPr sz="1200"/>
+            </a:lvl1pPr>
+            <a:lvl2pPr marL="457200" indent="0">
+              <a:buNone/>
+              <a:defRPr sz="1200"/>
+            </a:lvl2pPr>
+            <a:lvl3pPr marL="914400" indent="0">
+              <a:buNone/>
+              <a:defRPr sz="1000"/>
+            </a:lvl3pPr>
+            <a:lvl4pPr marL="1371600" indent="0">
+              <a:buNone/>
+              <a:defRPr sz="900"/>
+            </a:lvl4pPr>
+            <a:lvl5pPr marL="1828800" indent="0">
+              <a:buNone/>
+              <a:defRPr sz="900"/>
+            </a:lvl5pPr>
+            <a:lvl6pPr marL="2286000" indent="0">
+              <a:buNone/>
+              <a:defRPr sz="900"/>
+            </a:lvl6pPr>
+            <a:lvl7pPr marL="2743200" indent="0">
+              <a:buNone/>
+              <a:defRPr sz="900"/>
+            </a:lvl7pPr>
+            <a:lvl8pPr marL="3200400" indent="0">
+              <a:buNone/>
+              <a:defRPr sz="900"/>
+            </a:lvl8pPr>
+            <a:lvl9pPr marL="3657600" indent="0">
+              <a:buNone/>
+              <a:defRPr sz="900"/>
+            </a:lvl9pPr>
+          </a:lstStyle>
+          <a:p>
             <a:pPr lvl="0"/>
             <a:r>
               <a:rPr lang="es-ES" smtClean="0"/>
@@ -2331,7 +4557,49 @@
       </p:sp>
       <p:sp>
         <p:nvSpPr>
-          <p:cNvPr id="5" name="Marcador de fecha 4"/>
+          <p:cNvPr id="6" name="Footer Placeholder 5"/>
+          <p:cNvSpPr>
+            <a:spLocks noGrp="1"/>
+          </p:cNvSpPr>
+          <p:nvPr>
+            <p:ph type="ftr" sz="quarter" idx="11"/>
+          </p:nvPr>
+        </p:nvSpPr>
+        <p:spPr/>
+        <p:txBody>
+          <a:bodyPr/>
+          <a:lstStyle/>
+          <a:p>
+            <a:endParaRPr lang="es-CO"/>
+          </a:p>
+        </p:txBody>
+      </p:sp>
+      <p:sp>
+        <p:nvSpPr>
+          <p:cNvPr id="7" name="Slide Number Placeholder 6"/>
+          <p:cNvSpPr>
+            <a:spLocks noGrp="1"/>
+          </p:cNvSpPr>
+          <p:nvPr>
+            <p:ph type="sldNum" sz="quarter" idx="12"/>
+          </p:nvPr>
+        </p:nvSpPr>
+        <p:spPr/>
+        <p:txBody>
+          <a:bodyPr/>
+          <a:lstStyle/>
+          <a:p>
+            <a:fld id="{59BFC486-D356-4C3F-958B-5B0B351A2497}" type="slidenum">
+              <a:rPr lang="es-CO" smtClean="0"/>
+              <a:t>‹Nº›</a:t>
+            </a:fld>
+            <a:endParaRPr lang="es-CO"/>
+          </a:p>
+        </p:txBody>
+      </p:sp>
+      <p:sp>
+        <p:nvSpPr>
+          <p:cNvPr id="5" name="Date Placeholder 4"/>
           <p:cNvSpPr>
             <a:spLocks noGrp="1"/>
           </p:cNvSpPr>
@@ -2352,52 +4620,10 @@
           </a:p>
         </p:txBody>
       </p:sp>
-      <p:sp>
-        <p:nvSpPr>
-          <p:cNvPr id="6" name="Marcador de pie de página 5"/>
-          <p:cNvSpPr>
-            <a:spLocks noGrp="1"/>
-          </p:cNvSpPr>
-          <p:nvPr>
-            <p:ph type="ftr" sz="quarter" idx="11"/>
-          </p:nvPr>
-        </p:nvSpPr>
-        <p:spPr/>
-        <p:txBody>
-          <a:bodyPr/>
-          <a:lstStyle/>
-          <a:p>
-            <a:endParaRPr lang="es-CO"/>
-          </a:p>
-        </p:txBody>
-      </p:sp>
-      <p:sp>
-        <p:nvSpPr>
-          <p:cNvPr id="7" name="Marcador de número de diapositiva 6"/>
-          <p:cNvSpPr>
-            <a:spLocks noGrp="1"/>
-          </p:cNvSpPr>
-          <p:nvPr>
-            <p:ph type="sldNum" sz="quarter" idx="12"/>
-          </p:nvPr>
-        </p:nvSpPr>
-        <p:spPr/>
-        <p:txBody>
-          <a:bodyPr/>
-          <a:lstStyle/>
-          <a:p>
-            <a:fld id="{59BFC486-D356-4C3F-958B-5B0B351A2497}" type="slidenum">
-              <a:rPr lang="es-CO" smtClean="0"/>
-              <a:t>‹Nº›</a:t>
-            </a:fld>
-            <a:endParaRPr lang="es-CO"/>
-          </a:p>
-        </p:txBody>
-      </p:sp>
     </p:spTree>
     <p:extLst>
       <p:ext uri="{BB962C8B-B14F-4D97-AF65-F5344CB8AC3E}">
-        <p14:creationId xmlns:p14="http://schemas.microsoft.com/office/powerpoint/2010/main" val="1910490"/>
+        <p14:creationId xmlns:p14="http://schemas.microsoft.com/office/powerpoint/2010/main" val="253418407"/>
       </p:ext>
     </p:extLst>
   </p:cSld>
@@ -2429,9 +4655,540 @@
           <a:chExt cx="0" cy="0"/>
         </a:xfrm>
       </p:grpSpPr>
-      <p:sp>
-        <p:nvSpPr>
-          <p:cNvPr id="2" name="Marcador de título 1"/>
+      <p:grpSp>
+        <p:nvGrpSpPr>
+          <p:cNvPr id="44" name="Group 43"/>
+          <p:cNvGrpSpPr/>
+          <p:nvPr/>
+        </p:nvGrpSpPr>
+        <p:grpSpPr>
+          <a:xfrm>
+            <a:off x="0" y="-8467"/>
+            <a:ext cx="12192000" cy="6866467"/>
+            <a:chOff x="0" y="-8467"/>
+            <a:chExt cx="12192000" cy="6866467"/>
+          </a:xfrm>
+        </p:grpSpPr>
+        <p:cxnSp>
+          <p:nvCxnSpPr>
+            <p:cNvPr id="20" name="Straight Connector 19"/>
+            <p:cNvCxnSpPr/>
+            <p:nvPr/>
+          </p:nvCxnSpPr>
+          <p:spPr>
+            <a:xfrm>
+              <a:off x="9371012" y="0"/>
+              <a:ext cx="1219200" cy="6858000"/>
+            </a:xfrm>
+            <a:prstGeom prst="line">
+              <a:avLst/>
+            </a:prstGeom>
+            <a:ln w="9525">
+              <a:solidFill>
+                <a:schemeClr val="accent1">
+                  <a:alpha val="70000"/>
+                </a:schemeClr>
+              </a:solidFill>
+            </a:ln>
+          </p:spPr>
+          <p:style>
+            <a:lnRef idx="2">
+              <a:schemeClr val="accent1"/>
+            </a:lnRef>
+            <a:fillRef idx="0">
+              <a:schemeClr val="accent1"/>
+            </a:fillRef>
+            <a:effectRef idx="1">
+              <a:schemeClr val="accent1"/>
+            </a:effectRef>
+            <a:fontRef idx="minor">
+              <a:schemeClr val="tx1"/>
+            </a:fontRef>
+          </p:style>
+        </p:cxnSp>
+        <p:cxnSp>
+          <p:nvCxnSpPr>
+            <p:cNvPr id="21" name="Straight Connector 20"/>
+            <p:cNvCxnSpPr/>
+            <p:nvPr/>
+          </p:nvCxnSpPr>
+          <p:spPr>
+            <a:xfrm flipH="1">
+              <a:off x="7425267" y="3681413"/>
+              <a:ext cx="4763558" cy="3176587"/>
+            </a:xfrm>
+            <a:prstGeom prst="line">
+              <a:avLst/>
+            </a:prstGeom>
+            <a:ln w="9525">
+              <a:solidFill>
+                <a:schemeClr val="accent1">
+                  <a:alpha val="70000"/>
+                </a:schemeClr>
+              </a:solidFill>
+            </a:ln>
+          </p:spPr>
+          <p:style>
+            <a:lnRef idx="2">
+              <a:schemeClr val="accent1"/>
+            </a:lnRef>
+            <a:fillRef idx="0">
+              <a:schemeClr val="accent1"/>
+            </a:fillRef>
+            <a:effectRef idx="1">
+              <a:schemeClr val="accent1"/>
+            </a:effectRef>
+            <a:fontRef idx="minor">
+              <a:schemeClr val="tx1"/>
+            </a:fontRef>
+          </p:style>
+        </p:cxnSp>
+        <p:sp>
+          <p:nvSpPr>
+            <p:cNvPr id="22" name="Rectangle 23"/>
+            <p:cNvSpPr/>
+            <p:nvPr/>
+          </p:nvSpPr>
+          <p:spPr>
+            <a:xfrm>
+              <a:off x="9181476" y="-8467"/>
+              <a:ext cx="3007349" cy="6866467"/>
+            </a:xfrm>
+            <a:custGeom>
+              <a:avLst/>
+              <a:gdLst/>
+              <a:ahLst/>
+              <a:cxnLst/>
+              <a:rect l="l" t="t" r="r" b="b"/>
+              <a:pathLst>
+                <a:path w="3007349" h="6866467">
+                  <a:moveTo>
+                    <a:pt x="2045532" y="0"/>
+                  </a:moveTo>
+                  <a:lnTo>
+                    <a:pt x="3007349" y="0"/>
+                  </a:lnTo>
+                  <a:lnTo>
+                    <a:pt x="3007349" y="6866467"/>
+                  </a:lnTo>
+                  <a:lnTo>
+                    <a:pt x="0" y="6866467"/>
+                  </a:lnTo>
+                  <a:lnTo>
+                    <a:pt x="2045532" y="0"/>
+                  </a:lnTo>
+                  <a:close/>
+                </a:path>
+              </a:pathLst>
+            </a:custGeom>
+            <a:solidFill>
+              <a:schemeClr val="accent1">
+                <a:alpha val="36000"/>
+              </a:schemeClr>
+            </a:solidFill>
+            <a:ln>
+              <a:noFill/>
+            </a:ln>
+            <a:effectLst/>
+          </p:spPr>
+          <p:style>
+            <a:lnRef idx="1">
+              <a:schemeClr val="accent1"/>
+            </a:lnRef>
+            <a:fillRef idx="3">
+              <a:schemeClr val="accent1"/>
+            </a:fillRef>
+            <a:effectRef idx="2">
+              <a:schemeClr val="accent1"/>
+            </a:effectRef>
+            <a:fontRef idx="minor">
+              <a:schemeClr val="lt1"/>
+            </a:fontRef>
+          </p:style>
+        </p:sp>
+        <p:sp>
+          <p:nvSpPr>
+            <p:cNvPr id="23" name="Rectangle 25"/>
+            <p:cNvSpPr/>
+            <p:nvPr/>
+          </p:nvSpPr>
+          <p:spPr>
+            <a:xfrm>
+              <a:off x="9603442" y="-8467"/>
+              <a:ext cx="2588558" cy="6866467"/>
+            </a:xfrm>
+            <a:custGeom>
+              <a:avLst/>
+              <a:gdLst/>
+              <a:ahLst/>
+              <a:cxnLst/>
+              <a:rect l="l" t="t" r="r" b="b"/>
+              <a:pathLst>
+                <a:path w="2573311" h="6866467">
+                  <a:moveTo>
+                    <a:pt x="0" y="0"/>
+                  </a:moveTo>
+                  <a:lnTo>
+                    <a:pt x="2573311" y="0"/>
+                  </a:lnTo>
+                  <a:lnTo>
+                    <a:pt x="2573311" y="6866467"/>
+                  </a:lnTo>
+                  <a:lnTo>
+                    <a:pt x="1202336" y="6866467"/>
+                  </a:lnTo>
+                  <a:lnTo>
+                    <a:pt x="0" y="0"/>
+                  </a:lnTo>
+                  <a:close/>
+                </a:path>
+              </a:pathLst>
+            </a:custGeom>
+            <a:solidFill>
+              <a:schemeClr val="accent1">
+                <a:alpha val="20000"/>
+              </a:schemeClr>
+            </a:solidFill>
+            <a:ln>
+              <a:noFill/>
+            </a:ln>
+            <a:effectLst/>
+          </p:spPr>
+          <p:style>
+            <a:lnRef idx="1">
+              <a:schemeClr val="accent1"/>
+            </a:lnRef>
+            <a:fillRef idx="3">
+              <a:schemeClr val="accent1"/>
+            </a:fillRef>
+            <a:effectRef idx="2">
+              <a:schemeClr val="accent1"/>
+            </a:effectRef>
+            <a:fontRef idx="minor">
+              <a:schemeClr val="lt1"/>
+            </a:fontRef>
+          </p:style>
+        </p:sp>
+        <p:sp>
+          <p:nvSpPr>
+            <p:cNvPr id="24" name="Isosceles Triangle 23"/>
+            <p:cNvSpPr/>
+            <p:nvPr/>
+          </p:nvSpPr>
+          <p:spPr>
+            <a:xfrm>
+              <a:off x="8932333" y="3048000"/>
+              <a:ext cx="3259667" cy="3810000"/>
+            </a:xfrm>
+            <a:prstGeom prst="triangle">
+              <a:avLst>
+                <a:gd name="adj" fmla="val 100000"/>
+              </a:avLst>
+            </a:prstGeom>
+            <a:solidFill>
+              <a:schemeClr val="accent1">
+                <a:lumMod val="75000"/>
+                <a:alpha val="66000"/>
+              </a:schemeClr>
+            </a:solidFill>
+            <a:ln>
+              <a:noFill/>
+            </a:ln>
+            <a:effectLst/>
+          </p:spPr>
+          <p:style>
+            <a:lnRef idx="1">
+              <a:schemeClr val="accent1"/>
+            </a:lnRef>
+            <a:fillRef idx="3">
+              <a:schemeClr val="accent1"/>
+            </a:fillRef>
+            <a:effectRef idx="2">
+              <a:schemeClr val="accent1"/>
+            </a:effectRef>
+            <a:fontRef idx="minor">
+              <a:schemeClr val="lt1"/>
+            </a:fontRef>
+          </p:style>
+        </p:sp>
+        <p:sp>
+          <p:nvSpPr>
+            <p:cNvPr id="25" name="Rectangle 27"/>
+            <p:cNvSpPr/>
+            <p:nvPr/>
+          </p:nvSpPr>
+          <p:spPr>
+            <a:xfrm>
+              <a:off x="9334500" y="-8467"/>
+              <a:ext cx="2854326" cy="6866467"/>
+            </a:xfrm>
+            <a:custGeom>
+              <a:avLst/>
+              <a:gdLst/>
+              <a:ahLst/>
+              <a:cxnLst/>
+              <a:rect l="l" t="t" r="r" b="b"/>
+              <a:pathLst>
+                <a:path w="2858013" h="6866467">
+                  <a:moveTo>
+                    <a:pt x="0" y="0"/>
+                  </a:moveTo>
+                  <a:lnTo>
+                    <a:pt x="2858013" y="0"/>
+                  </a:lnTo>
+                  <a:lnTo>
+                    <a:pt x="2858013" y="6866467"/>
+                  </a:lnTo>
+                  <a:lnTo>
+                    <a:pt x="2473942" y="6866467"/>
+                  </a:lnTo>
+                  <a:lnTo>
+                    <a:pt x="0" y="0"/>
+                  </a:lnTo>
+                  <a:close/>
+                </a:path>
+              </a:pathLst>
+            </a:custGeom>
+            <a:solidFill>
+              <a:schemeClr val="accent1">
+                <a:lumMod val="75000"/>
+                <a:alpha val="50000"/>
+              </a:schemeClr>
+            </a:solidFill>
+            <a:ln>
+              <a:noFill/>
+            </a:ln>
+            <a:effectLst/>
+          </p:spPr>
+          <p:style>
+            <a:lnRef idx="1">
+              <a:schemeClr val="accent1"/>
+            </a:lnRef>
+            <a:fillRef idx="3">
+              <a:schemeClr val="accent1"/>
+            </a:fillRef>
+            <a:effectRef idx="2">
+              <a:schemeClr val="accent1"/>
+            </a:effectRef>
+            <a:fontRef idx="minor">
+              <a:schemeClr val="lt1"/>
+            </a:fontRef>
+          </p:style>
+        </p:sp>
+        <p:sp>
+          <p:nvSpPr>
+            <p:cNvPr id="26" name="Rectangle 28"/>
+            <p:cNvSpPr/>
+            <p:nvPr/>
+          </p:nvSpPr>
+          <p:spPr>
+            <a:xfrm>
+              <a:off x="10898730" y="-8467"/>
+              <a:ext cx="1290094" cy="6866467"/>
+            </a:xfrm>
+            <a:custGeom>
+              <a:avLst/>
+              <a:gdLst/>
+              <a:ahLst/>
+              <a:cxnLst/>
+              <a:rect l="l" t="t" r="r" b="b"/>
+              <a:pathLst>
+                <a:path w="1290094" h="6858000">
+                  <a:moveTo>
+                    <a:pt x="1019735" y="0"/>
+                  </a:moveTo>
+                  <a:lnTo>
+                    <a:pt x="1290094" y="0"/>
+                  </a:lnTo>
+                  <a:lnTo>
+                    <a:pt x="1290094" y="6858000"/>
+                  </a:lnTo>
+                  <a:lnTo>
+                    <a:pt x="0" y="6858000"/>
+                  </a:lnTo>
+                  <a:lnTo>
+                    <a:pt x="1019735" y="0"/>
+                  </a:lnTo>
+                  <a:close/>
+                </a:path>
+              </a:pathLst>
+            </a:custGeom>
+            <a:solidFill>
+              <a:schemeClr val="accent2">
+                <a:alpha val="70000"/>
+              </a:schemeClr>
+            </a:solidFill>
+            <a:ln>
+              <a:noFill/>
+            </a:ln>
+            <a:effectLst/>
+          </p:spPr>
+          <p:style>
+            <a:lnRef idx="1">
+              <a:schemeClr val="accent1"/>
+            </a:lnRef>
+            <a:fillRef idx="3">
+              <a:schemeClr val="accent1"/>
+            </a:fillRef>
+            <a:effectRef idx="2">
+              <a:schemeClr val="accent1"/>
+            </a:effectRef>
+            <a:fontRef idx="minor">
+              <a:schemeClr val="lt1"/>
+            </a:fontRef>
+          </p:style>
+        </p:sp>
+        <p:sp>
+          <p:nvSpPr>
+            <p:cNvPr id="27" name="Rectangle 29"/>
+            <p:cNvSpPr/>
+            <p:nvPr/>
+          </p:nvSpPr>
+          <p:spPr>
+            <a:xfrm>
+              <a:off x="10938999" y="-8467"/>
+              <a:ext cx="1249825" cy="6866467"/>
+            </a:xfrm>
+            <a:custGeom>
+              <a:avLst/>
+              <a:gdLst/>
+              <a:ahLst/>
+              <a:cxnLst/>
+              <a:rect l="l" t="t" r="r" b="b"/>
+              <a:pathLst>
+                <a:path w="1249825" h="6858000">
+                  <a:moveTo>
+                    <a:pt x="0" y="0"/>
+                  </a:moveTo>
+                  <a:lnTo>
+                    <a:pt x="1249825" y="0"/>
+                  </a:lnTo>
+                  <a:lnTo>
+                    <a:pt x="1249825" y="6858000"/>
+                  </a:lnTo>
+                  <a:lnTo>
+                    <a:pt x="1109382" y="6858000"/>
+                  </a:lnTo>
+                  <a:lnTo>
+                    <a:pt x="0" y="0"/>
+                  </a:lnTo>
+                  <a:close/>
+                </a:path>
+              </a:pathLst>
+            </a:custGeom>
+            <a:solidFill>
+              <a:schemeClr val="accent2">
+                <a:lumMod val="75000"/>
+                <a:alpha val="80000"/>
+              </a:schemeClr>
+            </a:solidFill>
+            <a:ln>
+              <a:noFill/>
+            </a:ln>
+            <a:effectLst/>
+          </p:spPr>
+          <p:style>
+            <a:lnRef idx="1">
+              <a:schemeClr val="accent1"/>
+            </a:lnRef>
+            <a:fillRef idx="3">
+              <a:schemeClr val="accent1"/>
+            </a:fillRef>
+            <a:effectRef idx="2">
+              <a:schemeClr val="accent1"/>
+            </a:effectRef>
+            <a:fontRef idx="minor">
+              <a:schemeClr val="lt1"/>
+            </a:fontRef>
+          </p:style>
+        </p:sp>
+        <p:sp>
+          <p:nvSpPr>
+            <p:cNvPr id="28" name="Isosceles Triangle 27"/>
+            <p:cNvSpPr/>
+            <p:nvPr/>
+          </p:nvSpPr>
+          <p:spPr>
+            <a:xfrm>
+              <a:off x="10371666" y="3589867"/>
+              <a:ext cx="1817159" cy="3268133"/>
+            </a:xfrm>
+            <a:prstGeom prst="triangle">
+              <a:avLst>
+                <a:gd name="adj" fmla="val 100000"/>
+              </a:avLst>
+            </a:prstGeom>
+            <a:solidFill>
+              <a:schemeClr val="accent1">
+                <a:lumMod val="75000"/>
+                <a:alpha val="66000"/>
+              </a:schemeClr>
+            </a:solidFill>
+            <a:ln>
+              <a:noFill/>
+            </a:ln>
+            <a:effectLst/>
+          </p:spPr>
+          <p:style>
+            <a:lnRef idx="1">
+              <a:schemeClr val="accent1"/>
+            </a:lnRef>
+            <a:fillRef idx="3">
+              <a:schemeClr val="accent1"/>
+            </a:fillRef>
+            <a:effectRef idx="2">
+              <a:schemeClr val="accent1"/>
+            </a:effectRef>
+            <a:fontRef idx="minor">
+              <a:schemeClr val="lt1"/>
+            </a:fontRef>
+          </p:style>
+        </p:sp>
+        <p:sp>
+          <p:nvSpPr>
+            <p:cNvPr id="19" name="Isosceles Triangle 18"/>
+            <p:cNvSpPr/>
+            <p:nvPr/>
+          </p:nvSpPr>
+          <p:spPr>
+            <a:xfrm>
+              <a:off x="0" y="4013200"/>
+              <a:ext cx="448733" cy="2844800"/>
+            </a:xfrm>
+            <a:prstGeom prst="triangle">
+              <a:avLst>
+                <a:gd name="adj" fmla="val 0"/>
+              </a:avLst>
+            </a:prstGeom>
+            <a:solidFill>
+              <a:schemeClr val="accent1">
+                <a:alpha val="70000"/>
+              </a:schemeClr>
+            </a:solidFill>
+            <a:ln>
+              <a:noFill/>
+            </a:ln>
+            <a:effectLst/>
+          </p:spPr>
+          <p:style>
+            <a:lnRef idx="1">
+              <a:schemeClr val="accent1"/>
+            </a:lnRef>
+            <a:fillRef idx="3">
+              <a:schemeClr val="accent1"/>
+            </a:fillRef>
+            <a:effectRef idx="2">
+              <a:schemeClr val="accent1"/>
+            </a:effectRef>
+            <a:fontRef idx="minor">
+              <a:schemeClr val="lt1"/>
+            </a:fontRef>
+          </p:style>
+        </p:sp>
+      </p:grpSp>
+      <p:sp>
+        <p:nvSpPr>
+          <p:cNvPr id="2" name="Title Placeholder 1"/>
           <p:cNvSpPr>
             <a:spLocks noGrp="1"/>
           </p:cNvSpPr>
@@ -2441,15 +5198,15 @@
         </p:nvSpPr>
         <p:spPr>
           <a:xfrm>
-            <a:off x="838200" y="365125"/>
-            <a:ext cx="10515600" cy="1325563"/>
+            <a:off x="677334" y="609600"/>
+            <a:ext cx="8596668" cy="1320800"/>
           </a:xfrm>
           <a:prstGeom prst="rect">
             <a:avLst/>
           </a:prstGeom>
         </p:spPr>
         <p:txBody>
-          <a:bodyPr vert="horz" lIns="91440" tIns="45720" rIns="91440" bIns="45720" rtlCol="0" anchor="ctr">
+          <a:bodyPr vert="horz" lIns="91440" tIns="45720" rIns="91440" bIns="45720" rtlCol="0" anchor="t">
             <a:normAutofit/>
           </a:bodyPr>
           <a:lstStyle/>
@@ -2458,13 +5215,13 @@
               <a:rPr lang="es-ES" smtClean="0"/>
               <a:t>Haga clic para modificar el estilo de título del patrón</a:t>
             </a:r>
-            <a:endParaRPr lang="es-CO"/>
-          </a:p>
-        </p:txBody>
-      </p:sp>
-      <p:sp>
-        <p:nvSpPr>
-          <p:cNvPr id="3" name="Marcador de texto 2"/>
+            <a:endParaRPr lang="en-US" dirty="0"/>
+          </a:p>
+        </p:txBody>
+      </p:sp>
+      <p:sp>
+        <p:nvSpPr>
+          <p:cNvPr id="3" name="Text Placeholder 2"/>
           <p:cNvSpPr>
             <a:spLocks noGrp="1"/>
           </p:cNvSpPr>
@@ -2474,8 +5231,8 @@
         </p:nvSpPr>
         <p:spPr>
           <a:xfrm>
-            <a:off x="838200" y="1825625"/>
-            <a:ext cx="10515600" cy="4351338"/>
+            <a:off x="677334" y="2160589"/>
+            <a:ext cx="8596668" cy="3880773"/>
           </a:xfrm>
           <a:prstGeom prst="rect">
             <a:avLst/>
@@ -2520,13 +5277,13 @@
               <a:rPr lang="es-ES" smtClean="0"/>
               <a:t>Quinto nivel</a:t>
             </a:r>
-            <a:endParaRPr lang="es-CO"/>
-          </a:p>
-        </p:txBody>
-      </p:sp>
-      <p:sp>
-        <p:nvSpPr>
-          <p:cNvPr id="4" name="Marcador de fecha 3"/>
+            <a:endParaRPr lang="en-US" dirty="0"/>
+          </a:p>
+        </p:txBody>
+      </p:sp>
+      <p:sp>
+        <p:nvSpPr>
+          <p:cNvPr id="4" name="Date Placeholder 3"/>
           <p:cNvSpPr>
             <a:spLocks noGrp="1"/>
           </p:cNvSpPr>
@@ -2536,8 +5293,8 @@
         </p:nvSpPr>
         <p:spPr>
           <a:xfrm>
-            <a:off x="838200" y="6356350"/>
-            <a:ext cx="2743200" cy="365125"/>
+            <a:off x="7205133" y="6041362"/>
+            <a:ext cx="911939" cy="365125"/>
           </a:xfrm>
           <a:prstGeom prst="rect">
             <a:avLst/>
@@ -2546,8 +5303,8 @@
         <p:txBody>
           <a:bodyPr vert="horz" lIns="91440" tIns="45720" rIns="91440" bIns="45720" rtlCol="0" anchor="ctr"/>
           <a:lstStyle>
-            <a:lvl1pPr algn="l">
-              <a:defRPr sz="1200">
+            <a:lvl1pPr algn="r">
+              <a:defRPr sz="900">
                 <a:solidFill>
                   <a:schemeClr val="tx1">
                     <a:tint val="75000"/>
@@ -2567,7 +5324,7 @@
       </p:sp>
       <p:sp>
         <p:nvSpPr>
-          <p:cNvPr id="5" name="Marcador de pie de página 4"/>
+          <p:cNvPr id="5" name="Footer Placeholder 4"/>
           <p:cNvSpPr>
             <a:spLocks noGrp="1"/>
           </p:cNvSpPr>
@@ -2577,8 +5334,8 @@
         </p:nvSpPr>
         <p:spPr>
           <a:xfrm>
-            <a:off x="4038600" y="6356350"/>
-            <a:ext cx="4114800" cy="365125"/>
+            <a:off x="677334" y="6041362"/>
+            <a:ext cx="6297612" cy="365125"/>
           </a:xfrm>
           <a:prstGeom prst="rect">
             <a:avLst/>
@@ -2587,8 +5344,8 @@
         <p:txBody>
           <a:bodyPr vert="horz" lIns="91440" tIns="45720" rIns="91440" bIns="45720" rtlCol="0" anchor="ctr"/>
           <a:lstStyle>
-            <a:lvl1pPr algn="ctr">
-              <a:defRPr sz="1200">
+            <a:lvl1pPr algn="l">
+              <a:defRPr sz="900">
                 <a:solidFill>
                   <a:schemeClr val="tx1">
                     <a:tint val="75000"/>
@@ -2604,7 +5361,7 @@
       </p:sp>
       <p:sp>
         <p:nvSpPr>
-          <p:cNvPr id="6" name="Marcador de número de diapositiva 5"/>
+          <p:cNvPr id="6" name="Slide Number Placeholder 5"/>
           <p:cNvSpPr>
             <a:spLocks noGrp="1"/>
           </p:cNvSpPr>
@@ -2614,8 +5371,8 @@
         </p:nvSpPr>
         <p:spPr>
           <a:xfrm>
-            <a:off x="8610600" y="6356350"/>
-            <a:ext cx="2743200" cy="365125"/>
+            <a:off x="8590663" y="6041362"/>
+            <a:ext cx="683339" cy="365125"/>
           </a:xfrm>
           <a:prstGeom prst="rect">
             <a:avLst/>
@@ -2625,11 +5382,9 @@
           <a:bodyPr vert="horz" lIns="91440" tIns="45720" rIns="91440" bIns="45720" rtlCol="0" anchor="ctr"/>
           <a:lstStyle>
             <a:lvl1pPr algn="r">
-              <a:defRPr sz="1200">
-                <a:solidFill>
-                  <a:schemeClr val="tx1">
-                    <a:tint val="75000"/>
-                  </a:schemeClr>
+              <a:defRPr sz="900">
+                <a:solidFill>
+                  <a:schemeClr val="accent1"/>
                 </a:solidFill>
               </a:defRPr>
             </a:lvl1pPr>
@@ -2646,55 +5401,335 @@
     </p:spTree>
     <p:extLst>
       <p:ext uri="{BB962C8B-B14F-4D97-AF65-F5344CB8AC3E}">
-        <p14:creationId xmlns:p14="http://schemas.microsoft.com/office/powerpoint/2010/main" val="4174385690"/>
+        <p14:creationId xmlns:p14="http://schemas.microsoft.com/office/powerpoint/2010/main" val="3880175527"/>
       </p:ext>
     </p:extLst>
   </p:cSld>
   <p:clrMap bg1="lt1" tx1="dk1" bg2="lt2" tx2="dk2" accent1="accent1" accent2="accent2" accent3="accent3" accent4="accent4" accent5="accent5" accent6="accent6" hlink="hlink" folHlink="folHlink"/>
   <p:sldLayoutIdLst>
-    <p:sldLayoutId id="2147483649" r:id="rId1"/>
-    <p:sldLayoutId id="2147483650" r:id="rId2"/>
-    <p:sldLayoutId id="2147483651" r:id="rId3"/>
-    <p:sldLayoutId id="2147483652" r:id="rId4"/>
-    <p:sldLayoutId id="2147483653" r:id="rId5"/>
-    <p:sldLayoutId id="2147483654" r:id="rId6"/>
-    <p:sldLayoutId id="2147483655" r:id="rId7"/>
-    <p:sldLayoutId id="2147483656" r:id="rId8"/>
-    <p:sldLayoutId id="2147483657" r:id="rId9"/>
-    <p:sldLayoutId id="2147483658" r:id="rId10"/>
-    <p:sldLayoutId id="2147483659" r:id="rId11"/>
+    <p:sldLayoutId id="2147483712" r:id="rId1"/>
+    <p:sldLayoutId id="2147483713" r:id="rId2"/>
+    <p:sldLayoutId id="2147483714" r:id="rId3"/>
+    <p:sldLayoutId id="2147483715" r:id="rId4"/>
+    <p:sldLayoutId id="2147483716" r:id="rId5"/>
+    <p:sldLayoutId id="2147483717" r:id="rId6"/>
+    <p:sldLayoutId id="2147483718" r:id="rId7"/>
+    <p:sldLayoutId id="2147483719" r:id="rId8"/>
+    <p:sldLayoutId id="2147483720" r:id="rId9"/>
+    <p:sldLayoutId id="2147483721" r:id="rId10"/>
+    <p:sldLayoutId id="2147483722" r:id="rId11"/>
+    <p:sldLayoutId id="2147483723" r:id="rId12"/>
+    <p:sldLayoutId id="2147483724" r:id="rId13"/>
+    <p:sldLayoutId id="2147483725" r:id="rId14"/>
+    <p:sldLayoutId id="2147483726" r:id="rId15"/>
+    <p:sldLayoutId id="2147483727" r:id="rId16"/>
   </p:sldLayoutIdLst>
   <p:txStyles>
     <p:titleStyle>
-      <a:lvl1pPr algn="l" defTabSz="914400" rtl="0" eaLnBrk="1" latinLnBrk="0" hangingPunct="1">
-        <a:lnSpc>
-          <a:spcPct val="90000"/>
-        </a:lnSpc>
+      <a:lvl1pPr algn="l" defTabSz="457200" rtl="0" eaLnBrk="1" latinLnBrk="0" hangingPunct="1">
         <a:spcBef>
           <a:spcPct val="0"/>
         </a:spcBef>
         <a:buNone/>
-        <a:defRPr sz="4400" kern="1200">
+        <a:defRPr sz="3600" kern="1200">
           <a:solidFill>
-            <a:schemeClr val="tx1"/>
+            <a:schemeClr val="accent1"/>
           </a:solidFill>
           <a:latin typeface="+mj-lt"/>
           <a:ea typeface="+mj-ea"/>
           <a:cs typeface="+mj-cs"/>
         </a:defRPr>
       </a:lvl1pPr>
+      <a:lvl2pPr eaLnBrk="1" hangingPunct="1">
+        <a:defRPr>
+          <a:solidFill>
+            <a:schemeClr val="tx2"/>
+          </a:solidFill>
+        </a:defRPr>
+      </a:lvl2pPr>
+      <a:lvl3pPr eaLnBrk="1" hangingPunct="1">
+        <a:defRPr>
+          <a:solidFill>
+            <a:schemeClr val="tx2"/>
+          </a:solidFill>
+        </a:defRPr>
+      </a:lvl3pPr>
+      <a:lvl4pPr eaLnBrk="1" hangingPunct="1">
+        <a:defRPr>
+          <a:solidFill>
+            <a:schemeClr val="tx2"/>
+          </a:solidFill>
+        </a:defRPr>
+      </a:lvl4pPr>
+      <a:lvl5pPr eaLnBrk="1" hangingPunct="1">
+        <a:defRPr>
+          <a:solidFill>
+            <a:schemeClr val="tx2"/>
+          </a:solidFill>
+        </a:defRPr>
+      </a:lvl5pPr>
+      <a:lvl6pPr eaLnBrk="1" hangingPunct="1">
+        <a:defRPr>
+          <a:solidFill>
+            <a:schemeClr val="tx2"/>
+          </a:solidFill>
+        </a:defRPr>
+      </a:lvl6pPr>
+      <a:lvl7pPr eaLnBrk="1" hangingPunct="1">
+        <a:defRPr>
+          <a:solidFill>
+            <a:schemeClr val="tx2"/>
+          </a:solidFill>
+        </a:defRPr>
+      </a:lvl7pPr>
+      <a:lvl8pPr eaLnBrk="1" hangingPunct="1">
+        <a:defRPr>
+          <a:solidFill>
+            <a:schemeClr val="tx2"/>
+          </a:solidFill>
+        </a:defRPr>
+      </a:lvl8pPr>
+      <a:lvl9pPr eaLnBrk="1" hangingPunct="1">
+        <a:defRPr>
+          <a:solidFill>
+            <a:schemeClr val="tx2"/>
+          </a:solidFill>
+        </a:defRPr>
+      </a:lvl9pPr>
     </p:titleStyle>
     <p:bodyStyle>
-      <a:lvl1pPr marL="228600" indent="-228600" algn="l" defTabSz="914400" rtl="0" eaLnBrk="1" latinLnBrk="0" hangingPunct="1">
-        <a:lnSpc>
-          <a:spcPct val="90000"/>
-        </a:lnSpc>
+      <a:lvl1pPr marL="342900" indent="-342900" algn="l" defTabSz="457200" rtl="0" eaLnBrk="1" latinLnBrk="0" hangingPunct="1">
         <a:spcBef>
           <a:spcPts val="1000"/>
         </a:spcBef>
-        <a:buFont typeface="Arial" panose="020B0604020202020204" pitchFamily="34" charset="0"/>
-        <a:buChar char="•"/>
-        <a:defRPr sz="2800" kern="1200">
+        <a:spcAft>
+          <a:spcPts val="0"/>
+        </a:spcAft>
+        <a:buClr>
+          <a:schemeClr val="accent1"/>
+        </a:buClr>
+        <a:buSzPct val="80000"/>
+        <a:buFont typeface="Wingdings 3" charset="2"/>
+        <a:buChar char=""/>
+        <a:defRPr sz="1800" kern="1200">
+          <a:solidFill>
+            <a:schemeClr val="tx1">
+              <a:lumMod val="75000"/>
+              <a:lumOff val="25000"/>
+            </a:schemeClr>
+          </a:solidFill>
+          <a:latin typeface="+mn-lt"/>
+          <a:ea typeface="+mn-ea"/>
+          <a:cs typeface="+mn-cs"/>
+        </a:defRPr>
+      </a:lvl1pPr>
+      <a:lvl2pPr marL="742950" indent="-285750" algn="l" defTabSz="457200" rtl="0" eaLnBrk="1" latinLnBrk="0" hangingPunct="1">
+        <a:spcBef>
+          <a:spcPts val="1000"/>
+        </a:spcBef>
+        <a:spcAft>
+          <a:spcPts val="0"/>
+        </a:spcAft>
+        <a:buClr>
+          <a:schemeClr val="accent1"/>
+        </a:buClr>
+        <a:buSzPct val="80000"/>
+        <a:buFont typeface="Wingdings 3" charset="2"/>
+        <a:buChar char=""/>
+        <a:defRPr sz="1600" kern="1200">
+          <a:solidFill>
+            <a:schemeClr val="tx1">
+              <a:lumMod val="75000"/>
+              <a:lumOff val="25000"/>
+            </a:schemeClr>
+          </a:solidFill>
+          <a:latin typeface="+mn-lt"/>
+          <a:ea typeface="+mn-ea"/>
+          <a:cs typeface="+mn-cs"/>
+        </a:defRPr>
+      </a:lvl2pPr>
+      <a:lvl3pPr marL="1143000" indent="-228600" algn="l" defTabSz="457200" rtl="0" eaLnBrk="1" latinLnBrk="0" hangingPunct="1">
+        <a:spcBef>
+          <a:spcPts val="1000"/>
+        </a:spcBef>
+        <a:spcAft>
+          <a:spcPts val="0"/>
+        </a:spcAft>
+        <a:buClr>
+          <a:schemeClr val="accent1"/>
+        </a:buClr>
+        <a:buSzPct val="80000"/>
+        <a:buFont typeface="Wingdings 3" charset="2"/>
+        <a:buChar char=""/>
+        <a:defRPr sz="1400" kern="1200">
+          <a:solidFill>
+            <a:schemeClr val="tx1">
+              <a:lumMod val="75000"/>
+              <a:lumOff val="25000"/>
+            </a:schemeClr>
+          </a:solidFill>
+          <a:latin typeface="+mn-lt"/>
+          <a:ea typeface="+mn-ea"/>
+          <a:cs typeface="+mn-cs"/>
+        </a:defRPr>
+      </a:lvl3pPr>
+      <a:lvl4pPr marL="1600200" indent="-228600" algn="l" defTabSz="457200" rtl="0" eaLnBrk="1" latinLnBrk="0" hangingPunct="1">
+        <a:spcBef>
+          <a:spcPts val="1000"/>
+        </a:spcBef>
+        <a:spcAft>
+          <a:spcPts val="0"/>
+        </a:spcAft>
+        <a:buClr>
+          <a:schemeClr val="accent1"/>
+        </a:buClr>
+        <a:buSzPct val="80000"/>
+        <a:buFont typeface="Wingdings 3" charset="2"/>
+        <a:buChar char=""/>
+        <a:defRPr sz="1200" kern="1200">
+          <a:solidFill>
+            <a:schemeClr val="tx1">
+              <a:lumMod val="75000"/>
+              <a:lumOff val="25000"/>
+            </a:schemeClr>
+          </a:solidFill>
+          <a:latin typeface="+mn-lt"/>
+          <a:ea typeface="+mn-ea"/>
+          <a:cs typeface="+mn-cs"/>
+        </a:defRPr>
+      </a:lvl4pPr>
+      <a:lvl5pPr marL="2057400" indent="-228600" algn="l" defTabSz="457200" rtl="0" eaLnBrk="1" latinLnBrk="0" hangingPunct="1">
+        <a:spcBef>
+          <a:spcPts val="1000"/>
+        </a:spcBef>
+        <a:spcAft>
+          <a:spcPts val="0"/>
+        </a:spcAft>
+        <a:buClr>
+          <a:schemeClr val="accent1"/>
+        </a:buClr>
+        <a:buSzPct val="80000"/>
+        <a:buFont typeface="Wingdings 3" charset="2"/>
+        <a:buChar char=""/>
+        <a:defRPr sz="1200" kern="1200">
+          <a:solidFill>
+            <a:schemeClr val="tx1">
+              <a:lumMod val="75000"/>
+              <a:lumOff val="25000"/>
+            </a:schemeClr>
+          </a:solidFill>
+          <a:latin typeface="+mn-lt"/>
+          <a:ea typeface="+mn-ea"/>
+          <a:cs typeface="+mn-cs"/>
+        </a:defRPr>
+      </a:lvl5pPr>
+      <a:lvl6pPr marL="2514600" indent="-228600" algn="l" defTabSz="457200" rtl="0" eaLnBrk="1" latinLnBrk="0" hangingPunct="1">
+        <a:spcBef>
+          <a:spcPts val="1000"/>
+        </a:spcBef>
+        <a:spcAft>
+          <a:spcPts val="0"/>
+        </a:spcAft>
+        <a:buClr>
+          <a:schemeClr val="accent1"/>
+        </a:buClr>
+        <a:buSzPct val="80000"/>
+        <a:buFont typeface="Wingdings 3" charset="2"/>
+        <a:buChar char=""/>
+        <a:defRPr sz="1200" kern="1200">
+          <a:solidFill>
+            <a:schemeClr val="tx1">
+              <a:lumMod val="75000"/>
+              <a:lumOff val="25000"/>
+            </a:schemeClr>
+          </a:solidFill>
+          <a:latin typeface="+mn-lt"/>
+          <a:ea typeface="+mn-ea"/>
+          <a:cs typeface="+mn-cs"/>
+        </a:defRPr>
+      </a:lvl6pPr>
+      <a:lvl7pPr marL="2971800" indent="-228600" algn="l" defTabSz="457200" rtl="0" eaLnBrk="1" latinLnBrk="0" hangingPunct="1">
+        <a:spcBef>
+          <a:spcPts val="1000"/>
+        </a:spcBef>
+        <a:spcAft>
+          <a:spcPts val="0"/>
+        </a:spcAft>
+        <a:buClr>
+          <a:schemeClr val="accent1"/>
+        </a:buClr>
+        <a:buSzPct val="80000"/>
+        <a:buFont typeface="Wingdings 3" charset="2"/>
+        <a:buChar char=""/>
+        <a:defRPr sz="1200" kern="1200">
+          <a:solidFill>
+            <a:schemeClr val="tx1">
+              <a:lumMod val="75000"/>
+              <a:lumOff val="25000"/>
+            </a:schemeClr>
+          </a:solidFill>
+          <a:latin typeface="+mn-lt"/>
+          <a:ea typeface="+mn-ea"/>
+          <a:cs typeface="+mn-cs"/>
+        </a:defRPr>
+      </a:lvl7pPr>
+      <a:lvl8pPr marL="3429000" indent="-228600" algn="l" defTabSz="457200" rtl="0" eaLnBrk="1" latinLnBrk="0" hangingPunct="1">
+        <a:spcBef>
+          <a:spcPts val="1000"/>
+        </a:spcBef>
+        <a:spcAft>
+          <a:spcPts val="0"/>
+        </a:spcAft>
+        <a:buClr>
+          <a:schemeClr val="accent1"/>
+        </a:buClr>
+        <a:buSzPct val="80000"/>
+        <a:buFont typeface="Wingdings 3" charset="2"/>
+        <a:buChar char=""/>
+        <a:defRPr sz="1200" kern="1200">
+          <a:solidFill>
+            <a:schemeClr val="tx1">
+              <a:lumMod val="75000"/>
+              <a:lumOff val="25000"/>
+            </a:schemeClr>
+          </a:solidFill>
+          <a:latin typeface="+mn-lt"/>
+          <a:ea typeface="+mn-ea"/>
+          <a:cs typeface="+mn-cs"/>
+        </a:defRPr>
+      </a:lvl8pPr>
+      <a:lvl9pPr marL="3886200" indent="-228600" algn="l" defTabSz="457200" rtl="0" eaLnBrk="1" latinLnBrk="0" hangingPunct="1">
+        <a:spcBef>
+          <a:spcPts val="1000"/>
+        </a:spcBef>
+        <a:spcAft>
+          <a:spcPts val="0"/>
+        </a:spcAft>
+        <a:buClr>
+          <a:schemeClr val="accent1"/>
+        </a:buClr>
+        <a:buSzPct val="80000"/>
+        <a:buFont typeface="Wingdings 3" charset="2"/>
+        <a:buChar char=""/>
+        <a:defRPr sz="1200" kern="1200">
+          <a:solidFill>
+            <a:schemeClr val="tx1">
+              <a:lumMod val="75000"/>
+              <a:lumOff val="25000"/>
+            </a:schemeClr>
+          </a:solidFill>
+          <a:latin typeface="+mn-lt"/>
+          <a:ea typeface="+mn-ea"/>
+          <a:cs typeface="+mn-cs"/>
+        </a:defRPr>
+      </a:lvl9pPr>
+    </p:bodyStyle>
+    <p:otherStyle>
+      <a:defPPr>
+        <a:defRPr lang="en-US"/>
+      </a:defPPr>
+      <a:lvl1pPr marL="0" algn="l" defTabSz="457200" rtl="0" eaLnBrk="1" latinLnBrk="0" hangingPunct="1">
+        <a:defRPr sz="1800" kern="1200">
           <a:solidFill>
             <a:schemeClr val="tx1"/>
           </a:solidFill>
@@ -2703,16 +5738,8 @@
           <a:cs typeface="+mn-cs"/>
         </a:defRPr>
       </a:lvl1pPr>
-      <a:lvl2pPr marL="685800" indent="-228600" algn="l" defTabSz="914400" rtl="0" eaLnBrk="1" latinLnBrk="0" hangingPunct="1">
-        <a:lnSpc>
-          <a:spcPct val="90000"/>
-        </a:lnSpc>
-        <a:spcBef>
-          <a:spcPts val="500"/>
-        </a:spcBef>
-        <a:buFont typeface="Arial" panose="020B0604020202020204" pitchFamily="34" charset="0"/>
-        <a:buChar char="•"/>
-        <a:defRPr sz="2400" kern="1200">
+      <a:lvl2pPr marL="457200" algn="l" defTabSz="457200" rtl="0" eaLnBrk="1" latinLnBrk="0" hangingPunct="1">
+        <a:defRPr sz="1800" kern="1200">
           <a:solidFill>
             <a:schemeClr val="tx1"/>
           </a:solidFill>
@@ -2721,16 +5748,8 @@
           <a:cs typeface="+mn-cs"/>
         </a:defRPr>
       </a:lvl2pPr>
-      <a:lvl3pPr marL="1143000" indent="-228600" algn="l" defTabSz="914400" rtl="0" eaLnBrk="1" latinLnBrk="0" hangingPunct="1">
-        <a:lnSpc>
-          <a:spcPct val="90000"/>
-        </a:lnSpc>
-        <a:spcBef>
-          <a:spcPts val="500"/>
-        </a:spcBef>
-        <a:buFont typeface="Arial" panose="020B0604020202020204" pitchFamily="34" charset="0"/>
-        <a:buChar char="•"/>
-        <a:defRPr sz="2000" kern="1200">
+      <a:lvl3pPr marL="914400" algn="l" defTabSz="457200" rtl="0" eaLnBrk="1" latinLnBrk="0" hangingPunct="1">
+        <a:defRPr sz="1800" kern="1200">
           <a:solidFill>
             <a:schemeClr val="tx1"/>
           </a:solidFill>
@@ -2739,15 +5758,7 @@
           <a:cs typeface="+mn-cs"/>
         </a:defRPr>
       </a:lvl3pPr>
-      <a:lvl4pPr marL="1600200" indent="-228600" algn="l" defTabSz="914400" rtl="0" eaLnBrk="1" latinLnBrk="0" hangingPunct="1">
-        <a:lnSpc>
-          <a:spcPct val="90000"/>
-        </a:lnSpc>
-        <a:spcBef>
-          <a:spcPts val="500"/>
-        </a:spcBef>
-        <a:buFont typeface="Arial" panose="020B0604020202020204" pitchFamily="34" charset="0"/>
-        <a:buChar char="•"/>
+      <a:lvl4pPr marL="1371600" algn="l" defTabSz="457200" rtl="0" eaLnBrk="1" latinLnBrk="0" hangingPunct="1">
         <a:defRPr sz="1800" kern="1200">
           <a:solidFill>
             <a:schemeClr val="tx1"/>
@@ -2757,15 +5768,7 @@
           <a:cs typeface="+mn-cs"/>
         </a:defRPr>
       </a:lvl4pPr>
-      <a:lvl5pPr marL="2057400" indent="-228600" algn="l" defTabSz="914400" rtl="0" eaLnBrk="1" latinLnBrk="0" hangingPunct="1">
-        <a:lnSpc>
-          <a:spcPct val="90000"/>
-        </a:lnSpc>
-        <a:spcBef>
-          <a:spcPts val="500"/>
-        </a:spcBef>
-        <a:buFont typeface="Arial" panose="020B0604020202020204" pitchFamily="34" charset="0"/>
-        <a:buChar char="•"/>
+      <a:lvl5pPr marL="1828800" algn="l" defTabSz="457200" rtl="0" eaLnBrk="1" latinLnBrk="0" hangingPunct="1">
         <a:defRPr sz="1800" kern="1200">
           <a:solidFill>
             <a:schemeClr val="tx1"/>
@@ -2775,15 +5778,7 @@
           <a:cs typeface="+mn-cs"/>
         </a:defRPr>
       </a:lvl5pPr>
-      <a:lvl6pPr marL="2514600" indent="-228600" algn="l" defTabSz="914400" rtl="0" eaLnBrk="1" latinLnBrk="0" hangingPunct="1">
-        <a:lnSpc>
-          <a:spcPct val="90000"/>
-        </a:lnSpc>
-        <a:spcBef>
-          <a:spcPts val="500"/>
-        </a:spcBef>
-        <a:buFont typeface="Arial" panose="020B0604020202020204" pitchFamily="34" charset="0"/>
-        <a:buChar char="•"/>
+      <a:lvl6pPr marL="2286000" algn="l" defTabSz="457200" rtl="0" eaLnBrk="1" latinLnBrk="0" hangingPunct="1">
         <a:defRPr sz="1800" kern="1200">
           <a:solidFill>
             <a:schemeClr val="tx1"/>
@@ -2793,15 +5788,7 @@
           <a:cs typeface="+mn-cs"/>
         </a:defRPr>
       </a:lvl6pPr>
-      <a:lvl7pPr marL="2971800" indent="-228600" algn="l" defTabSz="914400" rtl="0" eaLnBrk="1" latinLnBrk="0" hangingPunct="1">
-        <a:lnSpc>
-          <a:spcPct val="90000"/>
-        </a:lnSpc>
-        <a:spcBef>
-          <a:spcPts val="500"/>
-        </a:spcBef>
-        <a:buFont typeface="Arial" panose="020B0604020202020204" pitchFamily="34" charset="0"/>
-        <a:buChar char="•"/>
+      <a:lvl7pPr marL="2743200" algn="l" defTabSz="457200" rtl="0" eaLnBrk="1" latinLnBrk="0" hangingPunct="1">
         <a:defRPr sz="1800" kern="1200">
           <a:solidFill>
             <a:schemeClr val="tx1"/>
@@ -2811,15 +5798,7 @@
           <a:cs typeface="+mn-cs"/>
         </a:defRPr>
       </a:lvl7pPr>
-      <a:lvl8pPr marL="3429000" indent="-228600" algn="l" defTabSz="914400" rtl="0" eaLnBrk="1" latinLnBrk="0" hangingPunct="1">
-        <a:lnSpc>
-          <a:spcPct val="90000"/>
-        </a:lnSpc>
-        <a:spcBef>
-          <a:spcPts val="500"/>
-        </a:spcBef>
-        <a:buFont typeface="Arial" panose="020B0604020202020204" pitchFamily="34" charset="0"/>
-        <a:buChar char="•"/>
+      <a:lvl8pPr marL="3200400" algn="l" defTabSz="457200" rtl="0" eaLnBrk="1" latinLnBrk="0" hangingPunct="1">
         <a:defRPr sz="1800" kern="1200">
           <a:solidFill>
             <a:schemeClr val="tx1"/>
@@ -2829,110 +5808,7 @@
           <a:cs typeface="+mn-cs"/>
         </a:defRPr>
       </a:lvl8pPr>
-      <a:lvl9pPr marL="3886200" indent="-228600" algn="l" defTabSz="914400" rtl="0" eaLnBrk="1" latinLnBrk="0" hangingPunct="1">
-        <a:lnSpc>
-          <a:spcPct val="90000"/>
-        </a:lnSpc>
-        <a:spcBef>
-          <a:spcPts val="500"/>
-        </a:spcBef>
-        <a:buFont typeface="Arial" panose="020B0604020202020204" pitchFamily="34" charset="0"/>
-        <a:buChar char="•"/>
-        <a:defRPr sz="1800" kern="1200">
-          <a:solidFill>
-            <a:schemeClr val="tx1"/>
-          </a:solidFill>
-          <a:latin typeface="+mn-lt"/>
-          <a:ea typeface="+mn-ea"/>
-          <a:cs typeface="+mn-cs"/>
-        </a:defRPr>
-      </a:lvl9pPr>
-    </p:bodyStyle>
-    <p:otherStyle>
-      <a:defPPr>
-        <a:defRPr lang="es-CO"/>
-      </a:defPPr>
-      <a:lvl1pPr marL="0" algn="l" defTabSz="914400" rtl="0" eaLnBrk="1" latinLnBrk="0" hangingPunct="1">
-        <a:defRPr sz="1800" kern="1200">
-          <a:solidFill>
-            <a:schemeClr val="tx1"/>
-          </a:solidFill>
-          <a:latin typeface="+mn-lt"/>
-          <a:ea typeface="+mn-ea"/>
-          <a:cs typeface="+mn-cs"/>
-        </a:defRPr>
-      </a:lvl1pPr>
-      <a:lvl2pPr marL="457200" algn="l" defTabSz="914400" rtl="0" eaLnBrk="1" latinLnBrk="0" hangingPunct="1">
-        <a:defRPr sz="1800" kern="1200">
-          <a:solidFill>
-            <a:schemeClr val="tx1"/>
-          </a:solidFill>
-          <a:latin typeface="+mn-lt"/>
-          <a:ea typeface="+mn-ea"/>
-          <a:cs typeface="+mn-cs"/>
-        </a:defRPr>
-      </a:lvl2pPr>
-      <a:lvl3pPr marL="914400" algn="l" defTabSz="914400" rtl="0" eaLnBrk="1" latinLnBrk="0" hangingPunct="1">
-        <a:defRPr sz="1800" kern="1200">
-          <a:solidFill>
-            <a:schemeClr val="tx1"/>
-          </a:solidFill>
-          <a:latin typeface="+mn-lt"/>
-          <a:ea typeface="+mn-ea"/>
-          <a:cs typeface="+mn-cs"/>
-        </a:defRPr>
-      </a:lvl3pPr>
-      <a:lvl4pPr marL="1371600" algn="l" defTabSz="914400" rtl="0" eaLnBrk="1" latinLnBrk="0" hangingPunct="1">
-        <a:defRPr sz="1800" kern="1200">
-          <a:solidFill>
-            <a:schemeClr val="tx1"/>
-          </a:solidFill>
-          <a:latin typeface="+mn-lt"/>
-          <a:ea typeface="+mn-ea"/>
-          <a:cs typeface="+mn-cs"/>
-        </a:defRPr>
-      </a:lvl4pPr>
-      <a:lvl5pPr marL="1828800" algn="l" defTabSz="914400" rtl="0" eaLnBrk="1" latinLnBrk="0" hangingPunct="1">
-        <a:defRPr sz="1800" kern="1200">
-          <a:solidFill>
-            <a:schemeClr val="tx1"/>
-          </a:solidFill>
-          <a:latin typeface="+mn-lt"/>
-          <a:ea typeface="+mn-ea"/>
-          <a:cs typeface="+mn-cs"/>
-        </a:defRPr>
-      </a:lvl5pPr>
-      <a:lvl6pPr marL="2286000" algn="l" defTabSz="914400" rtl="0" eaLnBrk="1" latinLnBrk="0" hangingPunct="1">
-        <a:defRPr sz="1800" kern="1200">
-          <a:solidFill>
-            <a:schemeClr val="tx1"/>
-          </a:solidFill>
-          <a:latin typeface="+mn-lt"/>
-          <a:ea typeface="+mn-ea"/>
-          <a:cs typeface="+mn-cs"/>
-        </a:defRPr>
-      </a:lvl6pPr>
-      <a:lvl7pPr marL="2743200" algn="l" defTabSz="914400" rtl="0" eaLnBrk="1" latinLnBrk="0" hangingPunct="1">
-        <a:defRPr sz="1800" kern="1200">
-          <a:solidFill>
-            <a:schemeClr val="tx1"/>
-          </a:solidFill>
-          <a:latin typeface="+mn-lt"/>
-          <a:ea typeface="+mn-ea"/>
-          <a:cs typeface="+mn-cs"/>
-        </a:defRPr>
-      </a:lvl7pPr>
-      <a:lvl8pPr marL="3200400" algn="l" defTabSz="914400" rtl="0" eaLnBrk="1" latinLnBrk="0" hangingPunct="1">
-        <a:defRPr sz="1800" kern="1200">
-          <a:solidFill>
-            <a:schemeClr val="tx1"/>
-          </a:solidFill>
-          <a:latin typeface="+mn-lt"/>
-          <a:ea typeface="+mn-ea"/>
-          <a:cs typeface="+mn-cs"/>
-        </a:defRPr>
-      </a:lvl8pPr>
-      <a:lvl9pPr marL="3657600" algn="l" defTabSz="914400" rtl="0" eaLnBrk="1" latinLnBrk="0" hangingPunct="1">
+      <a:lvl9pPr marL="3657600" algn="l" defTabSz="457200" rtl="0" eaLnBrk="1" latinLnBrk="0" hangingPunct="1">
         <a:defRPr sz="1800" kern="1200">
           <a:solidFill>
             <a:schemeClr val="tx1"/>
@@ -2966,39 +5842,196 @@
       </p:grpSpPr>
       <p:sp>
         <p:nvSpPr>
-          <p:cNvPr id="2" name="Título 1"/>
-          <p:cNvSpPr>
-            <a:spLocks noGrp="1"/>
-          </p:cNvSpPr>
-          <p:nvPr>
-            <p:ph type="ctrTitle"/>
-          </p:nvPr>
-        </p:nvSpPr>
-        <p:spPr/>
-        <p:txBody>
-          <a:bodyPr/>
-          <a:lstStyle/>
-          <a:p>
-            <a:endParaRPr lang="es-CO"/>
-          </a:p>
-        </p:txBody>
-      </p:sp>
-      <p:sp>
-        <p:nvSpPr>
-          <p:cNvPr id="3" name="Subtítulo 2"/>
-          <p:cNvSpPr>
-            <a:spLocks noGrp="1"/>
-          </p:cNvSpPr>
-          <p:nvPr>
-            <p:ph type="subTitle" idx="1"/>
-          </p:nvPr>
-        </p:nvSpPr>
-        <p:spPr/>
-        <p:txBody>
-          <a:bodyPr/>
-          <a:lstStyle/>
-          <a:p>
-            <a:endParaRPr lang="es-CO"/>
+          <p:cNvPr id="4" name="CuadroTexto 3"/>
+          <p:cNvSpPr txBox="1"/>
+          <p:nvPr/>
+        </p:nvSpPr>
+        <p:spPr>
+          <a:xfrm>
+            <a:off x="1138880" y="473237"/>
+            <a:ext cx="7894671" cy="646331"/>
+          </a:xfrm>
+          <a:prstGeom prst="rect">
+            <a:avLst/>
+          </a:prstGeom>
+          <a:noFill/>
+        </p:spPr>
+        <p:txBody>
+          <a:bodyPr wrap="square" rtlCol="0" anchor="ctr">
+            <a:spAutoFit/>
+          </a:bodyPr>
+          <a:lstStyle/>
+          <a:p>
+            <a:pPr algn="ctr"/>
+            <a:r>
+              <a:rPr lang="es-CO" dirty="0"/>
+              <a:t>Fundación Centro Colombiano de Estudios </a:t>
+            </a:r>
+            <a:r>
+              <a:rPr lang="es-CO" dirty="0" smtClean="0"/>
+              <a:t>Profesionales</a:t>
+            </a:r>
+          </a:p>
+          <a:p>
+            <a:pPr algn="ctr"/>
+            <a:r>
+              <a:rPr lang="es-CO" dirty="0" smtClean="0"/>
+              <a:t>FCECEP</a:t>
+            </a:r>
+            <a:endParaRPr lang="es-CO" dirty="0"/>
+          </a:p>
+        </p:txBody>
+      </p:sp>
+      <p:sp>
+        <p:nvSpPr>
+          <p:cNvPr id="5" name="CuadroTexto 4"/>
+          <p:cNvSpPr txBox="1"/>
+          <p:nvPr/>
+        </p:nvSpPr>
+        <p:spPr>
+          <a:xfrm>
+            <a:off x="1127196" y="1793086"/>
+            <a:ext cx="7894671" cy="1754326"/>
+          </a:xfrm>
+          <a:prstGeom prst="rect">
+            <a:avLst/>
+          </a:prstGeom>
+          <a:noFill/>
+        </p:spPr>
+        <p:txBody>
+          <a:bodyPr wrap="square" rtlCol="0" anchor="ctr">
+            <a:spAutoFit/>
+          </a:bodyPr>
+          <a:lstStyle/>
+          <a:p>
+            <a:pPr algn="ctr"/>
+            <a:r>
+              <a:rPr lang="es-CO" dirty="0" smtClean="0"/>
+              <a:t>Integrantes:</a:t>
+            </a:r>
+          </a:p>
+          <a:p>
+            <a:pPr algn="ctr"/>
+            <a:r>
+              <a:rPr lang="es-CO" dirty="0" smtClean="0"/>
+              <a:t>Oscar Roa</a:t>
+            </a:r>
+          </a:p>
+          <a:p>
+            <a:pPr algn="ctr"/>
+            <a:r>
+              <a:rPr lang="es-CO" dirty="0" smtClean="0"/>
+              <a:t>Sebastian Montoya</a:t>
+            </a:r>
+          </a:p>
+          <a:p>
+            <a:pPr algn="ctr"/>
+            <a:r>
+              <a:rPr lang="es-CO" dirty="0" err="1" smtClean="0"/>
+              <a:t>Farid</a:t>
+            </a:r>
+            <a:r>
+              <a:rPr lang="es-CO" dirty="0" smtClean="0"/>
+              <a:t> agregar nombre</a:t>
+            </a:r>
+          </a:p>
+          <a:p>
+            <a:pPr algn="ctr"/>
+            <a:r>
+              <a:rPr lang="es-CO" dirty="0" smtClean="0"/>
+              <a:t>Joseph Pizza</a:t>
+            </a:r>
+          </a:p>
+          <a:p>
+            <a:pPr algn="ctr"/>
+            <a:r>
+              <a:rPr lang="es-CO" dirty="0" smtClean="0"/>
+              <a:t>Juan Miguel Mayor</a:t>
+            </a:r>
+            <a:endParaRPr lang="es-CO" dirty="0"/>
+          </a:p>
+        </p:txBody>
+      </p:sp>
+      <p:sp>
+        <p:nvSpPr>
+          <p:cNvPr id="6" name="CuadroTexto 5"/>
+          <p:cNvSpPr txBox="1"/>
+          <p:nvPr/>
+        </p:nvSpPr>
+        <p:spPr>
+          <a:xfrm>
+            <a:off x="1146174" y="3939920"/>
+            <a:ext cx="7894671" cy="646331"/>
+          </a:xfrm>
+          <a:prstGeom prst="rect">
+            <a:avLst/>
+          </a:prstGeom>
+          <a:noFill/>
+        </p:spPr>
+        <p:txBody>
+          <a:bodyPr wrap="square" rtlCol="0" anchor="ctr">
+            <a:spAutoFit/>
+          </a:bodyPr>
+          <a:lstStyle/>
+          <a:p>
+            <a:pPr algn="ctr"/>
+            <a:r>
+              <a:rPr lang="es-CO" dirty="0" smtClean="0"/>
+              <a:t>Tema:</a:t>
+            </a:r>
+          </a:p>
+          <a:p>
+            <a:pPr algn="ctr"/>
+            <a:r>
+              <a:rPr lang="es-CO" dirty="0" smtClean="0"/>
+              <a:t>GIT HUB</a:t>
+            </a:r>
+            <a:endParaRPr lang="es-CO" dirty="0"/>
+          </a:p>
+        </p:txBody>
+      </p:sp>
+      <p:sp>
+        <p:nvSpPr>
+          <p:cNvPr id="7" name="CuadroTexto 6"/>
+          <p:cNvSpPr txBox="1"/>
+          <p:nvPr/>
+        </p:nvSpPr>
+        <p:spPr>
+          <a:xfrm>
+            <a:off x="1138880" y="5371267"/>
+            <a:ext cx="7894671" cy="923330"/>
+          </a:xfrm>
+          <a:prstGeom prst="rect">
+            <a:avLst/>
+          </a:prstGeom>
+          <a:noFill/>
+        </p:spPr>
+        <p:txBody>
+          <a:bodyPr wrap="square" rtlCol="0" anchor="ctr">
+            <a:spAutoFit/>
+          </a:bodyPr>
+          <a:lstStyle/>
+          <a:p>
+            <a:pPr algn="ctr"/>
+            <a:r>
+              <a:rPr lang="es-CO" dirty="0" smtClean="0"/>
+              <a:t>FACULTAD DE INGENIERIA</a:t>
+            </a:r>
+          </a:p>
+          <a:p>
+            <a:pPr algn="ctr"/>
+            <a:r>
+              <a:rPr lang="es-CO" dirty="0" smtClean="0"/>
+              <a:t>TECNOLOGIA DE SISTEMAS DE INFORMACIÓN</a:t>
+            </a:r>
+          </a:p>
+          <a:p>
+            <a:pPr algn="ctr"/>
+            <a:r>
+              <a:rPr lang="es-CO" dirty="0" smtClean="0"/>
+              <a:t>2017</a:t>
+            </a:r>
+            <a:endParaRPr lang="es-CO" dirty="0"/>
           </a:p>
         </p:txBody>
       </p:sp>
@@ -3012,13 +6045,94 @@
   <p:clrMapOvr>
     <a:masterClrMapping/>
   </p:clrMapOvr>
+  <p:timing>
+    <p:tnLst>
+      <p:par>
+        <p:cTn id="1" dur="indefinite" restart="never" nodeType="tmRoot"/>
+      </p:par>
+    </p:tnLst>
+  </p:timing>
+</p:sld>
+</file>
+
+<file path=ppt/slides/slide2.xml><?xml version="1.0" encoding="utf-8"?>
+<p:sld xmlns:a="http://schemas.openxmlformats.org/drawingml/2006/main" xmlns:r="http://schemas.openxmlformats.org/officeDocument/2006/relationships" xmlns:p="http://schemas.openxmlformats.org/presentationml/2006/main">
+  <p:cSld>
+    <p:spTree>
+      <p:nvGrpSpPr>
+        <p:cNvPr id="1" name=""/>
+        <p:cNvGrpSpPr/>
+        <p:nvPr/>
+      </p:nvGrpSpPr>
+      <p:grpSpPr>
+        <a:xfrm>
+          <a:off x="0" y="0"/>
+          <a:ext cx="0" cy="0"/>
+          <a:chOff x="0" y="0"/>
+          <a:chExt cx="0" cy="0"/>
+        </a:xfrm>
+      </p:grpSpPr>
+      <p:sp>
+        <p:nvSpPr>
+          <p:cNvPr id="4" name="CuadroTexto 3"/>
+          <p:cNvSpPr txBox="1"/>
+          <p:nvPr/>
+        </p:nvSpPr>
+        <p:spPr>
+          <a:xfrm>
+            <a:off x="159697" y="429180"/>
+            <a:ext cx="3243547" cy="369332"/>
+          </a:xfrm>
+          <a:prstGeom prst="rect">
+            <a:avLst/>
+          </a:prstGeom>
+          <a:noFill/>
+        </p:spPr>
+        <p:txBody>
+          <a:bodyPr wrap="square" rtlCol="0" anchor="ctr">
+            <a:spAutoFit/>
+          </a:bodyPr>
+          <a:lstStyle/>
+          <a:p>
+            <a:r>
+              <a:rPr lang="es-CO" dirty="0" smtClean="0"/>
+              <a:t>¿ Qué es </a:t>
+            </a:r>
+            <a:r>
+              <a:rPr lang="es-CO" dirty="0" err="1" smtClean="0"/>
+              <a:t>git</a:t>
+            </a:r>
+            <a:r>
+              <a:rPr lang="es-CO" dirty="0" smtClean="0"/>
+              <a:t>?</a:t>
+            </a:r>
+          </a:p>
+        </p:txBody>
+      </p:sp>
+    </p:spTree>
+    <p:extLst>
+      <p:ext uri="{BB962C8B-B14F-4D97-AF65-F5344CB8AC3E}">
+        <p14:creationId xmlns:p14="http://schemas.microsoft.com/office/powerpoint/2010/main" val="2734729550"/>
+      </p:ext>
+    </p:extLst>
+  </p:cSld>
+  <p:clrMapOvr>
+    <a:masterClrMapping/>
+  </p:clrMapOvr>
+  <p:timing>
+    <p:tnLst>
+      <p:par>
+        <p:cTn id="1" dur="indefinite" restart="never" nodeType="tmRoot"/>
+      </p:par>
+    </p:tnLst>
+  </p:timing>
 </p:sld>
 </file>
 
 <file path=ppt/theme/theme1.xml><?xml version="1.0" encoding="utf-8"?>
-<a:theme xmlns:a="http://schemas.openxmlformats.org/drawingml/2006/main" name="Tema de Office">
+<a:theme xmlns:a="http://schemas.openxmlformats.org/drawingml/2006/main" name="Faceta">
   <a:themeElements>
-    <a:clrScheme name="Office">
+    <a:clrScheme name="Faceta">
       <a:dk1>
         <a:sysClr val="windowText" lastClr="000000"/>
       </a:dk1>
@@ -3026,52 +6140,52 @@
         <a:sysClr val="window" lastClr="FFFFFF"/>
       </a:lt1>
       <a:dk2>
-        <a:srgbClr val="44546A"/>
+        <a:srgbClr val="2C3C43"/>
       </a:dk2>
       <a:lt2>
-        <a:srgbClr val="E7E6E6"/>
+        <a:srgbClr val="EBEBEB"/>
       </a:lt2>
       <a:accent1>
-        <a:srgbClr val="5B9BD5"/>
+        <a:srgbClr val="5FCBEF"/>
       </a:accent1>
       <a:accent2>
-        <a:srgbClr val="ED7D31"/>
+        <a:srgbClr val="2E83C3"/>
       </a:accent2>
       <a:accent3>
-        <a:srgbClr val="A5A5A5"/>
+        <a:srgbClr val="42D0A2"/>
       </a:accent3>
       <a:accent4>
-        <a:srgbClr val="FFC000"/>
+        <a:srgbClr val="2E946B"/>
       </a:accent4>
       <a:accent5>
-        <a:srgbClr val="4472C4"/>
+        <a:srgbClr val="42B051"/>
       </a:accent5>
       <a:accent6>
-        <a:srgbClr val="70AD47"/>
+        <a:srgbClr val="96D141"/>
       </a:accent6>
       <a:hlink>
-        <a:srgbClr val="0563C1"/>
+        <a:srgbClr val="3FCDE7"/>
       </a:hlink>
       <a:folHlink>
-        <a:srgbClr val="954F72"/>
+        <a:srgbClr val="A9D3E1"/>
       </a:folHlink>
     </a:clrScheme>
-    <a:fontScheme name="Office">
+    <a:fontScheme name="Faceta">
       <a:majorFont>
-        <a:latin typeface="Calibri Light" panose="020F0302020204030204"/>
+        <a:latin typeface="Trebuchet MS" panose="020B0603020202020204"/>
         <a:ea typeface=""/>
         <a:cs typeface=""/>
-        <a:font script="Jpan" typeface="ＭＳ Ｐゴシック"/>
+        <a:font script="Jpan" typeface="メイリオ"/>
         <a:font script="Hang" typeface="맑은 고딕"/>
-        <a:font script="Hans" typeface="宋体"/>
-        <a:font script="Hant" typeface="新細明體"/>
-        <a:font script="Arab" typeface="Times New Roman"/>
-        <a:font script="Hebr" typeface="Times New Roman"/>
-        <a:font script="Thai" typeface="Angsana New"/>
+        <a:font script="Hans" typeface="方正姚体"/>
+        <a:font script="Hant" typeface="微軟正黑體"/>
+        <a:font script="Arab" typeface="Tahoma"/>
+        <a:font script="Hebr" typeface="Arial"/>
+        <a:font script="Thai" typeface="Cordia New"/>
         <a:font script="Ethi" typeface="Nyala"/>
         <a:font script="Beng" typeface="Vrinda"/>
         <a:font script="Gujr" typeface="Shruti"/>
-        <a:font script="Khmr" typeface="MoolBoran"/>
+        <a:font script="Khmr" typeface="DaunPenh"/>
         <a:font script="Knda" typeface="Tunga"/>
         <a:font script="Guru" typeface="Raavi"/>
         <a:font script="Cans" typeface="Euphemia"/>
@@ -3088,21 +6202,21 @@
         <a:font script="Laoo" typeface="DokChampa"/>
         <a:font script="Sinh" typeface="Iskoola Pota"/>
         <a:font script="Mong" typeface="Mongolian Baiti"/>
-        <a:font script="Viet" typeface="Times New Roman"/>
+        <a:font script="Viet" typeface="Tahoma"/>
         <a:font script="Uigh" typeface="Microsoft Uighur"/>
         <a:font script="Geor" typeface="Sylfaen"/>
       </a:majorFont>
       <a:minorFont>
-        <a:latin typeface="Calibri" panose="020F0502020204030204"/>
+        <a:latin typeface="Trebuchet MS" panose="020B0603020202020204"/>
         <a:ea typeface=""/>
         <a:cs typeface=""/>
-        <a:font script="Jpan" typeface="ＭＳ Ｐゴシック"/>
-        <a:font script="Hang" typeface="맑은 고딕"/>
-        <a:font script="Hans" typeface="宋体"/>
-        <a:font script="Hant" typeface="新細明體"/>
-        <a:font script="Arab" typeface="Arial"/>
-        <a:font script="Hebr" typeface="Arial"/>
-        <a:font script="Thai" typeface="Cordia New"/>
+        <a:font script="Jpan" typeface="メイリオ"/>
+        <a:font script="Hang" typeface="HY그래픽M"/>
+        <a:font script="Hans" typeface="华文新魏"/>
+        <a:font script="Hant" typeface="微軟正黑體"/>
+        <a:font script="Arab" typeface="Tahoma"/>
+        <a:font script="Hebr" typeface="Gisha"/>
+        <a:font script="Thai" typeface="IrisUPC"/>
         <a:font script="Ethi" typeface="Nyala"/>
         <a:font script="Beng" typeface="Vrinda"/>
         <a:font script="Gujr" typeface="Shruti"/>
@@ -3128,7 +6242,7 @@
         <a:font script="Geor" typeface="Sylfaen"/>
       </a:minorFont>
     </a:fontScheme>
-    <a:fmtScheme name="Office">
+    <a:fmtScheme name="Faceta">
       <a:fillStyleLst>
         <a:solidFill>
           <a:schemeClr val="phClr"/>
@@ -3137,23 +6251,13 @@
           <a:gsLst>
             <a:gs pos="0">
               <a:schemeClr val="phClr">
+                <a:tint val="65000"/>
                 <a:lumMod val="110000"/>
-                <a:satMod val="105000"/>
-                <a:tint val="67000"/>
               </a:schemeClr>
             </a:gs>
-            <a:gs pos="50000">
+            <a:gs pos="88000">
               <a:schemeClr val="phClr">
-                <a:lumMod val="105000"/>
-                <a:satMod val="103000"/>
-                <a:tint val="73000"/>
-              </a:schemeClr>
-            </a:gs>
-            <a:gs pos="100000">
-              <a:schemeClr val="phClr">
-                <a:lumMod val="105000"/>
-                <a:satMod val="109000"/>
-                <a:tint val="81000"/>
+                <a:tint val="90000"/>
               </a:schemeClr>
             </a:gs>
           </a:gsLst>
@@ -3163,23 +6267,14 @@
           <a:gsLst>
             <a:gs pos="0">
               <a:schemeClr val="phClr">
-                <a:satMod val="103000"/>
-                <a:lumMod val="102000"/>
-                <a:tint val="94000"/>
+                <a:tint val="96000"/>
+                <a:lumMod val="100000"/>
               </a:schemeClr>
             </a:gs>
-            <a:gs pos="50000">
+            <a:gs pos="78000">
               <a:schemeClr val="phClr">
-                <a:satMod val="110000"/>
-                <a:lumMod val="100000"/>
-                <a:shade val="100000"/>
-              </a:schemeClr>
-            </a:gs>
-            <a:gs pos="100000">
-              <a:schemeClr val="phClr">
-                <a:lumMod val="99000"/>
-                <a:satMod val="120000"/>
-                <a:shade val="78000"/>
+                <a:shade val="94000"/>
+                <a:lumMod val="94000"/>
               </a:schemeClr>
             </a:gs>
           </a:gsLst>
@@ -3187,26 +6282,23 @@
         </a:gradFill>
       </a:fillStyleLst>
       <a:lnStyleLst>
-        <a:ln w="6350" cap="flat" cmpd="sng" algn="ctr">
+        <a:ln w="12700" cap="rnd" cmpd="sng" algn="ctr">
           <a:solidFill>
             <a:schemeClr val="phClr"/>
           </a:solidFill>
           <a:prstDash val="solid"/>
-          <a:miter lim="800000"/>
         </a:ln>
-        <a:ln w="12700" cap="flat" cmpd="sng" algn="ctr">
+        <a:ln w="19050" cap="rnd" cmpd="sng" algn="ctr">
           <a:solidFill>
             <a:schemeClr val="phClr"/>
           </a:solidFill>
           <a:prstDash val="solid"/>
-          <a:miter lim="800000"/>
         </a:ln>
-        <a:ln w="19050" cap="flat" cmpd="sng" algn="ctr">
+        <a:ln w="25400" cap="rnd" cmpd="sng" algn="ctr">
           <a:solidFill>
             <a:schemeClr val="phClr"/>
           </a:solidFill>
           <a:prstDash val="solid"/>
-          <a:miter lim="800000"/>
         </a:ln>
       </a:lnStyleLst>
       <a:effectStyleLst>
@@ -3214,54 +6306,72 @@
           <a:effectLst/>
         </a:effectStyle>
         <a:effectStyle>
-          <a:effectLst/>
+          <a:effectLst>
+            <a:outerShdw blurRad="38100" dist="25400" dir="5400000" rotWithShape="0">
+              <a:srgbClr val="000000">
+                <a:alpha val="35000"/>
+              </a:srgbClr>
+            </a:outerShdw>
+          </a:effectLst>
         </a:effectStyle>
         <a:effectStyle>
           <a:effectLst>
-            <a:outerShdw blurRad="57150" dist="19050" dir="5400000" algn="ctr" rotWithShape="0">
+            <a:outerShdw blurRad="50800" dist="38100" dir="5400000" rotWithShape="0">
               <a:srgbClr val="000000">
-                <a:alpha val="63000"/>
+                <a:alpha val="35000"/>
               </a:srgbClr>
             </a:outerShdw>
           </a:effectLst>
+          <a:scene3d>
+            <a:camera prst="orthographicFront">
+              <a:rot lat="0" lon="0" rev="0"/>
+            </a:camera>
+            <a:lightRig rig="threePt" dir="tl"/>
+          </a:scene3d>
+          <a:sp3d prstMaterial="plastic">
+            <a:bevelT w="0" h="0"/>
+          </a:sp3d>
         </a:effectStyle>
       </a:effectStyleLst>
       <a:bgFillStyleLst>
         <a:solidFill>
           <a:schemeClr val="phClr"/>
         </a:solidFill>
-        <a:solidFill>
-          <a:schemeClr val="phClr">
-            <a:tint val="95000"/>
-            <a:satMod val="170000"/>
-          </a:schemeClr>
-        </a:solidFill>
         <a:gradFill rotWithShape="1">
           <a:gsLst>
             <a:gs pos="0">
               <a:schemeClr val="phClr">
-                <a:tint val="93000"/>
-                <a:satMod val="150000"/>
-                <a:shade val="98000"/>
-                <a:lumMod val="102000"/>
+                <a:tint val="90000"/>
+                <a:lumMod val="104000"/>
               </a:schemeClr>
             </a:gs>
-            <a:gs pos="50000">
+            <a:gs pos="94000">
               <a:schemeClr val="phClr">
-                <a:tint val="98000"/>
-                <a:satMod val="130000"/>
-                <a:shade val="90000"/>
-                <a:lumMod val="103000"/>
+                <a:shade val="96000"/>
+                <a:lumMod val="82000"/>
+              </a:schemeClr>
+            </a:gs>
+          </a:gsLst>
+          <a:lin ang="5400000" scaled="0"/>
+        </a:gradFill>
+        <a:gradFill rotWithShape="1">
+          <a:gsLst>
+            <a:gs pos="0">
+              <a:schemeClr val="phClr">
+                <a:tint val="90000"/>
+                <a:lumMod val="110000"/>
               </a:schemeClr>
             </a:gs>
             <a:gs pos="100000">
               <a:schemeClr val="phClr">
-                <a:shade val="63000"/>
-                <a:satMod val="120000"/>
+                <a:shade val="94000"/>
+                <a:lumMod val="96000"/>
               </a:schemeClr>
             </a:gs>
           </a:gsLst>
-          <a:lin ang="5400000" scaled="0"/>
+          <a:path path="circle">
+            <a:fillToRect l="50000" t="50000" r="100000" b="100000"/>
+          </a:path>
         </a:gradFill>
       </a:bgFillStyleLst>
     </a:fmtScheme>
@@ -3270,7 +6380,7 @@
   <a:extraClrSchemeLst/>
   <a:extLst>
     <a:ext uri="{05A4C25C-085E-4340-85A3-A5531E510DB2}">
-      <thm15:themeFamily xmlns:thm15="http://schemas.microsoft.com/office/thememl/2012/main" name="Office Theme" id="{62F939B6-93AF-4DB8-9C6B-D6C7DFDC589F}" vid="{4A3C46E8-61CC-4603-A589-7422A47A8E4A}"/>
+      <thm15:themeFamily xmlns:thm15="http://schemas.microsoft.com/office/thememl/2012/main" name="Facet" id="{C0C680CD-088A-49FC-A102-D699147F32B2}" vid="{0B5AB586-D108-4FC1-8368-649FE654B894}"/>
     </a:ext>
   </a:extLst>
 </a:theme>

--- a/Informes Y Presentaciones/Presentacion git.pptx
+++ b/Informes Y Presentaciones/Presentacion git.pptx
@@ -7,6 +7,8 @@
   <p:sldIdLst>
     <p:sldId id="256" r:id="rId2"/>
     <p:sldId id="257" r:id="rId3"/>
+    <p:sldId id="258" r:id="rId4"/>
+    <p:sldId id="259" r:id="rId5"/>
   </p:sldIdLst>
   <p:sldSz cx="12192000" cy="6858000"/>
   <p:notesSz cx="6858000" cy="9144000"/>
@@ -858,7 +860,7 @@
           <a:p>
             <a:fld id="{75C66135-EE68-4DD8-A0A4-5D7192798314}" type="datetimeFigureOut">
               <a:rPr lang="es-CO" smtClean="0"/>
-              <a:t>13/11/2017</a:t>
+              <a:t>17/11/2017</a:t>
             </a:fld>
             <a:endParaRPr lang="es-CO"/>
           </a:p>
@@ -1109,7 +1111,7 @@
           <a:p>
             <a:fld id="{75C66135-EE68-4DD8-A0A4-5D7192798314}" type="datetimeFigureOut">
               <a:rPr lang="es-CO" smtClean="0"/>
-              <a:t>13/11/2017</a:t>
+              <a:t>17/11/2017</a:t>
             </a:fld>
             <a:endParaRPr lang="es-CO"/>
           </a:p>
@@ -1423,7 +1425,7 @@
           <a:p>
             <a:fld id="{75C66135-EE68-4DD8-A0A4-5D7192798314}" type="datetimeFigureOut">
               <a:rPr lang="es-CO" smtClean="0"/>
-              <a:t>13/11/2017</a:t>
+              <a:t>17/11/2017</a:t>
             </a:fld>
             <a:endParaRPr lang="es-CO"/>
           </a:p>
@@ -1756,7 +1758,7 @@
           <a:p>
             <a:fld id="{75C66135-EE68-4DD8-A0A4-5D7192798314}" type="datetimeFigureOut">
               <a:rPr lang="es-CO" smtClean="0"/>
-              <a:t>13/11/2017</a:t>
+              <a:t>17/11/2017</a:t>
             </a:fld>
             <a:endParaRPr lang="es-CO"/>
           </a:p>
@@ -2070,7 +2072,7 @@
           <a:p>
             <a:fld id="{75C66135-EE68-4DD8-A0A4-5D7192798314}" type="datetimeFigureOut">
               <a:rPr lang="es-CO" smtClean="0"/>
-              <a:t>13/11/2017</a:t>
+              <a:t>17/11/2017</a:t>
             </a:fld>
             <a:endParaRPr lang="es-CO"/>
           </a:p>
@@ -2463,7 +2465,7 @@
           <a:p>
             <a:fld id="{75C66135-EE68-4DD8-A0A4-5D7192798314}" type="datetimeFigureOut">
               <a:rPr lang="es-CO" smtClean="0"/>
-              <a:t>13/11/2017</a:t>
+              <a:t>17/11/2017</a:t>
             </a:fld>
             <a:endParaRPr lang="es-CO"/>
           </a:p>
@@ -2633,7 +2635,7 @@
           <a:p>
             <a:fld id="{75C66135-EE68-4DD8-A0A4-5D7192798314}" type="datetimeFigureOut">
               <a:rPr lang="es-CO" smtClean="0"/>
-              <a:t>13/11/2017</a:t>
+              <a:t>17/11/2017</a:t>
             </a:fld>
             <a:endParaRPr lang="es-CO"/>
           </a:p>
@@ -2813,7 +2815,7 @@
           <a:p>
             <a:fld id="{75C66135-EE68-4DD8-A0A4-5D7192798314}" type="datetimeFigureOut">
               <a:rPr lang="es-CO" smtClean="0"/>
-              <a:t>13/11/2017</a:t>
+              <a:t>17/11/2017</a:t>
             </a:fld>
             <a:endParaRPr lang="es-CO"/>
           </a:p>
@@ -2983,7 +2985,7 @@
           <a:p>
             <a:fld id="{75C66135-EE68-4DD8-A0A4-5D7192798314}" type="datetimeFigureOut">
               <a:rPr lang="es-CO" smtClean="0"/>
-              <a:t>13/11/2017</a:t>
+              <a:t>17/11/2017</a:t>
             </a:fld>
             <a:endParaRPr lang="es-CO"/>
           </a:p>
@@ -3230,7 +3232,7 @@
           <a:p>
             <a:fld id="{75C66135-EE68-4DD8-A0A4-5D7192798314}" type="datetimeFigureOut">
               <a:rPr lang="es-CO" smtClean="0"/>
-              <a:t>13/11/2017</a:t>
+              <a:t>17/11/2017</a:t>
             </a:fld>
             <a:endParaRPr lang="es-CO"/>
           </a:p>
@@ -3462,7 +3464,7 @@
           <a:p>
             <a:fld id="{75C66135-EE68-4DD8-A0A4-5D7192798314}" type="datetimeFigureOut">
               <a:rPr lang="es-CO" smtClean="0"/>
-              <a:t>13/11/2017</a:t>
+              <a:t>17/11/2017</a:t>
             </a:fld>
             <a:endParaRPr lang="es-CO"/>
           </a:p>
@@ -3836,7 +3838,7 @@
           <a:p>
             <a:fld id="{75C66135-EE68-4DD8-A0A4-5D7192798314}" type="datetimeFigureOut">
               <a:rPr lang="es-CO" smtClean="0"/>
-              <a:t>13/11/2017</a:t>
+              <a:t>17/11/2017</a:t>
             </a:fld>
             <a:endParaRPr lang="es-CO"/>
           </a:p>
@@ -3959,7 +3961,7 @@
           <a:p>
             <a:fld id="{75C66135-EE68-4DD8-A0A4-5D7192798314}" type="datetimeFigureOut">
               <a:rPr lang="es-CO" smtClean="0"/>
-              <a:t>13/11/2017</a:t>
+              <a:t>17/11/2017</a:t>
             </a:fld>
             <a:endParaRPr lang="es-CO"/>
           </a:p>
@@ -4054,7 +4056,7 @@
           <a:p>
             <a:fld id="{75C66135-EE68-4DD8-A0A4-5D7192798314}" type="datetimeFigureOut">
               <a:rPr lang="es-CO" smtClean="0"/>
-              <a:t>13/11/2017</a:t>
+              <a:t>17/11/2017</a:t>
             </a:fld>
             <a:endParaRPr lang="es-CO"/>
           </a:p>
@@ -4309,7 +4311,7 @@
           <a:p>
             <a:fld id="{75C66135-EE68-4DD8-A0A4-5D7192798314}" type="datetimeFigureOut">
               <a:rPr lang="es-CO" smtClean="0"/>
-              <a:t>13/11/2017</a:t>
+              <a:t>17/11/2017</a:t>
             </a:fld>
             <a:endParaRPr lang="es-CO"/>
           </a:p>
@@ -4614,7 +4616,7 @@
           <a:p>
             <a:fld id="{75C66135-EE68-4DD8-A0A4-5D7192798314}" type="datetimeFigureOut">
               <a:rPr lang="es-CO" smtClean="0"/>
-              <a:t>13/11/2017</a:t>
+              <a:t>17/11/2017</a:t>
             </a:fld>
             <a:endParaRPr lang="es-CO"/>
           </a:p>
@@ -5316,7 +5318,7 @@
           <a:p>
             <a:fld id="{75C66135-EE68-4DD8-A0A4-5D7192798314}" type="datetimeFigureOut">
               <a:rPr lang="es-CO" smtClean="0"/>
-              <a:t>13/11/2017</a:t>
+              <a:t>17/11/2017</a:t>
             </a:fld>
             <a:endParaRPr lang="es-CO"/>
           </a:p>
@@ -6080,7 +6082,7 @@
         </p:nvSpPr>
         <p:spPr>
           <a:xfrm>
-            <a:off x="159697" y="429180"/>
+            <a:off x="220896" y="3121936"/>
             <a:ext cx="3243547" cy="369332"/>
           </a:xfrm>
           <a:prstGeom prst="rect">
@@ -6095,8 +6097,149 @@
           <a:lstStyle/>
           <a:p>
             <a:r>
+              <a:rPr lang="es-CO" dirty="0"/>
+              <a:t>Fundamentos de </a:t>
+            </a:r>
+            <a:r>
+              <a:rPr lang="es-CO" dirty="0" err="1"/>
+              <a:t>Git</a:t>
+            </a:r>
+            <a:endParaRPr lang="es-CO" dirty="0" smtClean="0"/>
+          </a:p>
+        </p:txBody>
+      </p:sp>
+      <p:sp>
+        <p:nvSpPr>
+          <p:cNvPr id="2" name="CuadroTexto 1"/>
+          <p:cNvSpPr txBox="1"/>
+          <p:nvPr/>
+        </p:nvSpPr>
+        <p:spPr>
+          <a:xfrm>
+            <a:off x="220896" y="3673796"/>
+            <a:ext cx="9241049" cy="1815882"/>
+          </a:xfrm>
+          <a:prstGeom prst="rect">
+            <a:avLst/>
+          </a:prstGeom>
+          <a:noFill/>
+        </p:spPr>
+        <p:txBody>
+          <a:bodyPr wrap="square" rtlCol="0">
+            <a:spAutoFit/>
+          </a:bodyPr>
+          <a:lstStyle/>
+          <a:p>
+            <a:pPr algn="just"/>
+            <a:r>
+              <a:rPr lang="es-CO" sz="1600" dirty="0"/>
+              <a:t>E</a:t>
+            </a:r>
+            <a:r>
+              <a:rPr lang="es-CO" sz="1600" dirty="0" smtClean="0"/>
+              <a:t>ntonces</a:t>
+            </a:r>
+            <a:r>
+              <a:rPr lang="es-CO" sz="1600" dirty="0"/>
+              <a:t>, ¿qué es </a:t>
+            </a:r>
+            <a:r>
+              <a:rPr lang="es-CO" sz="1600" dirty="0" err="1"/>
+              <a:t>Git</a:t>
+            </a:r>
+            <a:r>
+              <a:rPr lang="es-CO" sz="1600" dirty="0"/>
+              <a:t> en pocas palabras? Es muy importante asimilar esta sección, porque si entiendes lo que es </a:t>
+            </a:r>
+            <a:r>
+              <a:rPr lang="es-CO" sz="1600" dirty="0" err="1"/>
+              <a:t>Git</a:t>
+            </a:r>
+            <a:r>
+              <a:rPr lang="es-CO" sz="1600" dirty="0"/>
+              <a:t> y los fundamentos de cómo funciona, probablemente te sea mucho más fácil usar </a:t>
+            </a:r>
+            <a:r>
+              <a:rPr lang="es-CO" sz="1600" dirty="0" err="1"/>
+              <a:t>Git</a:t>
+            </a:r>
+            <a:r>
+              <a:rPr lang="es-CO" sz="1600" dirty="0"/>
+              <a:t> de manera eficaz. A medida que aprendas </a:t>
+            </a:r>
+            <a:r>
+              <a:rPr lang="es-CO" sz="1600" dirty="0" err="1"/>
+              <a:t>Git</a:t>
+            </a:r>
+            <a:r>
+              <a:rPr lang="es-CO" sz="1600" dirty="0"/>
+              <a:t>, intenta olvidar todo lo que puedas saber sobre otros </a:t>
+            </a:r>
+            <a:r>
+              <a:rPr lang="es-CO" sz="1600" dirty="0" err="1"/>
+              <a:t>VCSs</a:t>
+            </a:r>
+            <a:r>
+              <a:rPr lang="es-CO" sz="1600" dirty="0"/>
+              <a:t>, como </a:t>
+            </a:r>
+            <a:r>
+              <a:rPr lang="es-CO" sz="1600" dirty="0" err="1"/>
+              <a:t>Subversion</a:t>
+            </a:r>
+            <a:r>
+              <a:rPr lang="es-CO" sz="1600" dirty="0"/>
+              <a:t> y </a:t>
+            </a:r>
+            <a:r>
+              <a:rPr lang="es-CO" sz="1600" dirty="0" err="1"/>
+              <a:t>Perforce</a:t>
+            </a:r>
+            <a:r>
+              <a:rPr lang="es-CO" sz="1600" dirty="0"/>
+              <a:t>; hacerlo te ayudará a evitar confusiones sutiles a la hora de utilizar la herramienta. </a:t>
+            </a:r>
+            <a:r>
+              <a:rPr lang="es-CO" sz="1600" dirty="0" err="1"/>
+              <a:t>Git</a:t>
+            </a:r>
+            <a:r>
+              <a:rPr lang="es-CO" sz="1600" dirty="0"/>
+              <a:t> almacena y modela la información de forma muy diferente a esos otros sistemas, a pesar de que su interfaz sea bastante similar; comprender esas diferencias evitará que te confundas a la hora de </a:t>
+            </a:r>
+            <a:r>
+              <a:rPr lang="es-CO" sz="1600" dirty="0" smtClean="0"/>
+              <a:t>usarlo.</a:t>
+            </a:r>
+            <a:endParaRPr lang="es-CO" sz="1600" dirty="0"/>
+          </a:p>
+        </p:txBody>
+      </p:sp>
+      <p:sp>
+        <p:nvSpPr>
+          <p:cNvPr id="5" name="CuadroTexto 4"/>
+          <p:cNvSpPr txBox="1"/>
+          <p:nvPr/>
+        </p:nvSpPr>
+        <p:spPr>
+          <a:xfrm>
+            <a:off x="226435" y="258512"/>
+            <a:ext cx="3243547" cy="369332"/>
+          </a:xfrm>
+          <a:prstGeom prst="rect">
+            <a:avLst/>
+          </a:prstGeom>
+          <a:noFill/>
+        </p:spPr>
+        <p:txBody>
+          <a:bodyPr wrap="square" rtlCol="0" anchor="ctr">
+            <a:spAutoFit/>
+          </a:bodyPr>
+          <a:lstStyle/>
+          <a:p>
+            <a:r>
               <a:rPr lang="es-CO" dirty="0" smtClean="0"/>
-              <a:t>¿ Qué es </a:t>
+              <a:t>¿Qué es </a:t>
             </a:r>
             <a:r>
               <a:rPr lang="es-CO" dirty="0" err="1" smtClean="0"/>
@@ -6105,6 +6248,125 @@
             <a:r>
               <a:rPr lang="es-CO" dirty="0" smtClean="0"/>
               <a:t>?</a:t>
+            </a:r>
+            <a:endParaRPr lang="es-CO" dirty="0" smtClean="0"/>
+          </a:p>
+        </p:txBody>
+      </p:sp>
+      <p:sp>
+        <p:nvSpPr>
+          <p:cNvPr id="6" name="CuadroTexto 5"/>
+          <p:cNvSpPr txBox="1"/>
+          <p:nvPr/>
+        </p:nvSpPr>
+        <p:spPr>
+          <a:xfrm>
+            <a:off x="220895" y="810372"/>
+            <a:ext cx="9241049" cy="1815882"/>
+          </a:xfrm>
+          <a:prstGeom prst="rect">
+            <a:avLst/>
+          </a:prstGeom>
+          <a:noFill/>
+        </p:spPr>
+        <p:txBody>
+          <a:bodyPr wrap="square" rtlCol="0">
+            <a:spAutoFit/>
+          </a:bodyPr>
+          <a:lstStyle/>
+          <a:p>
+            <a:pPr algn="just"/>
+            <a:r>
+              <a:rPr lang="es-CO" sz="1600" dirty="0" err="1" smtClean="0"/>
+              <a:t>Git</a:t>
+            </a:r>
+            <a:r>
+              <a:rPr lang="es-CO" sz="1600" dirty="0" smtClean="0"/>
+              <a:t> es </a:t>
+            </a:r>
+            <a:r>
+              <a:rPr lang="es-CO" sz="1600" dirty="0"/>
+              <a:t>un software de control de versiones diseñado por </a:t>
+            </a:r>
+            <a:r>
+              <a:rPr lang="es-CO" sz="1600" dirty="0" err="1"/>
+              <a:t>Linus</a:t>
+            </a:r>
+            <a:r>
+              <a:rPr lang="es-CO" sz="1600" dirty="0"/>
+              <a:t> </a:t>
+            </a:r>
+            <a:r>
+              <a:rPr lang="es-CO" sz="1600" dirty="0" err="1"/>
+              <a:t>Torvalds</a:t>
+            </a:r>
+            <a:r>
+              <a:rPr lang="es-CO" sz="1600" dirty="0"/>
+              <a:t>, pensando en la eficiencia y la confiabilidad del mantenimiento de versiones de aplicaciones cuando éstas tienen un gran número de archivos de código fuente. Al principio, </a:t>
+            </a:r>
+            <a:r>
+              <a:rPr lang="es-CO" sz="1600" dirty="0" err="1"/>
+              <a:t>Git</a:t>
+            </a:r>
+            <a:r>
+              <a:rPr lang="es-CO" sz="1600" dirty="0"/>
+              <a:t> se pensó como un motor de bajo nivel sobre el cual otros pudieran escribir la interfaz de usuario o </a:t>
+            </a:r>
+            <a:r>
+              <a:rPr lang="es-CO" sz="1600" dirty="0" err="1"/>
+              <a:t>front</a:t>
+            </a:r>
+            <a:r>
+              <a:rPr lang="es-CO" sz="1600" dirty="0"/>
+              <a:t> </a:t>
+            </a:r>
+            <a:r>
+              <a:rPr lang="es-CO" sz="1600" dirty="0" err="1"/>
+              <a:t>end</a:t>
+            </a:r>
+            <a:r>
+              <a:rPr lang="es-CO" sz="1600" dirty="0"/>
+              <a:t> como Cogito o </a:t>
+            </a:r>
+            <a:r>
+              <a:rPr lang="es-CO" sz="1600" dirty="0" err="1"/>
+              <a:t>StGIT</a:t>
+            </a:r>
+            <a:r>
+              <a:rPr lang="es-CO" sz="1600" dirty="0"/>
+              <a:t>. </a:t>
+            </a:r>
+            <a:r>
+              <a:rPr lang="es-CO" sz="1600" dirty="0" smtClean="0"/>
+              <a:t> </a:t>
+            </a:r>
+            <a:r>
+              <a:rPr lang="es-CO" sz="1600" dirty="0"/>
+              <a:t>Sin embargo, </a:t>
+            </a:r>
+            <a:r>
+              <a:rPr lang="es-CO" sz="1600" dirty="0" err="1"/>
+              <a:t>Git</a:t>
+            </a:r>
+            <a:r>
+              <a:rPr lang="es-CO" sz="1600" dirty="0"/>
+              <a:t> se ha convertido desde entonces en un sistema de control de versiones con funcionalidad plena. </a:t>
+            </a:r>
+            <a:r>
+              <a:rPr lang="es-CO" sz="1600" dirty="0" smtClean="0"/>
+              <a:t>Hay </a:t>
+            </a:r>
+            <a:r>
+              <a:rPr lang="es-CO" sz="1600" dirty="0"/>
+              <a:t>algunos proyectos de mucha relevancia que ya usan </a:t>
+            </a:r>
+            <a:r>
+              <a:rPr lang="es-CO" sz="1600" dirty="0" err="1"/>
+              <a:t>Git</a:t>
+            </a:r>
+            <a:r>
+              <a:rPr lang="es-CO" sz="1600" dirty="0"/>
+              <a:t>, en particular, el grupo de programación del núcleo Linux.</a:t>
             </a:r>
           </a:p>
         </p:txBody>
@@ -6113,6 +6375,333 @@
     <p:extLst>
       <p:ext uri="{BB962C8B-B14F-4D97-AF65-F5344CB8AC3E}">
         <p14:creationId xmlns:p14="http://schemas.microsoft.com/office/powerpoint/2010/main" val="2734729550"/>
+      </p:ext>
+    </p:extLst>
+  </p:cSld>
+  <p:clrMapOvr>
+    <a:masterClrMapping/>
+  </p:clrMapOvr>
+  <p:timing>
+    <p:tnLst>
+      <p:par>
+        <p:cTn id="1" dur="indefinite" restart="never" nodeType="tmRoot"/>
+      </p:par>
+    </p:tnLst>
+  </p:timing>
+</p:sld>
+</file>
+
+<file path=ppt/slides/slide3.xml><?xml version="1.0" encoding="utf-8"?>
+<p:sld xmlns:a="http://schemas.openxmlformats.org/drawingml/2006/main" xmlns:r="http://schemas.openxmlformats.org/officeDocument/2006/relationships" xmlns:p="http://schemas.openxmlformats.org/presentationml/2006/main">
+  <p:cSld>
+    <p:spTree>
+      <p:nvGrpSpPr>
+        <p:cNvPr id="1" name=""/>
+        <p:cNvGrpSpPr/>
+        <p:nvPr/>
+      </p:nvGrpSpPr>
+      <p:grpSpPr>
+        <a:xfrm>
+          <a:off x="0" y="0"/>
+          <a:ext cx="0" cy="0"/>
+          <a:chOff x="0" y="0"/>
+          <a:chExt cx="0" cy="0"/>
+        </a:xfrm>
+      </p:grpSpPr>
+      <p:sp>
+        <p:nvSpPr>
+          <p:cNvPr id="4" name="CuadroTexto 3"/>
+          <p:cNvSpPr txBox="1"/>
+          <p:nvPr/>
+        </p:nvSpPr>
+        <p:spPr>
+          <a:xfrm>
+            <a:off x="159697" y="307851"/>
+            <a:ext cx="3243547" cy="369332"/>
+          </a:xfrm>
+          <a:prstGeom prst="rect">
+            <a:avLst/>
+          </a:prstGeom>
+          <a:noFill/>
+        </p:spPr>
+        <p:txBody>
+          <a:bodyPr wrap="square" rtlCol="0" anchor="ctr">
+            <a:spAutoFit/>
+          </a:bodyPr>
+          <a:lstStyle/>
+          <a:p>
+            <a:r>
+              <a:rPr lang="es-CO" dirty="0"/>
+              <a:t>Instantáneas, no diferencias</a:t>
+            </a:r>
+            <a:endParaRPr lang="es-CO" dirty="0" smtClean="0"/>
+          </a:p>
+        </p:txBody>
+      </p:sp>
+      <p:sp>
+        <p:nvSpPr>
+          <p:cNvPr id="5" name="CuadroTexto 4"/>
+          <p:cNvSpPr txBox="1"/>
+          <p:nvPr/>
+        </p:nvSpPr>
+        <p:spPr>
+          <a:xfrm>
+            <a:off x="122161" y="858642"/>
+            <a:ext cx="9241049" cy="1323439"/>
+          </a:xfrm>
+          <a:prstGeom prst="rect">
+            <a:avLst/>
+          </a:prstGeom>
+          <a:noFill/>
+        </p:spPr>
+        <p:txBody>
+          <a:bodyPr wrap="square" rtlCol="0">
+            <a:spAutoFit/>
+          </a:bodyPr>
+          <a:lstStyle/>
+          <a:p>
+            <a:pPr algn="just"/>
+            <a:r>
+              <a:rPr lang="es-CO" sz="1600" dirty="0"/>
+              <a:t>La principal diferencia entre </a:t>
+            </a:r>
+            <a:r>
+              <a:rPr lang="es-CO" sz="1600" dirty="0" err="1"/>
+              <a:t>Git</a:t>
+            </a:r>
+            <a:r>
+              <a:rPr lang="es-CO" sz="1600" dirty="0"/>
+              <a:t> y cualquier otro VCS (</a:t>
+            </a:r>
+            <a:r>
+              <a:rPr lang="es-CO" sz="1600" dirty="0" err="1"/>
+              <a:t>Subversion</a:t>
+            </a:r>
+            <a:r>
+              <a:rPr lang="es-CO" sz="1600" dirty="0"/>
+              <a:t> y compañía incluidos) es cómo </a:t>
+            </a:r>
+            <a:r>
+              <a:rPr lang="es-CO" sz="1600" dirty="0" err="1"/>
+              <a:t>Git</a:t>
+            </a:r>
+            <a:r>
+              <a:rPr lang="es-CO" sz="1600" dirty="0"/>
+              <a:t> modela sus datos. Conceptualmente, la mayoría de los demás sistemas almacenan la información como una lista de cambios en los archivos. Estos sistemas (CVS, </a:t>
+            </a:r>
+            <a:r>
+              <a:rPr lang="es-CO" sz="1600" dirty="0" err="1"/>
+              <a:t>Subversion</a:t>
+            </a:r>
+            <a:r>
+              <a:rPr lang="es-CO" sz="1600" dirty="0"/>
+              <a:t>, </a:t>
+            </a:r>
+            <a:r>
+              <a:rPr lang="es-CO" sz="1600" dirty="0" err="1"/>
+              <a:t>Perforce</a:t>
+            </a:r>
+            <a:r>
+              <a:rPr lang="es-CO" sz="1600" dirty="0"/>
+              <a:t>, </a:t>
+            </a:r>
+            <a:r>
+              <a:rPr lang="es-CO" sz="1600" dirty="0" err="1"/>
+              <a:t>Bazaar</a:t>
+            </a:r>
+            <a:r>
+              <a:rPr lang="es-CO" sz="1600" dirty="0"/>
+              <a:t>, etc.) modelan la información que almacenan como un conjunto de archivos y las modificaciones hechas sobre cada uno de ellos a lo largo del tiempo, como ilustra la Figura </a:t>
+            </a:r>
+            <a:r>
+              <a:rPr lang="es-CO" sz="1600" dirty="0" smtClean="0"/>
+              <a:t>.</a:t>
+            </a:r>
+            <a:endParaRPr lang="es-CO" sz="1600" dirty="0"/>
+          </a:p>
+        </p:txBody>
+      </p:sp>
+      <p:pic>
+        <p:nvPicPr>
+          <p:cNvPr id="1026" name="Picture 2" descr="https://git-scm.com/figures/18333fig0104-tn.png"/>
+          <p:cNvPicPr>
+            <a:picLocks noChangeAspect="1" noChangeArrowheads="1"/>
+          </p:cNvPicPr>
+          <p:nvPr/>
+        </p:nvPicPr>
+        <p:blipFill>
+          <a:blip r:embed="rId2">
+            <a:extLst>
+              <a:ext uri="{28A0092B-C50C-407E-A947-70E740481C1C}">
+                <a14:useLocalDpi xmlns:a14="http://schemas.microsoft.com/office/drawing/2010/main" val="0"/>
+              </a:ext>
+            </a:extLst>
+          </a:blip>
+          <a:srcRect/>
+          <a:stretch>
+            <a:fillRect/>
+          </a:stretch>
+        </p:blipFill>
+        <p:spPr bwMode="auto">
+          <a:xfrm>
+            <a:off x="1628473" y="2363857"/>
+            <a:ext cx="6887733" cy="3071929"/>
+          </a:xfrm>
+          <a:prstGeom prst="rect">
+            <a:avLst/>
+          </a:prstGeom>
+          <a:noFill/>
+          <a:extLst>
+            <a:ext uri="{909E8E84-426E-40DD-AFC4-6F175D3DCCD1}">
+              <a14:hiddenFill xmlns:a14="http://schemas.microsoft.com/office/drawing/2010/main">
+                <a:solidFill>
+                  <a:srgbClr val="FFFFFF"/>
+                </a:solidFill>
+              </a14:hiddenFill>
+            </a:ext>
+          </a:extLst>
+        </p:spPr>
+      </p:pic>
+    </p:spTree>
+    <p:extLst>
+      <p:ext uri="{BB962C8B-B14F-4D97-AF65-F5344CB8AC3E}">
+        <p14:creationId xmlns:p14="http://schemas.microsoft.com/office/powerpoint/2010/main" val="4013040114"/>
+      </p:ext>
+    </p:extLst>
+  </p:cSld>
+  <p:clrMapOvr>
+    <a:masterClrMapping/>
+  </p:clrMapOvr>
+  <p:timing>
+    <p:tnLst>
+      <p:par>
+        <p:cTn id="1" dur="indefinite" restart="never" nodeType="tmRoot"/>
+      </p:par>
+    </p:tnLst>
+  </p:timing>
+</p:sld>
+</file>
+
+<file path=ppt/slides/slide4.xml><?xml version="1.0" encoding="utf-8"?>
+<p:sld xmlns:a="http://schemas.openxmlformats.org/drawingml/2006/main" xmlns:r="http://schemas.openxmlformats.org/officeDocument/2006/relationships" xmlns:p="http://schemas.openxmlformats.org/presentationml/2006/main">
+  <p:cSld>
+    <p:spTree>
+      <p:nvGrpSpPr>
+        <p:cNvPr id="1" name=""/>
+        <p:cNvGrpSpPr/>
+        <p:nvPr/>
+      </p:nvGrpSpPr>
+      <p:grpSpPr>
+        <a:xfrm>
+          <a:off x="0" y="0"/>
+          <a:ext cx="0" cy="0"/>
+          <a:chOff x="0" y="0"/>
+          <a:chExt cx="0" cy="0"/>
+        </a:xfrm>
+      </p:grpSpPr>
+      <p:sp>
+        <p:nvSpPr>
+          <p:cNvPr id="5" name="CuadroTexto 4"/>
+          <p:cNvSpPr txBox="1"/>
+          <p:nvPr/>
+        </p:nvSpPr>
+        <p:spPr>
+          <a:xfrm>
+            <a:off x="159697" y="552647"/>
+            <a:ext cx="9241049" cy="1569660"/>
+          </a:xfrm>
+          <a:prstGeom prst="rect">
+            <a:avLst/>
+          </a:prstGeom>
+          <a:noFill/>
+        </p:spPr>
+        <p:txBody>
+          <a:bodyPr wrap="square" rtlCol="0">
+            <a:spAutoFit/>
+          </a:bodyPr>
+          <a:lstStyle/>
+          <a:p>
+            <a:pPr algn="just"/>
+            <a:r>
+              <a:rPr lang="es-CO" sz="1600" dirty="0" err="1"/>
+              <a:t>Git</a:t>
+            </a:r>
+            <a:r>
+              <a:rPr lang="es-CO" sz="1600" dirty="0"/>
+              <a:t> no modela ni almacena sus datos de este modo. En cambio, </a:t>
+            </a:r>
+            <a:r>
+              <a:rPr lang="es-CO" sz="1600" dirty="0" err="1"/>
+              <a:t>Git</a:t>
+            </a:r>
+            <a:r>
+              <a:rPr lang="es-CO" sz="1600" dirty="0"/>
+              <a:t> modela sus datos más como un conjunto de instantáneas de un mini sistema de archivos. Cada vez que confirmas un cambio, o guardas el estado de tu proyecto en </a:t>
+            </a:r>
+            <a:r>
+              <a:rPr lang="es-CO" sz="1600" dirty="0" err="1"/>
+              <a:t>Git</a:t>
+            </a:r>
+            <a:r>
+              <a:rPr lang="es-CO" sz="1600" dirty="0"/>
+              <a:t>, él básicamente hace una foto del aspecto de todos tus archivos en ese momento, y guarda una referencia a esa instantánea. Para ser eficiente, si los archivos no se han modificado, </a:t>
+            </a:r>
+            <a:r>
+              <a:rPr lang="es-CO" sz="1600" dirty="0" err="1"/>
+              <a:t>Git</a:t>
+            </a:r>
+            <a:r>
+              <a:rPr lang="es-CO" sz="1600" dirty="0"/>
+              <a:t> no almacena el archivo de nuevo, sólo un enlace al archivo anterior idéntico que ya tiene </a:t>
+            </a:r>
+          </a:p>
+        </p:txBody>
+      </p:sp>
+      <p:pic>
+        <p:nvPicPr>
+          <p:cNvPr id="2050" name="Picture 2" descr="https://git-scm.com/figures/18333fig0105-tn.png"/>
+          <p:cNvPicPr>
+            <a:picLocks noChangeAspect="1" noChangeArrowheads="1"/>
+          </p:cNvPicPr>
+          <p:nvPr/>
+        </p:nvPicPr>
+        <p:blipFill>
+          <a:blip r:embed="rId2">
+            <a:extLst>
+              <a:ext uri="{28A0092B-C50C-407E-A947-70E740481C1C}">
+                <a14:useLocalDpi xmlns:a14="http://schemas.microsoft.com/office/drawing/2010/main" val="0"/>
+              </a:ext>
+            </a:extLst>
+          </a:blip>
+          <a:srcRect/>
+          <a:stretch>
+            <a:fillRect/>
+          </a:stretch>
+        </p:blipFill>
+        <p:spPr bwMode="auto">
+          <a:xfrm>
+            <a:off x="1531298" y="2327418"/>
+            <a:ext cx="6497846" cy="2885044"/>
+          </a:xfrm>
+          <a:prstGeom prst="rect">
+            <a:avLst/>
+          </a:prstGeom>
+          <a:noFill/>
+          <a:extLst>
+            <a:ext uri="{909E8E84-426E-40DD-AFC4-6F175D3DCCD1}">
+              <a14:hiddenFill xmlns:a14="http://schemas.microsoft.com/office/drawing/2010/main">
+                <a:solidFill>
+                  <a:srgbClr val="FFFFFF"/>
+                </a:solidFill>
+              </a14:hiddenFill>
+            </a:ext>
+          </a:extLst>
+        </p:spPr>
+      </p:pic>
+    </p:spTree>
+    <p:extLst>
+      <p:ext uri="{BB962C8B-B14F-4D97-AF65-F5344CB8AC3E}">
+        <p14:creationId xmlns:p14="http://schemas.microsoft.com/office/powerpoint/2010/main" val="675482478"/>
       </p:ext>
     </p:extLst>
   </p:cSld>

--- a/Informes Y Presentaciones/Presentacion git.pptx
+++ b/Informes Y Presentaciones/Presentacion git.pptx
@@ -9,6 +9,7 @@
     <p:sldId id="257" r:id="rId3"/>
     <p:sldId id="258" r:id="rId4"/>
     <p:sldId id="259" r:id="rId5"/>
+    <p:sldId id="260" r:id="rId6"/>
   </p:sldIdLst>
   <p:sldSz cx="12192000" cy="6858000"/>
   <p:notesSz cx="6858000" cy="9144000"/>
@@ -6249,7 +6250,6 @@
               <a:rPr lang="es-CO" dirty="0" smtClean="0"/>
               <a:t>?</a:t>
             </a:r>
-            <a:endParaRPr lang="es-CO" dirty="0" smtClean="0"/>
           </a:p>
         </p:txBody>
       </p:sp>
@@ -6715,6 +6715,119 @@
       </p:par>
     </p:tnLst>
   </p:timing>
+</p:sld>
+</file>
+
+<file path=ppt/slides/slide5.xml><?xml version="1.0" encoding="utf-8"?>
+<p:sld xmlns:a="http://schemas.openxmlformats.org/drawingml/2006/main" xmlns:r="http://schemas.openxmlformats.org/officeDocument/2006/relationships" xmlns:p="http://schemas.openxmlformats.org/presentationml/2006/main">
+  <p:cSld>
+    <p:spTree>
+      <p:nvGrpSpPr>
+        <p:cNvPr id="1" name=""/>
+        <p:cNvGrpSpPr/>
+        <p:nvPr/>
+      </p:nvGrpSpPr>
+      <p:grpSpPr>
+        <a:xfrm>
+          <a:off x="0" y="0"/>
+          <a:ext cx="0" cy="0"/>
+          <a:chOff x="0" y="0"/>
+          <a:chExt cx="0" cy="0"/>
+        </a:xfrm>
+      </p:grpSpPr>
+      <p:sp>
+        <p:nvSpPr>
+          <p:cNvPr id="4" name="CuadroTexto 3"/>
+          <p:cNvSpPr txBox="1"/>
+          <p:nvPr/>
+        </p:nvSpPr>
+        <p:spPr>
+          <a:xfrm>
+            <a:off x="226435" y="258512"/>
+            <a:ext cx="3605202" cy="369332"/>
+          </a:xfrm>
+          <a:prstGeom prst="rect">
+            <a:avLst/>
+          </a:prstGeom>
+          <a:noFill/>
+        </p:spPr>
+        <p:txBody>
+          <a:bodyPr wrap="square" rtlCol="0" anchor="ctr">
+            <a:spAutoFit/>
+          </a:bodyPr>
+          <a:lstStyle/>
+          <a:p>
+            <a:r>
+              <a:rPr lang="es-CO"/>
+              <a:t>Casi cualquier operación es local</a:t>
+            </a:r>
+            <a:endParaRPr lang="es-CO" dirty="0" smtClean="0"/>
+          </a:p>
+        </p:txBody>
+      </p:sp>
+      <p:sp>
+        <p:nvSpPr>
+          <p:cNvPr id="5" name="CuadroTexto 4"/>
+          <p:cNvSpPr txBox="1"/>
+          <p:nvPr/>
+        </p:nvSpPr>
+        <p:spPr>
+          <a:xfrm>
+            <a:off x="226435" y="736244"/>
+            <a:ext cx="9241049" cy="5509200"/>
+          </a:xfrm>
+          <a:prstGeom prst="rect">
+            <a:avLst/>
+          </a:prstGeom>
+          <a:noFill/>
+        </p:spPr>
+        <p:txBody>
+          <a:bodyPr wrap="square" rtlCol="0">
+            <a:spAutoFit/>
+          </a:bodyPr>
+          <a:lstStyle/>
+          <a:p>
+            <a:pPr algn="just"/>
+            <a:r>
+              <a:rPr lang="es-CO" sz="1600"/>
+              <a:t>La mayoría de las operaciones en Git sólo necesitan archivos y recursos locales para operar. Por lo general no se necesita información de ningún otro ordenador de tu red. Si estás acostumbrado a un CVCS donde la mayoría de las operaciones tienen esa sobrecarga del retardo de la red, este aspecto de Git te va a hacer pensar que los dioses de la velocidad han bendecido Git con poderes sobrenaturales. Como tienes toda la historia del proyecto ahí mismo, en tu disco local, la mayoría de las operaciones parecen prácticamente inmediatas.</a:t>
+            </a:r>
+          </a:p>
+          <a:p>
+            <a:pPr algn="just"/>
+            <a:endParaRPr lang="es-CO" sz="1600"/>
+          </a:p>
+          <a:p>
+            <a:pPr algn="just"/>
+            <a:r>
+              <a:rPr lang="es-CO" sz="1600"/>
+              <a:t>Por ejemplo, para navegar por la historia del proyecto, Git no necesita salir al servidor para obtener la historia y mostrártela, simplemente la lee directamente de tu base de datos local. Esto significa que ves la historia del proyecto casi al instante. Si quieres ver los cambios introducidos en un archivo entre la versión actual y la de hace un mes, Git puede buscar el archivo hace un mes y hacer un cálculo de diferencias localmente, en lugar de tener que pedirle a un servidor remoto que lo haga, u obtener una versión antigua desde la red y hacerlo de manera local.</a:t>
+            </a:r>
+          </a:p>
+          <a:p>
+            <a:pPr algn="just"/>
+            <a:endParaRPr lang="es-CO" sz="1600"/>
+          </a:p>
+          <a:p>
+            <a:pPr algn="just"/>
+            <a:r>
+              <a:rPr lang="es-CO" sz="1600"/>
+              <a:t>Esto también significa que hay muy poco que no puedas hacer si estás desconectado o sin VPN. Si te subes a un avión o a un tren y quieres trabajar un poco, puedes confirmar tus cambios felizmente hasta que consigas una conexión de red para subirlos. Si te vas a casa y no consigues que tu cliente VPN funcione correctamente, puedes seguir trabajando. En muchos otros sistemas, esto es imposible o muy doloroso. En Perforce, por ejemplo, no puedes hacer mucho cuando no estás conectado al servidor; y en Subversion y CVS, puedes editar archivos, pero no puedes confirmar los cambios a tu base de datos (porque tu base de datos no tiene conexión). Esto puede no parecer gran cosa, pero te sorprendería la diferencia que puede suponer.</a:t>
+            </a:r>
+            <a:endParaRPr lang="es-CO" sz="1600" dirty="0"/>
+          </a:p>
+        </p:txBody>
+      </p:sp>
+    </p:spTree>
+    <p:extLst>
+      <p:ext uri="{BB962C8B-B14F-4D97-AF65-F5344CB8AC3E}">
+        <p14:creationId xmlns:p14="http://schemas.microsoft.com/office/powerpoint/2010/main" val="2620795547"/>
+      </p:ext>
+    </p:extLst>
+  </p:cSld>
+  <p:clrMapOvr>
+    <a:masterClrMapping/>
+  </p:clrMapOvr>
 </p:sld>
 </file>
 

--- a/Informes Y Presentaciones/Presentacion git.pptx
+++ b/Informes Y Presentaciones/Presentacion git.pptx
@@ -10,6 +10,7 @@
     <p:sldId id="258" r:id="rId4"/>
     <p:sldId id="259" r:id="rId5"/>
     <p:sldId id="260" r:id="rId6"/>
+    <p:sldId id="261" r:id="rId7"/>
   </p:sldIdLst>
   <p:sldSz cx="12192000" cy="6858000"/>
   <p:notesSz cx="6858000" cy="9144000"/>
@@ -6828,6 +6829,359 @@
   <p:clrMapOvr>
     <a:masterClrMapping/>
   </p:clrMapOvr>
+  <p:timing>
+    <p:tnLst>
+      <p:par>
+        <p:cTn id="1" dur="indefinite" restart="never" nodeType="tmRoot"/>
+      </p:par>
+    </p:tnLst>
+  </p:timing>
+</p:sld>
+</file>
+
+<file path=ppt/slides/slide6.xml><?xml version="1.0" encoding="utf-8"?>
+<p:sld xmlns:a="http://schemas.openxmlformats.org/drawingml/2006/main" xmlns:r="http://schemas.openxmlformats.org/officeDocument/2006/relationships" xmlns:p="http://schemas.openxmlformats.org/presentationml/2006/main">
+  <p:cSld>
+    <p:spTree>
+      <p:nvGrpSpPr>
+        <p:cNvPr id="1" name=""/>
+        <p:cNvGrpSpPr/>
+        <p:nvPr/>
+      </p:nvGrpSpPr>
+      <p:grpSpPr>
+        <a:xfrm>
+          <a:off x="0" y="0"/>
+          <a:ext cx="0" cy="0"/>
+          <a:chOff x="0" y="0"/>
+          <a:chExt cx="0" cy="0"/>
+        </a:xfrm>
+      </p:grpSpPr>
+      <p:sp>
+        <p:nvSpPr>
+          <p:cNvPr id="4" name="CuadroTexto 3"/>
+          <p:cNvSpPr txBox="1"/>
+          <p:nvPr/>
+        </p:nvSpPr>
+        <p:spPr>
+          <a:xfrm>
+            <a:off x="98498" y="307851"/>
+            <a:ext cx="3549542" cy="369332"/>
+          </a:xfrm>
+          <a:prstGeom prst="rect">
+            <a:avLst/>
+          </a:prstGeom>
+          <a:noFill/>
+        </p:spPr>
+        <p:txBody>
+          <a:bodyPr wrap="square" rtlCol="0">
+            <a:spAutoFit/>
+          </a:bodyPr>
+          <a:lstStyle/>
+          <a:p>
+            <a:r>
+              <a:rPr lang="es-CO" dirty="0" smtClean="0"/>
+              <a:t>REPORTE DE CONTRIBUYENTES</a:t>
+            </a:r>
+            <a:endParaRPr lang="es-CO" dirty="0"/>
+          </a:p>
+        </p:txBody>
+      </p:sp>
+      <p:sp>
+        <p:nvSpPr>
+          <p:cNvPr id="5" name="CuadroTexto 4"/>
+          <p:cNvSpPr txBox="1"/>
+          <p:nvPr/>
+        </p:nvSpPr>
+        <p:spPr>
+          <a:xfrm>
+            <a:off x="220896" y="684665"/>
+            <a:ext cx="3121149" cy="1477328"/>
+          </a:xfrm>
+          <a:prstGeom prst="rect">
+            <a:avLst/>
+          </a:prstGeom>
+          <a:noFill/>
+        </p:spPr>
+        <p:txBody>
+          <a:bodyPr wrap="square" rtlCol="0">
+            <a:spAutoFit/>
+          </a:bodyPr>
+          <a:lstStyle/>
+          <a:p>
+            <a:pPr marL="285750" indent="-285750">
+              <a:buFont typeface="Arial" panose="020B0604020202020204" pitchFamily="34" charset="0"/>
+              <a:buChar char="•"/>
+            </a:pPr>
+            <a:r>
+              <a:rPr lang="es-CO" dirty="0" smtClean="0"/>
+              <a:t>Joseph Pizza</a:t>
+            </a:r>
+          </a:p>
+          <a:p>
+            <a:pPr marL="285750" indent="-285750">
+              <a:buFont typeface="Arial" panose="020B0604020202020204" pitchFamily="34" charset="0"/>
+              <a:buChar char="•"/>
+            </a:pPr>
+            <a:r>
+              <a:rPr lang="es-CO" dirty="0" smtClean="0"/>
+              <a:t>Jhon Sebastian Montoya</a:t>
+            </a:r>
+          </a:p>
+          <a:p>
+            <a:pPr marL="285750" indent="-285750">
+              <a:buFont typeface="Arial" panose="020B0604020202020204" pitchFamily="34" charset="0"/>
+              <a:buChar char="•"/>
+            </a:pPr>
+            <a:r>
+              <a:rPr lang="es-CO" dirty="0" smtClean="0"/>
+              <a:t>Oscar </a:t>
+            </a:r>
+            <a:r>
+              <a:rPr lang="es-CO" dirty="0" err="1" smtClean="0"/>
+              <a:t>Farid</a:t>
+            </a:r>
+            <a:r>
+              <a:rPr lang="es-CO" dirty="0" smtClean="0"/>
+              <a:t> Roa</a:t>
+            </a:r>
+          </a:p>
+          <a:p>
+            <a:pPr marL="285750" indent="-285750">
+              <a:buFont typeface="Arial" panose="020B0604020202020204" pitchFamily="34" charset="0"/>
+              <a:buChar char="•"/>
+            </a:pPr>
+            <a:r>
+              <a:rPr lang="es-CO" dirty="0" err="1" smtClean="0"/>
+              <a:t>Farid</a:t>
+            </a:r>
+            <a:endParaRPr lang="es-CO" dirty="0" smtClean="0"/>
+          </a:p>
+          <a:p>
+            <a:pPr marL="285750" indent="-285750">
+              <a:buFont typeface="Arial" panose="020B0604020202020204" pitchFamily="34" charset="0"/>
+              <a:buChar char="•"/>
+            </a:pPr>
+            <a:r>
+              <a:rPr lang="es-CO" dirty="0" smtClean="0"/>
+              <a:t>Juan Miguel Mayor Díaz</a:t>
+            </a:r>
+            <a:endParaRPr lang="es-CO" dirty="0"/>
+          </a:p>
+        </p:txBody>
+      </p:sp>
+      <p:sp>
+        <p:nvSpPr>
+          <p:cNvPr id="6" name="CuadroTexto 5"/>
+          <p:cNvSpPr txBox="1"/>
+          <p:nvPr/>
+        </p:nvSpPr>
+        <p:spPr>
+          <a:xfrm>
+            <a:off x="3342045" y="684665"/>
+            <a:ext cx="4528726" cy="646331"/>
+          </a:xfrm>
+          <a:prstGeom prst="rect">
+            <a:avLst/>
+          </a:prstGeom>
+          <a:noFill/>
+        </p:spPr>
+        <p:txBody>
+          <a:bodyPr wrap="square" rtlCol="0">
+            <a:spAutoFit/>
+          </a:bodyPr>
+          <a:lstStyle/>
+          <a:p>
+            <a:pPr marL="285750" indent="-285750">
+              <a:buFont typeface="Arial" panose="020B0604020202020204" pitchFamily="34" charset="0"/>
+              <a:buChar char="•"/>
+            </a:pPr>
+            <a:r>
+              <a:rPr lang="es-CO" dirty="0" err="1" smtClean="0"/>
+              <a:t>Duracion</a:t>
+            </a:r>
+            <a:r>
+              <a:rPr lang="es-CO" dirty="0" smtClean="0"/>
+              <a:t> del proyecto: 2 Meses</a:t>
+            </a:r>
+          </a:p>
+          <a:p>
+            <a:pPr marL="285750" indent="-285750">
+              <a:buFont typeface="Arial" panose="020B0604020202020204" pitchFamily="34" charset="0"/>
+              <a:buChar char="•"/>
+            </a:pPr>
+            <a:r>
+              <a:rPr lang="es-CO" dirty="0" err="1" smtClean="0"/>
+              <a:t>Commints</a:t>
+            </a:r>
+            <a:r>
+              <a:rPr lang="es-CO" dirty="0" smtClean="0"/>
+              <a:t> totales: 35 </a:t>
+            </a:r>
+            <a:endParaRPr lang="es-CO" dirty="0"/>
+          </a:p>
+        </p:txBody>
+      </p:sp>
+      <p:pic>
+        <p:nvPicPr>
+          <p:cNvPr id="7" name="Imagen 6"/>
+          <p:cNvPicPr>
+            <a:picLocks noChangeAspect="1"/>
+          </p:cNvPicPr>
+          <p:nvPr/>
+        </p:nvPicPr>
+        <p:blipFill>
+          <a:blip r:embed="rId2"/>
+          <a:stretch>
+            <a:fillRect/>
+          </a:stretch>
+        </p:blipFill>
+        <p:spPr>
+          <a:xfrm>
+            <a:off x="465692" y="2408828"/>
+            <a:ext cx="6219825" cy="1495425"/>
+          </a:xfrm>
+          <a:prstGeom prst="rect">
+            <a:avLst/>
+          </a:prstGeom>
+        </p:spPr>
+      </p:pic>
+      <p:pic>
+        <p:nvPicPr>
+          <p:cNvPr id="8" name="Imagen 7"/>
+          <p:cNvPicPr>
+            <a:picLocks noChangeAspect="1"/>
+          </p:cNvPicPr>
+          <p:nvPr/>
+        </p:nvPicPr>
+        <p:blipFill>
+          <a:blip r:embed="rId3"/>
+          <a:stretch>
+            <a:fillRect/>
+          </a:stretch>
+        </p:blipFill>
+        <p:spPr>
+          <a:xfrm>
+            <a:off x="465692" y="4151088"/>
+            <a:ext cx="3019425" cy="1581150"/>
+          </a:xfrm>
+          <a:prstGeom prst="rect">
+            <a:avLst/>
+          </a:prstGeom>
+        </p:spPr>
+      </p:pic>
+      <p:pic>
+        <p:nvPicPr>
+          <p:cNvPr id="9" name="Imagen 8"/>
+          <p:cNvPicPr>
+            <a:picLocks noChangeAspect="1"/>
+          </p:cNvPicPr>
+          <p:nvPr/>
+        </p:nvPicPr>
+        <p:blipFill>
+          <a:blip r:embed="rId4"/>
+          <a:stretch>
+            <a:fillRect/>
+          </a:stretch>
+        </p:blipFill>
+        <p:spPr>
+          <a:xfrm>
+            <a:off x="3677993" y="4151088"/>
+            <a:ext cx="3057525" cy="1647825"/>
+          </a:xfrm>
+          <a:prstGeom prst="rect">
+            <a:avLst/>
+          </a:prstGeom>
+        </p:spPr>
+      </p:pic>
+      <p:pic>
+        <p:nvPicPr>
+          <p:cNvPr id="10" name="Imagen 9"/>
+          <p:cNvPicPr>
+            <a:picLocks noChangeAspect="1"/>
+          </p:cNvPicPr>
+          <p:nvPr/>
+        </p:nvPicPr>
+        <p:blipFill>
+          <a:blip r:embed="rId5"/>
+          <a:stretch>
+            <a:fillRect/>
+          </a:stretch>
+        </p:blipFill>
+        <p:spPr>
+          <a:xfrm>
+            <a:off x="6976598" y="4112988"/>
+            <a:ext cx="3028950" cy="1619250"/>
+          </a:xfrm>
+          <a:prstGeom prst="rect">
+            <a:avLst/>
+          </a:prstGeom>
+        </p:spPr>
+      </p:pic>
+      <p:pic>
+        <p:nvPicPr>
+          <p:cNvPr id="11" name="Imagen 10"/>
+          <p:cNvPicPr>
+            <a:picLocks noChangeAspect="1"/>
+          </p:cNvPicPr>
+          <p:nvPr/>
+        </p:nvPicPr>
+        <p:blipFill>
+          <a:blip r:embed="rId6"/>
+          <a:stretch>
+            <a:fillRect/>
+          </a:stretch>
+        </p:blipFill>
+        <p:spPr>
+          <a:xfrm>
+            <a:off x="6967073" y="2265839"/>
+            <a:ext cx="3048000" cy="1581150"/>
+          </a:xfrm>
+          <a:prstGeom prst="rect">
+            <a:avLst/>
+          </a:prstGeom>
+        </p:spPr>
+      </p:pic>
+      <p:pic>
+        <p:nvPicPr>
+          <p:cNvPr id="12" name="Imagen 11"/>
+          <p:cNvPicPr>
+            <a:picLocks noChangeAspect="1"/>
+          </p:cNvPicPr>
+          <p:nvPr/>
+        </p:nvPicPr>
+        <p:blipFill>
+          <a:blip r:embed="rId7"/>
+          <a:stretch>
+            <a:fillRect/>
+          </a:stretch>
+        </p:blipFill>
+        <p:spPr>
+          <a:xfrm>
+            <a:off x="7000411" y="580843"/>
+            <a:ext cx="2981325" cy="1581150"/>
+          </a:xfrm>
+          <a:prstGeom prst="rect">
+            <a:avLst/>
+          </a:prstGeom>
+        </p:spPr>
+      </p:pic>
+    </p:spTree>
+    <p:extLst>
+      <p:ext uri="{BB962C8B-B14F-4D97-AF65-F5344CB8AC3E}">
+        <p14:creationId xmlns:p14="http://schemas.microsoft.com/office/powerpoint/2010/main" val="1736102812"/>
+      </p:ext>
+    </p:extLst>
+  </p:cSld>
+  <p:clrMapOvr>
+    <a:masterClrMapping/>
+  </p:clrMapOvr>
+  <p:timing>
+    <p:tnLst>
+      <p:par>
+        <p:cTn id="1" dur="indefinite" restart="never" nodeType="tmRoot"/>
+      </p:par>
+    </p:tnLst>
+  </p:timing>
 </p:sld>
 </file>
 

--- a/Informes Y Presentaciones/Presentacion git.pptx
+++ b/Informes Y Presentaciones/Presentacion git.pptx
@@ -115,6 +115,10 @@
     </p:ext>
   </p:extLst>
 </p:presentation>
+</file>
+
+<file path=ppt/revisionInfo.xml><?xml version="1.0" encoding="utf-8"?>
+<p1510:revInfo xmlns:a="http://schemas.openxmlformats.org/drawingml/2006/main" xmlns:r="http://schemas.openxmlformats.org/officeDocument/2006/relationships" xmlns:p1510="http://schemas.microsoft.com/office/powerpoint/2015/10/main"/>
 </file>
 
 <file path=ppt/slideLayouts/slideLayout1.xml><?xml version="1.0" encoding="utf-8"?>
@@ -718,7 +722,7 @@
           </a:lstStyle>
           <a:p>
             <a:r>
-              <a:rPr lang="es-ES" smtClean="0"/>
+              <a:rPr lang="es-ES"/>
               <a:t>Haga clic para modificar el estilo de título del patrón</a:t>
             </a:r>
             <a:endParaRPr lang="en-US" dirty="0"/>
@@ -838,7 +842,7 @@
           </a:lstStyle>
           <a:p>
             <a:r>
-              <a:rPr lang="es-ES" smtClean="0"/>
+              <a:rPr lang="es-ES"/>
               <a:t>Haga clic para modificar el estilo de subtítulo del patrón</a:t>
             </a:r>
             <a:endParaRPr lang="en-US" dirty="0"/>
@@ -862,7 +866,7 @@
           <a:p>
             <a:fld id="{75C66135-EE68-4DD8-A0A4-5D7192798314}" type="datetimeFigureOut">
               <a:rPr lang="es-CO" smtClean="0"/>
-              <a:t>17/11/2017</a:t>
+              <a:t>21/11/2017</a:t>
             </a:fld>
             <a:endParaRPr lang="es-CO"/>
           </a:p>
@@ -967,7 +971,7 @@
           </a:lstStyle>
           <a:p>
             <a:r>
-              <a:rPr lang="es-ES" smtClean="0"/>
+              <a:rPr lang="es-ES"/>
               <a:t>Haga clic para modificar el estilo de título del patrón</a:t>
             </a:r>
             <a:endParaRPr lang="en-US" dirty="0"/>
@@ -1090,7 +1094,7 @@
           <a:p>
             <a:pPr lvl="0"/>
             <a:r>
-              <a:rPr lang="es-ES" smtClean="0"/>
+              <a:rPr lang="es-ES"/>
               <a:t>Haga clic para modificar el estilo de texto del patrón</a:t>
             </a:r>
           </a:p>
@@ -1113,7 +1117,7 @@
           <a:p>
             <a:fld id="{75C66135-EE68-4DD8-A0A4-5D7192798314}" type="datetimeFigureOut">
               <a:rPr lang="es-CO" smtClean="0"/>
-              <a:t>17/11/2017</a:t>
+              <a:t>21/11/2017</a:t>
             </a:fld>
             <a:endParaRPr lang="es-CO"/>
           </a:p>
@@ -1218,7 +1222,7 @@
           </a:lstStyle>
           <a:p>
             <a:r>
-              <a:rPr lang="es-ES" smtClean="0"/>
+              <a:rPr lang="es-ES"/>
               <a:t>Haga clic para modificar el estilo de título del patrón</a:t>
             </a:r>
             <a:endParaRPr lang="en-US" dirty="0"/>
@@ -1282,7 +1286,7 @@
           <a:p>
             <a:pPr lvl="0"/>
             <a:r>
-              <a:rPr lang="es-ES" smtClean="0"/>
+              <a:rPr lang="es-ES"/>
               <a:t>Haga clic para modificar el estilo de texto del patrón</a:t>
             </a:r>
           </a:p>
@@ -1404,7 +1408,7 @@
           <a:p>
             <a:pPr lvl="0"/>
             <a:r>
-              <a:rPr lang="es-ES" smtClean="0"/>
+              <a:rPr lang="es-ES"/>
               <a:t>Haga clic para modificar el estilo de texto del patrón</a:t>
             </a:r>
           </a:p>
@@ -1427,7 +1431,7 @@
           <a:p>
             <a:fld id="{75C66135-EE68-4DD8-A0A4-5D7192798314}" type="datetimeFigureOut">
               <a:rPr lang="es-CO" smtClean="0"/>
-              <a:t>17/11/2017</a:t>
+              <a:t>21/11/2017</a:t>
             </a:fld>
             <a:endParaRPr lang="es-CO"/>
           </a:p>
@@ -1614,7 +1618,7 @@
           </a:lstStyle>
           <a:p>
             <a:r>
-              <a:rPr lang="es-ES" smtClean="0"/>
+              <a:rPr lang="es-ES"/>
               <a:t>Haga clic para modificar el estilo de título del patrón</a:t>
             </a:r>
             <a:endParaRPr lang="en-US" dirty="0"/>
@@ -1737,7 +1741,7 @@
           <a:p>
             <a:pPr lvl="0"/>
             <a:r>
-              <a:rPr lang="es-ES" smtClean="0"/>
+              <a:rPr lang="es-ES"/>
               <a:t>Haga clic para modificar el estilo de texto del patrón</a:t>
             </a:r>
           </a:p>
@@ -1760,7 +1764,7 @@
           <a:p>
             <a:fld id="{75C66135-EE68-4DD8-A0A4-5D7192798314}" type="datetimeFigureOut">
               <a:rPr lang="es-CO" smtClean="0"/>
-              <a:t>17/11/2017</a:t>
+              <a:t>21/11/2017</a:t>
             </a:fld>
             <a:endParaRPr lang="es-CO"/>
           </a:p>
@@ -1865,7 +1869,7 @@
           </a:lstStyle>
           <a:p>
             <a:r>
-              <a:rPr lang="es-ES" smtClean="0"/>
+              <a:rPr lang="es-ES"/>
               <a:t>Haga clic para modificar el estilo de título del patrón</a:t>
             </a:r>
             <a:endParaRPr lang="en-US" dirty="0"/>
@@ -1929,7 +1933,7 @@
           <a:p>
             <a:pPr lvl="0"/>
             <a:r>
-              <a:rPr lang="es-ES" smtClean="0"/>
+              <a:rPr lang="es-ES"/>
               <a:t>Haga clic para modificar el estilo de texto del patrón</a:t>
             </a:r>
           </a:p>
@@ -2051,7 +2055,7 @@
           <a:p>
             <a:pPr lvl="0"/>
             <a:r>
-              <a:rPr lang="es-ES" smtClean="0"/>
+              <a:rPr lang="es-ES"/>
               <a:t>Haga clic para modificar el estilo de texto del patrón</a:t>
             </a:r>
           </a:p>
@@ -2074,7 +2078,7 @@
           <a:p>
             <a:fld id="{75C66135-EE68-4DD8-A0A4-5D7192798314}" type="datetimeFigureOut">
               <a:rPr lang="es-CO" smtClean="0"/>
-              <a:t>17/11/2017</a:t>
+              <a:t>21/11/2017</a:t>
             </a:fld>
             <a:endParaRPr lang="es-CO"/>
           </a:p>
@@ -2261,7 +2265,7 @@
           </a:lstStyle>
           <a:p>
             <a:r>
-              <a:rPr lang="es-ES" smtClean="0"/>
+              <a:rPr lang="es-ES"/>
               <a:t>Haga clic para modificar el estilo de título del patrón</a:t>
             </a:r>
             <a:endParaRPr lang="en-US" dirty="0"/>
@@ -2322,7 +2326,7 @@
           <a:p>
             <a:pPr lvl="0"/>
             <a:r>
-              <a:rPr lang="es-ES" smtClean="0"/>
+              <a:rPr lang="es-ES"/>
               <a:t>Haga clic para modificar el estilo de texto del patrón</a:t>
             </a:r>
           </a:p>
@@ -2444,7 +2448,7 @@
           <a:p>
             <a:pPr lvl="0"/>
             <a:r>
-              <a:rPr lang="es-ES" smtClean="0"/>
+              <a:rPr lang="es-ES"/>
               <a:t>Haga clic para modificar el estilo de texto del patrón</a:t>
             </a:r>
           </a:p>
@@ -2467,7 +2471,7 @@
           <a:p>
             <a:fld id="{75C66135-EE68-4DD8-A0A4-5D7192798314}" type="datetimeFigureOut">
               <a:rPr lang="es-CO" smtClean="0"/>
-              <a:t>17/11/2017</a:t>
+              <a:t>21/11/2017</a:t>
             </a:fld>
             <a:endParaRPr lang="es-CO"/>
           </a:p>
@@ -2561,7 +2565,7 @@
           <a:lstStyle/>
           <a:p>
             <a:r>
-              <a:rPr lang="es-ES" smtClean="0"/>
+              <a:rPr lang="es-ES"/>
               <a:t>Haga clic para modificar el estilo de título del patrón</a:t>
             </a:r>
             <a:endParaRPr lang="en-US" dirty="0"/>
@@ -2585,35 +2589,35 @@
           <a:p>
             <a:pPr lvl="0"/>
             <a:r>
-              <a:rPr lang="es-ES" smtClean="0"/>
+              <a:rPr lang="es-ES"/>
               <a:t>Haga clic para modificar el estilo de texto del patrón</a:t>
             </a:r>
           </a:p>
           <a:p>
             <a:pPr lvl="1"/>
             <a:r>
-              <a:rPr lang="es-ES" smtClean="0"/>
+              <a:rPr lang="es-ES"/>
               <a:t>Segundo nivel</a:t>
             </a:r>
           </a:p>
           <a:p>
             <a:pPr lvl="2"/>
             <a:r>
-              <a:rPr lang="es-ES" smtClean="0"/>
+              <a:rPr lang="es-ES"/>
               <a:t>Tercer nivel</a:t>
             </a:r>
           </a:p>
           <a:p>
             <a:pPr lvl="3"/>
             <a:r>
-              <a:rPr lang="es-ES" smtClean="0"/>
+              <a:rPr lang="es-ES"/>
               <a:t>Cuarto nivel</a:t>
             </a:r>
           </a:p>
           <a:p>
             <a:pPr lvl="4"/>
             <a:r>
-              <a:rPr lang="es-ES" smtClean="0"/>
+              <a:rPr lang="es-ES"/>
               <a:t>Quinto nivel</a:t>
             </a:r>
             <a:endParaRPr lang="en-US" dirty="0"/>
@@ -2637,7 +2641,7 @@
           <a:p>
             <a:fld id="{75C66135-EE68-4DD8-A0A4-5D7192798314}" type="datetimeFigureOut">
               <a:rPr lang="es-CO" smtClean="0"/>
-              <a:t>17/11/2017</a:t>
+              <a:t>21/11/2017</a:t>
             </a:fld>
             <a:endParaRPr lang="es-CO"/>
           </a:p>
@@ -2736,7 +2740,7 @@
           <a:lstStyle/>
           <a:p>
             <a:r>
-              <a:rPr lang="es-ES" smtClean="0"/>
+              <a:rPr lang="es-ES"/>
               <a:t>Haga clic para modificar el estilo de título del patrón</a:t>
             </a:r>
             <a:endParaRPr lang="en-US" dirty="0"/>
@@ -2765,35 +2769,35 @@
           <a:p>
             <a:pPr lvl="0"/>
             <a:r>
-              <a:rPr lang="es-ES" smtClean="0"/>
+              <a:rPr lang="es-ES"/>
               <a:t>Haga clic para modificar el estilo de texto del patrón</a:t>
             </a:r>
           </a:p>
           <a:p>
             <a:pPr lvl="1"/>
             <a:r>
-              <a:rPr lang="es-ES" smtClean="0"/>
+              <a:rPr lang="es-ES"/>
               <a:t>Segundo nivel</a:t>
             </a:r>
           </a:p>
           <a:p>
             <a:pPr lvl="2"/>
             <a:r>
-              <a:rPr lang="es-ES" smtClean="0"/>
+              <a:rPr lang="es-ES"/>
               <a:t>Tercer nivel</a:t>
             </a:r>
           </a:p>
           <a:p>
             <a:pPr lvl="3"/>
             <a:r>
-              <a:rPr lang="es-ES" smtClean="0"/>
+              <a:rPr lang="es-ES"/>
               <a:t>Cuarto nivel</a:t>
             </a:r>
           </a:p>
           <a:p>
             <a:pPr lvl="4"/>
             <a:r>
-              <a:rPr lang="es-ES" smtClean="0"/>
+              <a:rPr lang="es-ES"/>
               <a:t>Quinto nivel</a:t>
             </a:r>
             <a:endParaRPr lang="en-US" dirty="0"/>
@@ -2817,7 +2821,7 @@
           <a:p>
             <a:fld id="{75C66135-EE68-4DD8-A0A4-5D7192798314}" type="datetimeFigureOut">
               <a:rPr lang="es-CO" smtClean="0"/>
-              <a:t>17/11/2017</a:t>
+              <a:t>21/11/2017</a:t>
             </a:fld>
             <a:endParaRPr lang="es-CO"/>
           </a:p>
@@ -2911,7 +2915,7 @@
           <a:lstStyle/>
           <a:p>
             <a:r>
-              <a:rPr lang="es-ES" smtClean="0"/>
+              <a:rPr lang="es-ES"/>
               <a:t>Haga clic para modificar el estilo de título del patrón</a:t>
             </a:r>
             <a:endParaRPr lang="en-US" dirty="0"/>
@@ -2935,35 +2939,35 @@
           <a:p>
             <a:pPr lvl="0"/>
             <a:r>
-              <a:rPr lang="es-ES" smtClean="0"/>
+              <a:rPr lang="es-ES"/>
               <a:t>Haga clic para modificar el estilo de texto del patrón</a:t>
             </a:r>
           </a:p>
           <a:p>
             <a:pPr lvl="1"/>
             <a:r>
-              <a:rPr lang="es-ES" smtClean="0"/>
+              <a:rPr lang="es-ES"/>
               <a:t>Segundo nivel</a:t>
             </a:r>
           </a:p>
           <a:p>
             <a:pPr lvl="2"/>
             <a:r>
-              <a:rPr lang="es-ES" smtClean="0"/>
+              <a:rPr lang="es-ES"/>
               <a:t>Tercer nivel</a:t>
             </a:r>
           </a:p>
           <a:p>
             <a:pPr lvl="3"/>
             <a:r>
-              <a:rPr lang="es-ES" smtClean="0"/>
+              <a:rPr lang="es-ES"/>
               <a:t>Cuarto nivel</a:t>
             </a:r>
           </a:p>
           <a:p>
             <a:pPr lvl="4"/>
             <a:r>
-              <a:rPr lang="es-ES" smtClean="0"/>
+              <a:rPr lang="es-ES"/>
               <a:t>Quinto nivel</a:t>
             </a:r>
             <a:endParaRPr lang="en-US" dirty="0"/>
@@ -2987,7 +2991,7 @@
           <a:p>
             <a:fld id="{75C66135-EE68-4DD8-A0A4-5D7192798314}" type="datetimeFigureOut">
               <a:rPr lang="es-CO" smtClean="0"/>
-              <a:t>17/11/2017</a:t>
+              <a:t>21/11/2017</a:t>
             </a:fld>
             <a:endParaRPr lang="es-CO"/>
           </a:p>
@@ -3090,7 +3094,7 @@
           </a:lstStyle>
           <a:p>
             <a:r>
-              <a:rPr lang="es-ES" smtClean="0"/>
+              <a:rPr lang="es-ES"/>
               <a:t>Haga clic para modificar el estilo de título del patrón</a:t>
             </a:r>
             <a:endParaRPr lang="en-US" dirty="0"/>
@@ -3211,7 +3215,7 @@
           <a:p>
             <a:pPr lvl="0"/>
             <a:r>
-              <a:rPr lang="es-ES" smtClean="0"/>
+              <a:rPr lang="es-ES"/>
               <a:t>Haga clic para modificar el estilo de texto del patrón</a:t>
             </a:r>
           </a:p>
@@ -3234,7 +3238,7 @@
           <a:p>
             <a:fld id="{75C66135-EE68-4DD8-A0A4-5D7192798314}" type="datetimeFigureOut">
               <a:rPr lang="es-CO" smtClean="0"/>
-              <a:t>17/11/2017</a:t>
+              <a:t>21/11/2017</a:t>
             </a:fld>
             <a:endParaRPr lang="es-CO"/>
           </a:p>
@@ -3328,7 +3332,7 @@
           <a:lstStyle/>
           <a:p>
             <a:r>
-              <a:rPr lang="es-ES" smtClean="0"/>
+              <a:rPr lang="es-ES"/>
               <a:t>Haga clic para modificar el estilo de título del patrón</a:t>
             </a:r>
             <a:endParaRPr lang="en-US" dirty="0"/>
@@ -3357,35 +3361,35 @@
           <a:p>
             <a:pPr lvl="0"/>
             <a:r>
-              <a:rPr lang="es-ES" smtClean="0"/>
+              <a:rPr lang="es-ES"/>
               <a:t>Haga clic para modificar el estilo de texto del patrón</a:t>
             </a:r>
           </a:p>
           <a:p>
             <a:pPr lvl="1"/>
             <a:r>
-              <a:rPr lang="es-ES" smtClean="0"/>
+              <a:rPr lang="es-ES"/>
               <a:t>Segundo nivel</a:t>
             </a:r>
           </a:p>
           <a:p>
             <a:pPr lvl="2"/>
             <a:r>
-              <a:rPr lang="es-ES" smtClean="0"/>
+              <a:rPr lang="es-ES"/>
               <a:t>Tercer nivel</a:t>
             </a:r>
           </a:p>
           <a:p>
             <a:pPr lvl="3"/>
             <a:r>
-              <a:rPr lang="es-ES" smtClean="0"/>
+              <a:rPr lang="es-ES"/>
               <a:t>Cuarto nivel</a:t>
             </a:r>
           </a:p>
           <a:p>
             <a:pPr lvl="4"/>
             <a:r>
-              <a:rPr lang="es-ES" smtClean="0"/>
+              <a:rPr lang="es-ES"/>
               <a:t>Quinto nivel</a:t>
             </a:r>
             <a:endParaRPr lang="en-US" dirty="0"/>
@@ -3414,35 +3418,35 @@
           <a:p>
             <a:pPr lvl="0"/>
             <a:r>
-              <a:rPr lang="es-ES" smtClean="0"/>
+              <a:rPr lang="es-ES"/>
               <a:t>Haga clic para modificar el estilo de texto del patrón</a:t>
             </a:r>
           </a:p>
           <a:p>
             <a:pPr lvl="1"/>
             <a:r>
-              <a:rPr lang="es-ES" smtClean="0"/>
+              <a:rPr lang="es-ES"/>
               <a:t>Segundo nivel</a:t>
             </a:r>
           </a:p>
           <a:p>
             <a:pPr lvl="2"/>
             <a:r>
-              <a:rPr lang="es-ES" smtClean="0"/>
+              <a:rPr lang="es-ES"/>
               <a:t>Tercer nivel</a:t>
             </a:r>
           </a:p>
           <a:p>
             <a:pPr lvl="3"/>
             <a:r>
-              <a:rPr lang="es-ES" smtClean="0"/>
+              <a:rPr lang="es-ES"/>
               <a:t>Cuarto nivel</a:t>
             </a:r>
           </a:p>
           <a:p>
             <a:pPr lvl="4"/>
             <a:r>
-              <a:rPr lang="es-ES" smtClean="0"/>
+              <a:rPr lang="es-ES"/>
               <a:t>Quinto nivel</a:t>
             </a:r>
             <a:endParaRPr lang="en-US" dirty="0"/>
@@ -3466,7 +3470,7 @@
           <a:p>
             <a:fld id="{75C66135-EE68-4DD8-A0A4-5D7192798314}" type="datetimeFigureOut">
               <a:rPr lang="es-CO" smtClean="0"/>
-              <a:t>17/11/2017</a:t>
+              <a:t>21/11/2017</a:t>
             </a:fld>
             <a:endParaRPr lang="es-CO"/>
           </a:p>
@@ -3564,7 +3568,7 @@
           </a:lstStyle>
           <a:p>
             <a:r>
-              <a:rPr lang="es-ES" smtClean="0"/>
+              <a:rPr lang="es-ES"/>
               <a:t>Haga clic para modificar el estilo de título del patrón</a:t>
             </a:r>
             <a:endParaRPr lang="en-US" dirty="0"/>
@@ -3632,7 +3636,7 @@
           <a:p>
             <a:pPr lvl="0"/>
             <a:r>
-              <a:rPr lang="es-ES" smtClean="0"/>
+              <a:rPr lang="es-ES"/>
               <a:t>Haga clic para modificar el estilo de texto del patrón</a:t>
             </a:r>
           </a:p>
@@ -3662,35 +3666,35 @@
           <a:p>
             <a:pPr lvl="0"/>
             <a:r>
-              <a:rPr lang="es-ES" smtClean="0"/>
+              <a:rPr lang="es-ES"/>
               <a:t>Haga clic para modificar el estilo de texto del patrón</a:t>
             </a:r>
           </a:p>
           <a:p>
             <a:pPr lvl="1"/>
             <a:r>
-              <a:rPr lang="es-ES" smtClean="0"/>
+              <a:rPr lang="es-ES"/>
               <a:t>Segundo nivel</a:t>
             </a:r>
           </a:p>
           <a:p>
             <a:pPr lvl="2"/>
             <a:r>
-              <a:rPr lang="es-ES" smtClean="0"/>
+              <a:rPr lang="es-ES"/>
               <a:t>Tercer nivel</a:t>
             </a:r>
           </a:p>
           <a:p>
             <a:pPr lvl="3"/>
             <a:r>
-              <a:rPr lang="es-ES" smtClean="0"/>
+              <a:rPr lang="es-ES"/>
               <a:t>Cuarto nivel</a:t>
             </a:r>
           </a:p>
           <a:p>
             <a:pPr lvl="4"/>
             <a:r>
-              <a:rPr lang="es-ES" smtClean="0"/>
+              <a:rPr lang="es-ES"/>
               <a:t>Quinto nivel</a:t>
             </a:r>
             <a:endParaRPr lang="en-US" dirty="0"/>
@@ -3758,7 +3762,7 @@
           <a:p>
             <a:pPr lvl="0"/>
             <a:r>
-              <a:rPr lang="es-ES" smtClean="0"/>
+              <a:rPr lang="es-ES"/>
               <a:t>Haga clic para modificar el estilo de texto del patrón</a:t>
             </a:r>
           </a:p>
@@ -3788,35 +3792,35 @@
           <a:p>
             <a:pPr lvl="0"/>
             <a:r>
-              <a:rPr lang="es-ES" smtClean="0"/>
+              <a:rPr lang="es-ES"/>
               <a:t>Haga clic para modificar el estilo de texto del patrón</a:t>
             </a:r>
           </a:p>
           <a:p>
             <a:pPr lvl="1"/>
             <a:r>
-              <a:rPr lang="es-ES" smtClean="0"/>
+              <a:rPr lang="es-ES"/>
               <a:t>Segundo nivel</a:t>
             </a:r>
           </a:p>
           <a:p>
             <a:pPr lvl="2"/>
             <a:r>
-              <a:rPr lang="es-ES" smtClean="0"/>
+              <a:rPr lang="es-ES"/>
               <a:t>Tercer nivel</a:t>
             </a:r>
           </a:p>
           <a:p>
             <a:pPr lvl="3"/>
             <a:r>
-              <a:rPr lang="es-ES" smtClean="0"/>
+              <a:rPr lang="es-ES"/>
               <a:t>Cuarto nivel</a:t>
             </a:r>
           </a:p>
           <a:p>
             <a:pPr lvl="4"/>
             <a:r>
-              <a:rPr lang="es-ES" smtClean="0"/>
+              <a:rPr lang="es-ES"/>
               <a:t>Quinto nivel</a:t>
             </a:r>
             <a:endParaRPr lang="en-US" dirty="0"/>
@@ -3840,7 +3844,7 @@
           <a:p>
             <a:fld id="{75C66135-EE68-4DD8-A0A4-5D7192798314}" type="datetimeFigureOut">
               <a:rPr lang="es-CO" smtClean="0"/>
-              <a:t>17/11/2017</a:t>
+              <a:t>21/11/2017</a:t>
             </a:fld>
             <a:endParaRPr lang="es-CO"/>
           </a:p>
@@ -3939,7 +3943,7 @@
           <a:lstStyle/>
           <a:p>
             <a:r>
-              <a:rPr lang="es-ES" smtClean="0"/>
+              <a:rPr lang="es-ES"/>
               <a:t>Haga clic para modificar el estilo de título del patrón</a:t>
             </a:r>
             <a:endParaRPr lang="en-US" dirty="0"/>
@@ -3963,7 +3967,7 @@
           <a:p>
             <a:fld id="{75C66135-EE68-4DD8-A0A4-5D7192798314}" type="datetimeFigureOut">
               <a:rPr lang="es-CO" smtClean="0"/>
-              <a:t>17/11/2017</a:t>
+              <a:t>21/11/2017</a:t>
             </a:fld>
             <a:endParaRPr lang="es-CO"/>
           </a:p>
@@ -4058,7 +4062,7 @@
           <a:p>
             <a:fld id="{75C66135-EE68-4DD8-A0A4-5D7192798314}" type="datetimeFigureOut">
               <a:rPr lang="es-CO" smtClean="0"/>
-              <a:t>17/11/2017</a:t>
+              <a:t>21/11/2017</a:t>
             </a:fld>
             <a:endParaRPr lang="es-CO"/>
           </a:p>
@@ -4163,7 +4167,7 @@
           </a:lstStyle>
           <a:p>
             <a:r>
-              <a:rPr lang="es-ES" smtClean="0"/>
+              <a:rPr lang="es-ES"/>
               <a:t>Haga clic para modificar el estilo de título del patrón</a:t>
             </a:r>
             <a:endParaRPr lang="en-US" dirty="0"/>
@@ -4194,35 +4198,35 @@
           <a:p>
             <a:pPr lvl="0"/>
             <a:r>
-              <a:rPr lang="es-ES" smtClean="0"/>
+              <a:rPr lang="es-ES"/>
               <a:t>Haga clic para modificar el estilo de texto del patrón</a:t>
             </a:r>
           </a:p>
           <a:p>
             <a:pPr lvl="1"/>
             <a:r>
-              <a:rPr lang="es-ES" smtClean="0"/>
+              <a:rPr lang="es-ES"/>
               <a:t>Segundo nivel</a:t>
             </a:r>
           </a:p>
           <a:p>
             <a:pPr lvl="2"/>
             <a:r>
-              <a:rPr lang="es-ES" smtClean="0"/>
+              <a:rPr lang="es-ES"/>
               <a:t>Tercer nivel</a:t>
             </a:r>
           </a:p>
           <a:p>
             <a:pPr lvl="3"/>
             <a:r>
-              <a:rPr lang="es-ES" smtClean="0"/>
+              <a:rPr lang="es-ES"/>
               <a:t>Cuarto nivel</a:t>
             </a:r>
           </a:p>
           <a:p>
             <a:pPr lvl="4"/>
             <a:r>
-              <a:rPr lang="es-ES" smtClean="0"/>
+              <a:rPr lang="es-ES"/>
               <a:t>Quinto nivel</a:t>
             </a:r>
             <a:endParaRPr lang="en-US" dirty="0"/>
@@ -4290,7 +4294,7 @@
           <a:p>
             <a:pPr lvl="0"/>
             <a:r>
-              <a:rPr lang="es-ES" smtClean="0"/>
+              <a:rPr lang="es-ES"/>
               <a:t>Haga clic para modificar el estilo de texto del patrón</a:t>
             </a:r>
           </a:p>
@@ -4313,7 +4317,7 @@
           <a:p>
             <a:fld id="{75C66135-EE68-4DD8-A0A4-5D7192798314}" type="datetimeFigureOut">
               <a:rPr lang="es-CO" smtClean="0"/>
-              <a:t>17/11/2017</a:t>
+              <a:t>21/11/2017</a:t>
             </a:fld>
             <a:endParaRPr lang="es-CO"/>
           </a:p>
@@ -4418,7 +4422,7 @@
           </a:lstStyle>
           <a:p>
             <a:r>
-              <a:rPr lang="es-ES" smtClean="0"/>
+              <a:rPr lang="es-ES"/>
               <a:t>Haga clic para modificar el estilo de título del patrón</a:t>
             </a:r>
             <a:endParaRPr lang="en-US" dirty="0"/>
@@ -4485,7 +4489,7 @@
           </a:lstStyle>
           <a:p>
             <a:r>
-              <a:rPr lang="es-ES" smtClean="0"/>
+              <a:rPr lang="es-ES"/>
               <a:t>Haga clic en el icono para agregar una imagen</a:t>
             </a:r>
             <a:endParaRPr lang="en-US" dirty="0"/>
@@ -4553,7 +4557,7 @@
           <a:p>
             <a:pPr lvl="0"/>
             <a:r>
-              <a:rPr lang="es-ES" smtClean="0"/>
+              <a:rPr lang="es-ES"/>
               <a:t>Haga clic para modificar el estilo de texto del patrón</a:t>
             </a:r>
           </a:p>
@@ -4618,7 +4622,7 @@
           <a:p>
             <a:fld id="{75C66135-EE68-4DD8-A0A4-5D7192798314}" type="datetimeFigureOut">
               <a:rPr lang="es-CO" smtClean="0"/>
-              <a:t>17/11/2017</a:t>
+              <a:t>21/11/2017</a:t>
             </a:fld>
             <a:endParaRPr lang="es-CO"/>
           </a:p>
@@ -5216,7 +5220,7 @@
           <a:lstStyle/>
           <a:p>
             <a:r>
-              <a:rPr lang="es-ES" smtClean="0"/>
+              <a:rPr lang="es-ES"/>
               <a:t>Haga clic para modificar el estilo de título del patrón</a:t>
             </a:r>
             <a:endParaRPr lang="en-US" dirty="0"/>
@@ -5250,35 +5254,35 @@
           <a:p>
             <a:pPr lvl="0"/>
             <a:r>
-              <a:rPr lang="es-ES" smtClean="0"/>
+              <a:rPr lang="es-ES"/>
               <a:t>Haga clic para modificar el estilo de texto del patrón</a:t>
             </a:r>
           </a:p>
           <a:p>
             <a:pPr lvl="1"/>
             <a:r>
-              <a:rPr lang="es-ES" smtClean="0"/>
+              <a:rPr lang="es-ES"/>
               <a:t>Segundo nivel</a:t>
             </a:r>
           </a:p>
           <a:p>
             <a:pPr lvl="2"/>
             <a:r>
-              <a:rPr lang="es-ES" smtClean="0"/>
+              <a:rPr lang="es-ES"/>
               <a:t>Tercer nivel</a:t>
             </a:r>
           </a:p>
           <a:p>
             <a:pPr lvl="3"/>
             <a:r>
-              <a:rPr lang="es-ES" smtClean="0"/>
+              <a:rPr lang="es-ES"/>
               <a:t>Cuarto nivel</a:t>
             </a:r>
           </a:p>
           <a:p>
             <a:pPr lvl="4"/>
             <a:r>
-              <a:rPr lang="es-ES" smtClean="0"/>
+              <a:rPr lang="es-ES"/>
               <a:t>Quinto nivel</a:t>
             </a:r>
             <a:endParaRPr lang="en-US" dirty="0"/>
@@ -5320,7 +5324,7 @@
           <a:p>
             <a:fld id="{75C66135-EE68-4DD8-A0A4-5D7192798314}" type="datetimeFigureOut">
               <a:rPr lang="es-CO" smtClean="0"/>
-              <a:t>17/11/2017</a:t>
+              <a:t>21/11/2017</a:t>
             </a:fld>
             <a:endParaRPr lang="es-CO"/>
           </a:p>
@@ -5869,20 +5873,15 @@
             <a:pPr algn="ctr"/>
             <a:r>
               <a:rPr lang="es-CO" dirty="0"/>
-              <a:t>Fundación Centro Colombiano de Estudios </a:t>
-            </a:r>
-            <a:r>
-              <a:rPr lang="es-CO" dirty="0" smtClean="0"/>
-              <a:t>Profesionales</a:t>
+              <a:t>Fundación Centro Colombiano de Estudios Profesionales</a:t>
             </a:r>
           </a:p>
           <a:p>
             <a:pPr algn="ctr"/>
             <a:r>
-              <a:rPr lang="es-CO" dirty="0" smtClean="0"/>
+              <a:rPr lang="es-CO" dirty="0"/>
               <a:t>FCECEP</a:t>
             </a:r>
-            <a:endParaRPr lang="es-CO" dirty="0"/>
           </a:p>
         </p:txBody>
       </p:sp>
@@ -5910,49 +5909,48 @@
           <a:p>
             <a:pPr algn="ctr"/>
             <a:r>
-              <a:rPr lang="es-CO" dirty="0" smtClean="0"/>
+              <a:rPr lang="es-CO" dirty="0"/>
               <a:t>Integrantes:</a:t>
             </a:r>
           </a:p>
           <a:p>
             <a:pPr algn="ctr"/>
             <a:r>
-              <a:rPr lang="es-CO" dirty="0" smtClean="0"/>
+              <a:rPr lang="es-CO" dirty="0"/>
               <a:t>Oscar Roa</a:t>
             </a:r>
           </a:p>
           <a:p>
             <a:pPr algn="ctr"/>
             <a:r>
-              <a:rPr lang="es-CO" dirty="0" smtClean="0"/>
+              <a:rPr lang="es-CO" dirty="0"/>
               <a:t>Sebastian Montoya</a:t>
             </a:r>
           </a:p>
           <a:p>
             <a:pPr algn="ctr"/>
             <a:r>
-              <a:rPr lang="es-CO" dirty="0" err="1" smtClean="0"/>
+              <a:rPr lang="es-CO" dirty="0" err="1"/>
               <a:t>Farid</a:t>
             </a:r>
             <a:r>
-              <a:rPr lang="es-CO" dirty="0" smtClean="0"/>
+              <a:rPr lang="es-CO" dirty="0"/>
               <a:t> agregar nombre</a:t>
             </a:r>
           </a:p>
           <a:p>
             <a:pPr algn="ctr"/>
             <a:r>
-              <a:rPr lang="es-CO" dirty="0" smtClean="0"/>
+              <a:rPr lang="es-CO" dirty="0"/>
               <a:t>Joseph Pizza</a:t>
             </a:r>
           </a:p>
           <a:p>
             <a:pPr algn="ctr"/>
             <a:r>
-              <a:rPr lang="es-CO" dirty="0" smtClean="0"/>
+              <a:rPr lang="es-CO" dirty="0"/>
               <a:t>Juan Miguel Mayor</a:t>
             </a:r>
-            <a:endParaRPr lang="es-CO" dirty="0"/>
           </a:p>
         </p:txBody>
       </p:sp>
@@ -5980,17 +5978,16 @@
           <a:p>
             <a:pPr algn="ctr"/>
             <a:r>
-              <a:rPr lang="es-CO" dirty="0" smtClean="0"/>
+              <a:rPr lang="es-CO" dirty="0"/>
               <a:t>Tema:</a:t>
             </a:r>
           </a:p>
           <a:p>
             <a:pPr algn="ctr"/>
             <a:r>
-              <a:rPr lang="es-CO" dirty="0" smtClean="0"/>
+              <a:rPr lang="es-CO" dirty="0"/>
               <a:t>GIT HUB</a:t>
             </a:r>
-            <a:endParaRPr lang="es-CO" dirty="0"/>
           </a:p>
         </p:txBody>
       </p:sp>
@@ -6018,24 +6015,23 @@
           <a:p>
             <a:pPr algn="ctr"/>
             <a:r>
-              <a:rPr lang="es-CO" dirty="0" smtClean="0"/>
+              <a:rPr lang="es-CO" dirty="0"/>
               <a:t>FACULTAD DE INGENIERIA</a:t>
             </a:r>
           </a:p>
           <a:p>
             <a:pPr algn="ctr"/>
             <a:r>
-              <a:rPr lang="es-CO" dirty="0" smtClean="0"/>
+              <a:rPr lang="es-CO" dirty="0"/>
               <a:t>TECNOLOGIA DE SISTEMAS DE INFORMACIÓN</a:t>
             </a:r>
           </a:p>
           <a:p>
             <a:pPr algn="ctr"/>
             <a:r>
-              <a:rPr lang="es-CO" dirty="0" smtClean="0"/>
+              <a:rPr lang="es-CO" dirty="0"/>
               <a:t>2017</a:t>
             </a:r>
-            <a:endParaRPr lang="es-CO" dirty="0"/>
           </a:p>
         </p:txBody>
       </p:sp>
@@ -6049,13 +6045,6 @@
   <p:clrMapOvr>
     <a:masterClrMapping/>
   </p:clrMapOvr>
-  <p:timing>
-    <p:tnLst>
-      <p:par>
-        <p:cTn id="1" dur="indefinite" restart="never" nodeType="tmRoot"/>
-      </p:par>
-    </p:tnLst>
-  </p:timing>
 </p:sld>
 </file>
 
@@ -6106,7 +6095,7 @@
               <a:rPr lang="es-CO" dirty="0" err="1"/>
               <a:t>Git</a:t>
             </a:r>
-            <a:endParaRPr lang="es-CO" dirty="0" smtClean="0"/>
+            <a:endParaRPr lang="es-CO" dirty="0"/>
           </a:p>
         </p:txBody>
       </p:sp>
@@ -6135,15 +6124,7 @@
             <a:pPr algn="just"/>
             <a:r>
               <a:rPr lang="es-CO" sz="1600" dirty="0"/>
-              <a:t>E</a:t>
-            </a:r>
-            <a:r>
-              <a:rPr lang="es-CO" sz="1600" dirty="0" smtClean="0"/>
-              <a:t>ntonces</a:t>
-            </a:r>
-            <a:r>
-              <a:rPr lang="es-CO" sz="1600" dirty="0"/>
-              <a:t>, ¿qué es </a:t>
+              <a:t>Entonces, ¿qué es </a:t>
             </a:r>
             <a:r>
               <a:rPr lang="es-CO" sz="1600" dirty="0" err="1"/>
@@ -6207,13 +6188,8 @@
             </a:r>
             <a:r>
               <a:rPr lang="es-CO" sz="1600" dirty="0"/>
-              <a:t> almacena y modela la información de forma muy diferente a esos otros sistemas, a pesar de que su interfaz sea bastante similar; comprender esas diferencias evitará que te confundas a la hora de </a:t>
-            </a:r>
-            <a:r>
-              <a:rPr lang="es-CO" sz="1600" dirty="0" smtClean="0"/>
-              <a:t>usarlo.</a:t>
-            </a:r>
-            <a:endParaRPr lang="es-CO" sz="1600" dirty="0"/>
+              <a:t> almacena y modela la información de forma muy diferente a esos otros sistemas, a pesar de que su interfaz sea bastante similar; comprender esas diferencias evitará que te confundas a la hora de usarlo.</a:t>
+            </a:r>
           </a:p>
         </p:txBody>
       </p:sp>
@@ -6240,15 +6216,15 @@
           <a:lstStyle/>
           <a:p>
             <a:r>
-              <a:rPr lang="es-CO" dirty="0" smtClean="0"/>
+              <a:rPr lang="es-CO" dirty="0"/>
               <a:t>¿Qué es </a:t>
             </a:r>
             <a:r>
-              <a:rPr lang="es-CO" dirty="0" err="1" smtClean="0"/>
+              <a:rPr lang="es-CO" dirty="0" err="1"/>
               <a:t>git</a:t>
             </a:r>
             <a:r>
-              <a:rPr lang="es-CO" dirty="0" smtClean="0"/>
+              <a:rPr lang="es-CO" dirty="0"/>
               <a:t>?</a:t>
             </a:r>
           </a:p>
@@ -6278,16 +6254,12 @@
           <a:p>
             <a:pPr algn="just"/>
             <a:r>
-              <a:rPr lang="es-CO" sz="1600" dirty="0" err="1" smtClean="0"/>
+              <a:rPr lang="es-CO" sz="1600" dirty="0" err="1"/>
               <a:t>Git</a:t>
             </a:r>
             <a:r>
-              <a:rPr lang="es-CO" sz="1600" dirty="0" smtClean="0"/>
-              <a:t> es </a:t>
-            </a:r>
-            <a:r>
               <a:rPr lang="es-CO" sz="1600" dirty="0"/>
-              <a:t>un software de control de versiones diseñado por </a:t>
+              <a:t> es un software de control de versiones diseñado por </a:t>
             </a:r>
             <a:r>
               <a:rPr lang="es-CO" sz="1600" dirty="0" err="1"/>
@@ -6335,15 +6307,7 @@
             </a:r>
             <a:r>
               <a:rPr lang="es-CO" sz="1600" dirty="0"/>
-              <a:t>. </a:t>
-            </a:r>
-            <a:r>
-              <a:rPr lang="es-CO" sz="1600" dirty="0" smtClean="0"/>
-              <a:t> </a:t>
-            </a:r>
-            <a:r>
-              <a:rPr lang="es-CO" sz="1600" dirty="0"/>
-              <a:t>Sin embargo, </a:t>
+              <a:t>.  Sin embargo, </a:t>
             </a:r>
             <a:r>
               <a:rPr lang="es-CO" sz="1600" dirty="0" err="1"/>
@@ -6351,15 +6315,7 @@
             </a:r>
             <a:r>
               <a:rPr lang="es-CO" sz="1600" dirty="0"/>
-              <a:t> se ha convertido desde entonces en un sistema de control de versiones con funcionalidad plena. </a:t>
-            </a:r>
-            <a:r>
-              <a:rPr lang="es-CO" sz="1600" dirty="0" smtClean="0"/>
-              <a:t>Hay </a:t>
-            </a:r>
-            <a:r>
-              <a:rPr lang="es-CO" sz="1600" dirty="0"/>
-              <a:t>algunos proyectos de mucha relevancia que ya usan </a:t>
+              <a:t> se ha convertido desde entonces en un sistema de control de versiones con funcionalidad plena. Hay algunos proyectos de mucha relevancia que ya usan </a:t>
             </a:r>
             <a:r>
               <a:rPr lang="es-CO" sz="1600" dirty="0" err="1"/>
@@ -6382,13 +6338,6 @@
   <p:clrMapOvr>
     <a:masterClrMapping/>
   </p:clrMapOvr>
-  <p:timing>
-    <p:tnLst>
-      <p:par>
-        <p:cTn id="1" dur="indefinite" restart="never" nodeType="tmRoot"/>
-      </p:par>
-    </p:tnLst>
-  </p:timing>
 </p:sld>
 </file>
 
@@ -6435,7 +6384,6 @@
               <a:rPr lang="es-CO" dirty="0"/>
               <a:t>Instantáneas, no diferencias</a:t>
             </a:r>
-            <a:endParaRPr lang="es-CO" dirty="0" smtClean="0"/>
           </a:p>
         </p:txBody>
       </p:sp>
@@ -6512,13 +6460,8 @@
             </a:r>
             <a:r>
               <a:rPr lang="es-CO" sz="1600" dirty="0"/>
-              <a:t>, etc.) modelan la información que almacenan como un conjunto de archivos y las modificaciones hechas sobre cada uno de ellos a lo largo del tiempo, como ilustra la Figura </a:t>
-            </a:r>
-            <a:r>
-              <a:rPr lang="es-CO" sz="1600" dirty="0" smtClean="0"/>
-              <a:t>.</a:t>
-            </a:r>
-            <a:endParaRPr lang="es-CO" sz="1600" dirty="0"/>
+              <a:t>, etc.) modelan la información que almacenan como un conjunto de archivos y las modificaciones hechas sobre cada uno de ellos a lo largo del tiempo, como ilustra la Figura .</a:t>
+            </a:r>
           </a:p>
         </p:txBody>
       </p:sp>
@@ -6573,13 +6516,6 @@
   <p:clrMapOvr>
     <a:masterClrMapping/>
   </p:clrMapOvr>
-  <p:timing>
-    <p:tnLst>
-      <p:par>
-        <p:cTn id="1" dur="indefinite" restart="never" nodeType="tmRoot"/>
-      </p:par>
-    </p:tnLst>
-  </p:timing>
 </p:sld>
 </file>
 
@@ -6709,13 +6645,6 @@
   <p:clrMapOvr>
     <a:masterClrMapping/>
   </p:clrMapOvr>
-  <p:timing>
-    <p:tnLst>
-      <p:par>
-        <p:cTn id="1" dur="indefinite" restart="never" nodeType="tmRoot"/>
-      </p:par>
-    </p:tnLst>
-  </p:timing>
 </p:sld>
 </file>
 
@@ -6762,7 +6691,7 @@
               <a:rPr lang="es-CO"/>
               <a:t>Casi cualquier operación es local</a:t>
             </a:r>
-            <a:endParaRPr lang="es-CO" dirty="0" smtClean="0"/>
+            <a:endParaRPr lang="es-CO" dirty="0"/>
           </a:p>
         </p:txBody>
       </p:sp>
@@ -6829,13 +6758,6 @@
   <p:clrMapOvr>
     <a:masterClrMapping/>
   </p:clrMapOvr>
-  <p:timing>
-    <p:tnLst>
-      <p:par>
-        <p:cTn id="1" dur="indefinite" restart="never" nodeType="tmRoot"/>
-      </p:par>
-    </p:tnLst>
-  </p:timing>
 </p:sld>
 </file>
 
@@ -6879,10 +6801,9 @@
           <a:lstStyle/>
           <a:p>
             <a:r>
-              <a:rPr lang="es-CO" dirty="0" smtClean="0"/>
+              <a:rPr lang="es-CO" dirty="0"/>
               <a:t>REPORTE DE CONTRIBUYENTES</a:t>
             </a:r>
-            <a:endParaRPr lang="es-CO" dirty="0"/>
           </a:p>
         </p:txBody>
       </p:sp>
@@ -6913,7 +6834,7 @@
               <a:buChar char="•"/>
             </a:pPr>
             <a:r>
-              <a:rPr lang="es-CO" dirty="0" smtClean="0"/>
+              <a:rPr lang="es-CO" dirty="0"/>
               <a:t>Joseph Pizza</a:t>
             </a:r>
           </a:p>
@@ -6923,7 +6844,7 @@
               <a:buChar char="•"/>
             </a:pPr>
             <a:r>
-              <a:rPr lang="es-CO" dirty="0" smtClean="0"/>
+              <a:rPr lang="es-CO" dirty="0"/>
               <a:t>Jhon Sebastian Montoya</a:t>
             </a:r>
           </a:p>
@@ -6933,15 +6854,15 @@
               <a:buChar char="•"/>
             </a:pPr>
             <a:r>
-              <a:rPr lang="es-CO" dirty="0" smtClean="0"/>
+              <a:rPr lang="es-CO" dirty="0"/>
               <a:t>Oscar </a:t>
             </a:r>
             <a:r>
-              <a:rPr lang="es-CO" dirty="0" err="1" smtClean="0"/>
+              <a:rPr lang="es-CO" dirty="0" err="1"/>
               <a:t>Farid</a:t>
             </a:r>
             <a:r>
-              <a:rPr lang="es-CO" dirty="0" smtClean="0"/>
+              <a:rPr lang="es-CO" dirty="0"/>
               <a:t> Roa</a:t>
             </a:r>
           </a:p>
@@ -6951,10 +6872,10 @@
               <a:buChar char="•"/>
             </a:pPr>
             <a:r>
-              <a:rPr lang="es-CO" dirty="0" err="1" smtClean="0"/>
+              <a:rPr lang="es-CO" dirty="0" err="1"/>
               <a:t>Farid</a:t>
             </a:r>
-            <a:endParaRPr lang="es-CO" dirty="0" smtClean="0"/>
+            <a:endParaRPr lang="es-CO" dirty="0"/>
           </a:p>
           <a:p>
             <a:pPr marL="285750" indent="-285750">
@@ -6962,10 +6883,9 @@
               <a:buChar char="•"/>
             </a:pPr>
             <a:r>
-              <a:rPr lang="es-CO" dirty="0" smtClean="0"/>
+              <a:rPr lang="es-CO" dirty="0"/>
               <a:t>Juan Miguel Mayor Díaz</a:t>
             </a:r>
-            <a:endParaRPr lang="es-CO" dirty="0"/>
           </a:p>
         </p:txBody>
       </p:sp>
@@ -6996,11 +6916,11 @@
               <a:buChar char="•"/>
             </a:pPr>
             <a:r>
-              <a:rPr lang="es-CO" dirty="0" err="1" smtClean="0"/>
+              <a:rPr lang="es-CO" dirty="0" err="1"/>
               <a:t>Duracion</a:t>
             </a:r>
             <a:r>
-              <a:rPr lang="es-CO" dirty="0" smtClean="0"/>
+              <a:rPr lang="es-CO" dirty="0"/>
               <a:t> del proyecto: 2 Meses</a:t>
             </a:r>
           </a:p>
@@ -7010,14 +6930,13 @@
               <a:buChar char="•"/>
             </a:pPr>
             <a:r>
-              <a:rPr lang="es-CO" dirty="0" err="1" smtClean="0"/>
-              <a:t>Commints</a:t>
-            </a:r>
-            <a:r>
-              <a:rPr lang="es-CO" dirty="0" smtClean="0"/>
+              <a:rPr lang="es-CO" dirty="0" err="1"/>
+              <a:t>Commits</a:t>
+            </a:r>
+            <a:r>
+              <a:rPr lang="es-CO" dirty="0"/>
               <a:t> totales: 35 </a:t>
             </a:r>
-            <a:endParaRPr lang="es-CO" dirty="0"/>
           </a:p>
         </p:txBody>
       </p:sp>
@@ -7175,13 +7094,6 @@
   <p:clrMapOvr>
     <a:masterClrMapping/>
   </p:clrMapOvr>
-  <p:timing>
-    <p:tnLst>
-      <p:par>
-        <p:cTn id="1" dur="indefinite" restart="never" nodeType="tmRoot"/>
-      </p:par>
-    </p:tnLst>
-  </p:timing>
 </p:sld>
 </file>
 

--- a/Informes Y Presentaciones/Presentacion git.pptx
+++ b/Informes Y Presentaciones/Presentacion git.pptx
@@ -10,7 +10,8 @@
     <p:sldId id="258" r:id="rId4"/>
     <p:sldId id="259" r:id="rId5"/>
     <p:sldId id="260" r:id="rId6"/>
-    <p:sldId id="261" r:id="rId7"/>
+    <p:sldId id="262" r:id="rId7"/>
+    <p:sldId id="261" r:id="rId8"/>
   </p:sldIdLst>
   <p:sldSz cx="12192000" cy="6858000"/>
   <p:notesSz cx="6858000" cy="9144000"/>
@@ -866,7 +867,7 @@
           <a:p>
             <a:fld id="{75C66135-EE68-4DD8-A0A4-5D7192798314}" type="datetimeFigureOut">
               <a:rPr lang="es-CO" smtClean="0"/>
-              <a:t>21/11/2017</a:t>
+              <a:t>22/11/2017</a:t>
             </a:fld>
             <a:endParaRPr lang="es-CO"/>
           </a:p>
@@ -1117,7 +1118,7 @@
           <a:p>
             <a:fld id="{75C66135-EE68-4DD8-A0A4-5D7192798314}" type="datetimeFigureOut">
               <a:rPr lang="es-CO" smtClean="0"/>
-              <a:t>21/11/2017</a:t>
+              <a:t>22/11/2017</a:t>
             </a:fld>
             <a:endParaRPr lang="es-CO"/>
           </a:p>
@@ -1431,7 +1432,7 @@
           <a:p>
             <a:fld id="{75C66135-EE68-4DD8-A0A4-5D7192798314}" type="datetimeFigureOut">
               <a:rPr lang="es-CO" smtClean="0"/>
-              <a:t>21/11/2017</a:t>
+              <a:t>22/11/2017</a:t>
             </a:fld>
             <a:endParaRPr lang="es-CO"/>
           </a:p>
@@ -1764,7 +1765,7 @@
           <a:p>
             <a:fld id="{75C66135-EE68-4DD8-A0A4-5D7192798314}" type="datetimeFigureOut">
               <a:rPr lang="es-CO" smtClean="0"/>
-              <a:t>21/11/2017</a:t>
+              <a:t>22/11/2017</a:t>
             </a:fld>
             <a:endParaRPr lang="es-CO"/>
           </a:p>
@@ -2078,7 +2079,7 @@
           <a:p>
             <a:fld id="{75C66135-EE68-4DD8-A0A4-5D7192798314}" type="datetimeFigureOut">
               <a:rPr lang="es-CO" smtClean="0"/>
-              <a:t>21/11/2017</a:t>
+              <a:t>22/11/2017</a:t>
             </a:fld>
             <a:endParaRPr lang="es-CO"/>
           </a:p>
@@ -2471,7 +2472,7 @@
           <a:p>
             <a:fld id="{75C66135-EE68-4DD8-A0A4-5D7192798314}" type="datetimeFigureOut">
               <a:rPr lang="es-CO" smtClean="0"/>
-              <a:t>21/11/2017</a:t>
+              <a:t>22/11/2017</a:t>
             </a:fld>
             <a:endParaRPr lang="es-CO"/>
           </a:p>
@@ -2641,7 +2642,7 @@
           <a:p>
             <a:fld id="{75C66135-EE68-4DD8-A0A4-5D7192798314}" type="datetimeFigureOut">
               <a:rPr lang="es-CO" smtClean="0"/>
-              <a:t>21/11/2017</a:t>
+              <a:t>22/11/2017</a:t>
             </a:fld>
             <a:endParaRPr lang="es-CO"/>
           </a:p>
@@ -2821,7 +2822,7 @@
           <a:p>
             <a:fld id="{75C66135-EE68-4DD8-A0A4-5D7192798314}" type="datetimeFigureOut">
               <a:rPr lang="es-CO" smtClean="0"/>
-              <a:t>21/11/2017</a:t>
+              <a:t>22/11/2017</a:t>
             </a:fld>
             <a:endParaRPr lang="es-CO"/>
           </a:p>
@@ -2991,7 +2992,7 @@
           <a:p>
             <a:fld id="{75C66135-EE68-4DD8-A0A4-5D7192798314}" type="datetimeFigureOut">
               <a:rPr lang="es-CO" smtClean="0"/>
-              <a:t>21/11/2017</a:t>
+              <a:t>22/11/2017</a:t>
             </a:fld>
             <a:endParaRPr lang="es-CO"/>
           </a:p>
@@ -3238,7 +3239,7 @@
           <a:p>
             <a:fld id="{75C66135-EE68-4DD8-A0A4-5D7192798314}" type="datetimeFigureOut">
               <a:rPr lang="es-CO" smtClean="0"/>
-              <a:t>21/11/2017</a:t>
+              <a:t>22/11/2017</a:t>
             </a:fld>
             <a:endParaRPr lang="es-CO"/>
           </a:p>
@@ -3470,7 +3471,7 @@
           <a:p>
             <a:fld id="{75C66135-EE68-4DD8-A0A4-5D7192798314}" type="datetimeFigureOut">
               <a:rPr lang="es-CO" smtClean="0"/>
-              <a:t>21/11/2017</a:t>
+              <a:t>22/11/2017</a:t>
             </a:fld>
             <a:endParaRPr lang="es-CO"/>
           </a:p>
@@ -3844,7 +3845,7 @@
           <a:p>
             <a:fld id="{75C66135-EE68-4DD8-A0A4-5D7192798314}" type="datetimeFigureOut">
               <a:rPr lang="es-CO" smtClean="0"/>
-              <a:t>21/11/2017</a:t>
+              <a:t>22/11/2017</a:t>
             </a:fld>
             <a:endParaRPr lang="es-CO"/>
           </a:p>
@@ -3967,7 +3968,7 @@
           <a:p>
             <a:fld id="{75C66135-EE68-4DD8-A0A4-5D7192798314}" type="datetimeFigureOut">
               <a:rPr lang="es-CO" smtClean="0"/>
-              <a:t>21/11/2017</a:t>
+              <a:t>22/11/2017</a:t>
             </a:fld>
             <a:endParaRPr lang="es-CO"/>
           </a:p>
@@ -4062,7 +4063,7 @@
           <a:p>
             <a:fld id="{75C66135-EE68-4DD8-A0A4-5D7192798314}" type="datetimeFigureOut">
               <a:rPr lang="es-CO" smtClean="0"/>
-              <a:t>21/11/2017</a:t>
+              <a:t>22/11/2017</a:t>
             </a:fld>
             <a:endParaRPr lang="es-CO"/>
           </a:p>
@@ -4317,7 +4318,7 @@
           <a:p>
             <a:fld id="{75C66135-EE68-4DD8-A0A4-5D7192798314}" type="datetimeFigureOut">
               <a:rPr lang="es-CO" smtClean="0"/>
-              <a:t>21/11/2017</a:t>
+              <a:t>22/11/2017</a:t>
             </a:fld>
             <a:endParaRPr lang="es-CO"/>
           </a:p>
@@ -4622,7 +4623,7 @@
           <a:p>
             <a:fld id="{75C66135-EE68-4DD8-A0A4-5D7192798314}" type="datetimeFigureOut">
               <a:rPr lang="es-CO" smtClean="0"/>
-              <a:t>21/11/2017</a:t>
+              <a:t>22/11/2017</a:t>
             </a:fld>
             <a:endParaRPr lang="es-CO"/>
           </a:p>
@@ -5324,7 +5325,7 @@
           <a:p>
             <a:fld id="{75C66135-EE68-4DD8-A0A4-5D7192798314}" type="datetimeFigureOut">
               <a:rPr lang="es-CO" smtClean="0"/>
-              <a:t>21/11/2017</a:t>
+              <a:t>22/11/2017</a:t>
             </a:fld>
             <a:endParaRPr lang="es-CO"/>
           </a:p>
@@ -5893,8 +5894,8 @@
         </p:nvSpPr>
         <p:spPr>
           <a:xfrm>
-            <a:off x="1127196" y="1793086"/>
-            <a:ext cx="7894671" cy="1754326"/>
+            <a:off x="1127196" y="1654587"/>
+            <a:ext cx="7894671" cy="2031325"/>
           </a:xfrm>
           <a:prstGeom prst="rect">
             <a:avLst/>
@@ -5924,33 +5925,50 @@
             <a:pPr algn="ctr"/>
             <a:r>
               <a:rPr lang="es-CO" dirty="0"/>
-              <a:t>Sebastian Montoya</a:t>
+              <a:t>Sebastian </a:t>
+            </a:r>
+            <a:r>
+              <a:rPr lang="es-CO" dirty="0" smtClean="0"/>
+              <a:t>Montoya</a:t>
             </a:r>
           </a:p>
           <a:p>
             <a:pPr algn="ctr"/>
             <a:r>
-              <a:rPr lang="es-CO" dirty="0" err="1"/>
-              <a:t>Farid</a:t>
+              <a:rPr lang="es-CO" dirty="0" smtClean="0"/>
+              <a:t>Farid enrique Pérez</a:t>
+            </a:r>
+            <a:endParaRPr lang="es-CO" dirty="0"/>
+          </a:p>
+          <a:p>
+            <a:pPr algn="ctr"/>
+            <a:r>
+              <a:rPr lang="es-CO" dirty="0" smtClean="0"/>
+              <a:t>Joseph </a:t>
             </a:r>
             <a:r>
               <a:rPr lang="es-CO" dirty="0"/>
-              <a:t> agregar nombre</a:t>
+              <a:t>Pizza</a:t>
             </a:r>
           </a:p>
           <a:p>
             <a:pPr algn="ctr"/>
             <a:r>
               <a:rPr lang="es-CO" dirty="0"/>
-              <a:t>Joseph Pizza</a:t>
+              <a:t>Juan Miguel </a:t>
+            </a:r>
+            <a:r>
+              <a:rPr lang="es-CO" dirty="0" smtClean="0"/>
+              <a:t>Mayor</a:t>
             </a:r>
           </a:p>
           <a:p>
             <a:pPr algn="ctr"/>
             <a:r>
-              <a:rPr lang="es-CO" dirty="0"/>
-              <a:t>Juan Miguel Mayor</a:t>
-            </a:r>
+              <a:rPr lang="es-CO" dirty="0" smtClean="0"/>
+              <a:t>Gustavo Gonzales</a:t>
+            </a:r>
+            <a:endParaRPr lang="es-CO" dirty="0"/>
           </a:p>
         </p:txBody>
       </p:sp>
@@ -6035,6 +6053,118 @@
           </a:p>
         </p:txBody>
       </p:sp>
+      <p:pic>
+        <p:nvPicPr>
+          <p:cNvPr id="2050" name="Picture 2" descr="Resultado de imagen para LOGO DE GIT HUB"/>
+          <p:cNvPicPr>
+            <a:picLocks noChangeAspect="1" noChangeArrowheads="1"/>
+          </p:cNvPicPr>
+          <p:nvPr/>
+        </p:nvPicPr>
+        <p:blipFill>
+          <a:blip r:embed="rId2" cstate="print">
+            <a:extLst>
+              <a:ext uri="{28A0092B-C50C-407E-A947-70E740481C1C}">
+                <a14:useLocalDpi xmlns:a14="http://schemas.microsoft.com/office/drawing/2010/main" val="0"/>
+              </a:ext>
+            </a:extLst>
+          </a:blip>
+          <a:srcRect/>
+          <a:stretch>
+            <a:fillRect/>
+          </a:stretch>
+        </p:blipFill>
+        <p:spPr bwMode="auto">
+          <a:xfrm>
+            <a:off x="1107563" y="1119568"/>
+            <a:ext cx="1891159" cy="1891159"/>
+          </a:xfrm>
+          <a:prstGeom prst="rect">
+            <a:avLst/>
+          </a:prstGeom>
+          <a:noFill/>
+          <a:extLst>
+            <a:ext uri="{909E8E84-426E-40DD-AFC4-6F175D3DCCD1}">
+              <a14:hiddenFill xmlns:a14="http://schemas.microsoft.com/office/drawing/2010/main">
+                <a:solidFill>
+                  <a:srgbClr val="FFFFFF"/>
+                </a:solidFill>
+              </a14:hiddenFill>
+            </a:ext>
+          </a:extLst>
+        </p:spPr>
+      </p:pic>
+      <p:pic>
+        <p:nvPicPr>
+          <p:cNvPr id="8" name="Imagen 7"/>
+          <p:cNvPicPr>
+            <a:picLocks noChangeAspect="1"/>
+          </p:cNvPicPr>
+          <p:nvPr/>
+        </p:nvPicPr>
+        <p:blipFill>
+          <a:blip r:embed="rId3" cstate="print">
+            <a:extLst>
+              <a:ext uri="{28A0092B-C50C-407E-A947-70E740481C1C}">
+                <a14:useLocalDpi xmlns:a14="http://schemas.microsoft.com/office/drawing/2010/main" val="0"/>
+              </a:ext>
+            </a:extLst>
+          </a:blip>
+          <a:stretch>
+            <a:fillRect/>
+          </a:stretch>
+        </p:blipFill>
+        <p:spPr>
+          <a:xfrm>
+            <a:off x="25005" y="5946339"/>
+            <a:ext cx="1591646" cy="911661"/>
+          </a:xfrm>
+          <a:prstGeom prst="rect">
+            <a:avLst/>
+          </a:prstGeom>
+        </p:spPr>
+      </p:pic>
+      <p:pic>
+        <p:nvPicPr>
+          <p:cNvPr id="2052" name="Picture 4" descr="Resultado de imagen para LOGO DE GIT HUB"/>
+          <p:cNvPicPr>
+            <a:picLocks noChangeAspect="1" noChangeArrowheads="1"/>
+          </p:cNvPicPr>
+          <p:nvPr/>
+        </p:nvPicPr>
+        <p:blipFill>
+          <a:blip r:embed="rId4" cstate="print">
+            <a:extLst>
+              <a:ext uri="{28A0092B-C50C-407E-A947-70E740481C1C}">
+                <a14:useLocalDpi xmlns:a14="http://schemas.microsoft.com/office/drawing/2010/main" val="0"/>
+              </a:ext>
+            </a:extLst>
+          </a:blip>
+          <a:srcRect/>
+          <a:stretch>
+            <a:fillRect/>
+          </a:stretch>
+        </p:blipFill>
+        <p:spPr bwMode="auto">
+          <a:xfrm>
+            <a:off x="1043358" y="3054424"/>
+            <a:ext cx="2019568" cy="527613"/>
+          </a:xfrm>
+          <a:prstGeom prst="rect">
+            <a:avLst/>
+          </a:prstGeom>
+          <a:noFill/>
+          <a:extLst>
+            <a:ext uri="{909E8E84-426E-40DD-AFC4-6F175D3DCCD1}">
+              <a14:hiddenFill xmlns:a14="http://schemas.microsoft.com/office/drawing/2010/main">
+                <a:solidFill>
+                  <a:srgbClr val="FFFFFF"/>
+                </a:solidFill>
+              </a14:hiddenFill>
+            </a:ext>
+          </a:extLst>
+        </p:spPr>
+      </p:pic>
     </p:spTree>
     <p:extLst>
       <p:ext uri="{BB962C8B-B14F-4D97-AF65-F5344CB8AC3E}">
@@ -6045,6 +6175,13 @@
   <p:clrMapOvr>
     <a:masterClrMapping/>
   </p:clrMapOvr>
+  <p:timing>
+    <p:tnLst>
+      <p:par>
+        <p:cTn id="1" dur="indefinite" restart="never" nodeType="tmRoot"/>
+      </p:par>
+    </p:tnLst>
+  </p:timing>
 </p:sld>
 </file>
 
@@ -6328,6 +6465,36 @@
           </a:p>
         </p:txBody>
       </p:sp>
+      <p:pic>
+        <p:nvPicPr>
+          <p:cNvPr id="8" name="Imagen 7"/>
+          <p:cNvPicPr>
+            <a:picLocks noChangeAspect="1"/>
+          </p:cNvPicPr>
+          <p:nvPr/>
+        </p:nvPicPr>
+        <p:blipFill>
+          <a:blip r:embed="rId2" cstate="print">
+            <a:extLst>
+              <a:ext uri="{28A0092B-C50C-407E-A947-70E740481C1C}">
+                <a14:useLocalDpi xmlns:a14="http://schemas.microsoft.com/office/drawing/2010/main" val="0"/>
+              </a:ext>
+            </a:extLst>
+          </a:blip>
+          <a:stretch>
+            <a:fillRect/>
+          </a:stretch>
+        </p:blipFill>
+        <p:spPr>
+          <a:xfrm>
+            <a:off x="25005" y="5946339"/>
+            <a:ext cx="1591646" cy="911661"/>
+          </a:xfrm>
+          <a:prstGeom prst="rect">
+            <a:avLst/>
+          </a:prstGeom>
+        </p:spPr>
+      </p:pic>
     </p:spTree>
     <p:extLst>
       <p:ext uri="{BB962C8B-B14F-4D97-AF65-F5344CB8AC3E}">
@@ -6338,6 +6505,13 @@
   <p:clrMapOvr>
     <a:masterClrMapping/>
   </p:clrMapOvr>
+  <p:timing>
+    <p:tnLst>
+      <p:par>
+        <p:cTn id="1" dur="indefinite" restart="never" nodeType="tmRoot"/>
+      </p:par>
+    </p:tnLst>
+  </p:timing>
 </p:sld>
 </file>
 
@@ -6506,6 +6680,36 @@
           </a:extLst>
         </p:spPr>
       </p:pic>
+      <p:pic>
+        <p:nvPicPr>
+          <p:cNvPr id="7" name="Imagen 6"/>
+          <p:cNvPicPr>
+            <a:picLocks noChangeAspect="1"/>
+          </p:cNvPicPr>
+          <p:nvPr/>
+        </p:nvPicPr>
+        <p:blipFill>
+          <a:blip r:embed="rId3" cstate="print">
+            <a:extLst>
+              <a:ext uri="{28A0092B-C50C-407E-A947-70E740481C1C}">
+                <a14:useLocalDpi xmlns:a14="http://schemas.microsoft.com/office/drawing/2010/main" val="0"/>
+              </a:ext>
+            </a:extLst>
+          </a:blip>
+          <a:stretch>
+            <a:fillRect/>
+          </a:stretch>
+        </p:blipFill>
+        <p:spPr>
+          <a:xfrm>
+            <a:off x="25005" y="5946339"/>
+            <a:ext cx="1591646" cy="911661"/>
+          </a:xfrm>
+          <a:prstGeom prst="rect">
+            <a:avLst/>
+          </a:prstGeom>
+        </p:spPr>
+      </p:pic>
     </p:spTree>
     <p:extLst>
       <p:ext uri="{BB962C8B-B14F-4D97-AF65-F5344CB8AC3E}">
@@ -6635,6 +6839,36 @@
           </a:extLst>
         </p:spPr>
       </p:pic>
+      <p:pic>
+        <p:nvPicPr>
+          <p:cNvPr id="6" name="Imagen 5"/>
+          <p:cNvPicPr>
+            <a:picLocks noChangeAspect="1"/>
+          </p:cNvPicPr>
+          <p:nvPr/>
+        </p:nvPicPr>
+        <p:blipFill>
+          <a:blip r:embed="rId3" cstate="print">
+            <a:extLst>
+              <a:ext uri="{28A0092B-C50C-407E-A947-70E740481C1C}">
+                <a14:useLocalDpi xmlns:a14="http://schemas.microsoft.com/office/drawing/2010/main" val="0"/>
+              </a:ext>
+            </a:extLst>
+          </a:blip>
+          <a:stretch>
+            <a:fillRect/>
+          </a:stretch>
+        </p:blipFill>
+        <p:spPr>
+          <a:xfrm>
+            <a:off x="25005" y="5946339"/>
+            <a:ext cx="1591646" cy="911661"/>
+          </a:xfrm>
+          <a:prstGeom prst="rect">
+            <a:avLst/>
+          </a:prstGeom>
+        </p:spPr>
+      </p:pic>
     </p:spTree>
     <p:extLst>
       <p:ext uri="{BB962C8B-B14F-4D97-AF65-F5344CB8AC3E}">
@@ -6688,10 +6922,9 @@
           <a:lstStyle/>
           <a:p>
             <a:r>
-              <a:rPr lang="es-CO"/>
+              <a:rPr lang="es-CO" dirty="0"/>
               <a:t>Casi cualquier operación es local</a:t>
             </a:r>
-            <a:endParaRPr lang="es-CO" dirty="0"/>
           </a:p>
         </p:txBody>
       </p:sp>
@@ -6703,8 +6936,8 @@
         </p:nvSpPr>
         <p:spPr>
           <a:xfrm>
-            <a:off x="226435" y="736244"/>
-            <a:ext cx="9241049" cy="5509200"/>
+            <a:off x="220895" y="919841"/>
+            <a:ext cx="9241049" cy="3539430"/>
           </a:xfrm>
           <a:prstGeom prst="rect">
             <a:avLst/>
@@ -6719,35 +6952,97 @@
           <a:p>
             <a:pPr algn="just"/>
             <a:r>
-              <a:rPr lang="es-CO" sz="1600"/>
-              <a:t>La mayoría de las operaciones en Git sólo necesitan archivos y recursos locales para operar. Por lo general no se necesita información de ningún otro ordenador de tu red. Si estás acostumbrado a un CVCS donde la mayoría de las operaciones tienen esa sobrecarga del retardo de la red, este aspecto de Git te va a hacer pensar que los dioses de la velocidad han bendecido Git con poderes sobrenaturales. Como tienes toda la historia del proyecto ahí mismo, en tu disco local, la mayoría de las operaciones parecen prácticamente inmediatas.</a:t>
+              <a:rPr lang="es-CO" sz="1600" dirty="0"/>
+              <a:t>La mayoría de las operaciones en </a:t>
+            </a:r>
+            <a:r>
+              <a:rPr lang="es-CO" sz="1600" dirty="0" err="1"/>
+              <a:t>Git</a:t>
+            </a:r>
+            <a:r>
+              <a:rPr lang="es-CO" sz="1600" dirty="0"/>
+              <a:t> sólo necesitan archivos y recursos locales para operar. Por lo general no se necesita información de ningún otro ordenador de tu red. Si estás acostumbrado a un CVCS donde la mayoría de las operaciones tienen esa sobrecarga del retardo de la red, este aspecto de </a:t>
+            </a:r>
+            <a:r>
+              <a:rPr lang="es-CO" sz="1600" dirty="0" err="1"/>
+              <a:t>Git</a:t>
+            </a:r>
+            <a:r>
+              <a:rPr lang="es-CO" sz="1600" dirty="0"/>
+              <a:t> te va a hacer pensar que los dioses de la velocidad han bendecido </a:t>
+            </a:r>
+            <a:r>
+              <a:rPr lang="es-CO" sz="1600" dirty="0" err="1"/>
+              <a:t>Git</a:t>
+            </a:r>
+            <a:r>
+              <a:rPr lang="es-CO" sz="1600" dirty="0"/>
+              <a:t> con poderes sobrenaturales. Como tienes toda la historia del proyecto ahí mismo, en tu disco local, la mayoría de las operaciones parecen prácticamente inmediatas.</a:t>
             </a:r>
           </a:p>
           <a:p>
             <a:pPr algn="just"/>
-            <a:endParaRPr lang="es-CO" sz="1600"/>
+            <a:endParaRPr lang="es-CO" sz="1600" dirty="0"/>
           </a:p>
           <a:p>
             <a:pPr algn="just"/>
             <a:r>
-              <a:rPr lang="es-CO" sz="1600"/>
-              <a:t>Por ejemplo, para navegar por la historia del proyecto, Git no necesita salir al servidor para obtener la historia y mostrártela, simplemente la lee directamente de tu base de datos local. Esto significa que ves la historia del proyecto casi al instante. Si quieres ver los cambios introducidos en un archivo entre la versión actual y la de hace un mes, Git puede buscar el archivo hace un mes y hacer un cálculo de diferencias localmente, en lugar de tener que pedirle a un servidor remoto que lo haga, u obtener una versión antigua desde la red y hacerlo de manera local.</a:t>
+              <a:rPr lang="es-CO" sz="1600" dirty="0"/>
+              <a:t>Por ejemplo, para navegar por la historia del proyecto, </a:t>
+            </a:r>
+            <a:r>
+              <a:rPr lang="es-CO" sz="1600" dirty="0" err="1"/>
+              <a:t>Git</a:t>
+            </a:r>
+            <a:r>
+              <a:rPr lang="es-CO" sz="1600" dirty="0"/>
+              <a:t> no necesita salir al servidor para obtener la historia y mostrártela, simplemente la lee directamente de tu base de datos local. Esto significa que ves la historia del proyecto casi al instante. Si quieres ver los cambios introducidos en un archivo entre la versión actual y la de hace un mes, </a:t>
+            </a:r>
+            <a:r>
+              <a:rPr lang="es-CO" sz="1600" dirty="0" err="1"/>
+              <a:t>Git</a:t>
+            </a:r>
+            <a:r>
+              <a:rPr lang="es-CO" sz="1600" dirty="0"/>
+              <a:t> puede buscar el archivo hace un mes y hacer un cálculo de diferencias localmente, en lugar de tener que pedirle a un servidor remoto que lo haga, u obtener una versión antigua desde la red y hacerlo de manera local.</a:t>
             </a:r>
           </a:p>
           <a:p>
             <a:pPr algn="just"/>
-            <a:endParaRPr lang="es-CO" sz="1600"/>
-          </a:p>
-          <a:p>
-            <a:pPr algn="just"/>
-            <a:r>
-              <a:rPr lang="es-CO" sz="1600"/>
-              <a:t>Esto también significa que hay muy poco que no puedas hacer si estás desconectado o sin VPN. Si te subes a un avión o a un tren y quieres trabajar un poco, puedes confirmar tus cambios felizmente hasta que consigas una conexión de red para subirlos. Si te vas a casa y no consigues que tu cliente VPN funcione correctamente, puedes seguir trabajando. En muchos otros sistemas, esto es imposible o muy doloroso. En Perforce, por ejemplo, no puedes hacer mucho cuando no estás conectado al servidor; y en Subversion y CVS, puedes editar archivos, pero no puedes confirmar los cambios a tu base de datos (porque tu base de datos no tiene conexión). Esto puede no parecer gran cosa, pero te sorprendería la diferencia que puede suponer.</a:t>
-            </a:r>
             <a:endParaRPr lang="es-CO" sz="1600" dirty="0"/>
           </a:p>
         </p:txBody>
       </p:sp>
+      <p:pic>
+        <p:nvPicPr>
+          <p:cNvPr id="7" name="Imagen 6"/>
+          <p:cNvPicPr>
+            <a:picLocks noChangeAspect="1"/>
+          </p:cNvPicPr>
+          <p:nvPr/>
+        </p:nvPicPr>
+        <p:blipFill>
+          <a:blip r:embed="rId2" cstate="print">
+            <a:extLst>
+              <a:ext uri="{28A0092B-C50C-407E-A947-70E740481C1C}">
+                <a14:useLocalDpi xmlns:a14="http://schemas.microsoft.com/office/drawing/2010/main" val="0"/>
+              </a:ext>
+            </a:extLst>
+          </a:blip>
+          <a:stretch>
+            <a:fillRect/>
+          </a:stretch>
+        </p:blipFill>
+        <p:spPr>
+          <a:xfrm>
+            <a:off x="25005" y="5946339"/>
+            <a:ext cx="1591646" cy="911661"/>
+          </a:xfrm>
+          <a:prstGeom prst="rect">
+            <a:avLst/>
+          </a:prstGeom>
+        </p:spPr>
+      </p:pic>
     </p:spTree>
     <p:extLst>
       <p:ext uri="{BB962C8B-B14F-4D97-AF65-F5344CB8AC3E}">
@@ -6758,6 +7053,13 @@
   <p:clrMapOvr>
     <a:masterClrMapping/>
   </p:clrMapOvr>
+  <p:timing>
+    <p:tnLst>
+      <p:par>
+        <p:cTn id="1" dur="indefinite" restart="never" nodeType="tmRoot"/>
+      </p:par>
+    </p:tnLst>
+  </p:timing>
 </p:sld>
 </file>
 
@@ -6786,8 +7088,8 @@
         </p:nvSpPr>
         <p:spPr>
           <a:xfrm>
-            <a:off x="98498" y="307851"/>
-            <a:ext cx="3549542" cy="369332"/>
+            <a:off x="220896" y="307851"/>
+            <a:ext cx="3605202" cy="369332"/>
           </a:xfrm>
           <a:prstGeom prst="rect">
             <a:avLst/>
@@ -6795,28 +7097,29 @@
           <a:noFill/>
         </p:spPr>
         <p:txBody>
-          <a:bodyPr wrap="square" rtlCol="0">
+          <a:bodyPr wrap="square" rtlCol="0" anchor="ctr">
             <a:spAutoFit/>
           </a:bodyPr>
           <a:lstStyle/>
           <a:p>
             <a:r>
-              <a:rPr lang="es-CO" dirty="0"/>
-              <a:t>REPORTE DE CONTRIBUYENTES</a:t>
-            </a:r>
-          </a:p>
-        </p:txBody>
-      </p:sp>
-      <p:sp>
-        <p:nvSpPr>
-          <p:cNvPr id="5" name="CuadroTexto 4"/>
+              <a:rPr lang="es-CO" b="1" dirty="0" smtClean="0"/>
+              <a:t>GIT HUB</a:t>
+            </a:r>
+            <a:endParaRPr lang="es-CO" b="1" dirty="0"/>
+          </a:p>
+        </p:txBody>
+      </p:sp>
+      <p:sp>
+        <p:nvSpPr>
+          <p:cNvPr id="6" name="CuadroTexto 5"/>
           <p:cNvSpPr txBox="1"/>
           <p:nvPr/>
         </p:nvSpPr>
         <p:spPr>
           <a:xfrm>
-            <a:off x="220896" y="684665"/>
-            <a:ext cx="3121149" cy="1477328"/>
+            <a:off x="220896" y="919841"/>
+            <a:ext cx="9466842" cy="2862322"/>
           </a:xfrm>
           <a:prstGeom prst="rect">
             <a:avLst/>
@@ -6824,122 +7127,113 @@
           <a:noFill/>
         </p:spPr>
         <p:txBody>
-          <a:bodyPr wrap="square" rtlCol="0">
+          <a:bodyPr wrap="square" rtlCol="0" anchor="ctr">
             <a:spAutoFit/>
           </a:bodyPr>
           <a:lstStyle/>
           <a:p>
-            <a:pPr marL="285750" indent="-285750">
-              <a:buFont typeface="Arial" panose="020B0604020202020204" pitchFamily="34" charset="0"/>
-              <a:buChar char="•"/>
-            </a:pPr>
-            <a:r>
-              <a:rPr lang="es-CO" dirty="0"/>
-              <a:t>Joseph Pizza</a:t>
-            </a:r>
-          </a:p>
-          <a:p>
-            <a:pPr marL="285750" indent="-285750">
-              <a:buFont typeface="Arial" panose="020B0604020202020204" pitchFamily="34" charset="0"/>
-              <a:buChar char="•"/>
-            </a:pPr>
-            <a:r>
-              <a:rPr lang="es-CO" dirty="0"/>
-              <a:t>Jhon Sebastian Montoya</a:t>
-            </a:r>
-          </a:p>
-          <a:p>
-            <a:pPr marL="285750" indent="-285750">
-              <a:buFont typeface="Arial" panose="020B0604020202020204" pitchFamily="34" charset="0"/>
-              <a:buChar char="•"/>
-            </a:pPr>
-            <a:r>
-              <a:rPr lang="es-CO" dirty="0"/>
-              <a:t>Oscar </a:t>
-            </a:r>
-            <a:r>
-              <a:rPr lang="es-CO" dirty="0" err="1"/>
-              <a:t>Farid</a:t>
-            </a:r>
-            <a:r>
-              <a:rPr lang="es-CO" dirty="0"/>
-              <a:t> Roa</a:t>
-            </a:r>
-          </a:p>
-          <a:p>
-            <a:pPr marL="285750" indent="-285750">
-              <a:buFont typeface="Arial" panose="020B0604020202020204" pitchFamily="34" charset="0"/>
-              <a:buChar char="•"/>
-            </a:pPr>
-            <a:r>
-              <a:rPr lang="es-CO" dirty="0" err="1"/>
-              <a:t>Farid</a:t>
+            <a:pPr algn="just"/>
+            <a:r>
+              <a:rPr lang="es-CO"/>
+              <a:t>Git es uno de los sistemas de control de versiones más populares entre los desarrolladores. Y parte culpa de su popularidad la tiene GitHub, un excelente servicio de alojamiento de repositorios de software con este sistema, que lejos de quedarse en esta funcionalidad, ofrece hoy en día un conjunto de características muy útiles para el trabajo en equipo.</a:t>
+            </a:r>
+          </a:p>
+          <a:p>
+            <a:pPr algn="just"/>
+            <a:endParaRPr lang="es-CO"/>
+          </a:p>
+          <a:p>
+            <a:pPr algn="just"/>
+            <a:r>
+              <a:rPr lang="es-CO"/>
+              <a:t>No en vano, es el servicio elegido por proyectos de software libre como jQuery, reddit, Sparkle, curl, Ruby on Rails, node.js, ClickToFlash, Erlang/OTP, CakePHP, Redis, y otros muchos. Además, algunas de las grandes empresas de Internet, como Facebook, alojan ahí sus desarrollos públicos, tales como el SDK, librerías, ejemplos, etc.</a:t>
             </a:r>
             <a:endParaRPr lang="es-CO" dirty="0"/>
           </a:p>
-          <a:p>
-            <a:pPr marL="285750" indent="-285750">
-              <a:buFont typeface="Arial" panose="020B0604020202020204" pitchFamily="34" charset="0"/>
-              <a:buChar char="•"/>
-            </a:pPr>
-            <a:r>
-              <a:rPr lang="es-CO" dirty="0"/>
-              <a:t>Juan Miguel Mayor Díaz</a:t>
-            </a:r>
-          </a:p>
-        </p:txBody>
-      </p:sp>
-      <p:sp>
-        <p:nvSpPr>
-          <p:cNvPr id="6" name="CuadroTexto 5"/>
-          <p:cNvSpPr txBox="1"/>
+        </p:txBody>
+      </p:sp>
+      <p:pic>
+        <p:nvPicPr>
+          <p:cNvPr id="1026" name="Picture 2" descr="Resultado de imagen para LOGO DE GIT HUB"/>
+          <p:cNvPicPr>
+            <a:picLocks noChangeAspect="1" noChangeArrowheads="1"/>
+          </p:cNvPicPr>
           <p:nvPr/>
-        </p:nvSpPr>
-        <p:spPr>
+        </p:nvPicPr>
+        <p:blipFill>
+          <a:blip r:embed="rId2">
+            <a:extLst>
+              <a:ext uri="{28A0092B-C50C-407E-A947-70E740481C1C}">
+                <a14:useLocalDpi xmlns:a14="http://schemas.microsoft.com/office/drawing/2010/main" val="0"/>
+              </a:ext>
+            </a:extLst>
+          </a:blip>
+          <a:srcRect/>
+          <a:stretch>
+            <a:fillRect/>
+          </a:stretch>
+        </p:blipFill>
+        <p:spPr bwMode="auto">
           <a:xfrm>
-            <a:off x="3342045" y="684665"/>
-            <a:ext cx="4528726" cy="646331"/>
+            <a:off x="4076433" y="4530582"/>
+            <a:ext cx="3948060" cy="1031431"/>
           </a:xfrm>
           <a:prstGeom prst="rect">
             <a:avLst/>
           </a:prstGeom>
           <a:noFill/>
+          <a:extLst>
+            <a:ext uri="{909E8E84-426E-40DD-AFC4-6F175D3DCCD1}">
+              <a14:hiddenFill xmlns:a14="http://schemas.microsoft.com/office/drawing/2010/main">
+                <a:solidFill>
+                  <a:srgbClr val="FFFFFF"/>
+                </a:solidFill>
+              </a14:hiddenFill>
+            </a:ext>
+          </a:extLst>
         </p:spPr>
-        <p:txBody>
-          <a:bodyPr wrap="square" rtlCol="0">
-            <a:spAutoFit/>
-          </a:bodyPr>
-          <a:lstStyle/>
-          <a:p>
-            <a:pPr marL="285750" indent="-285750">
-              <a:buFont typeface="Arial" panose="020B0604020202020204" pitchFamily="34" charset="0"/>
-              <a:buChar char="•"/>
-            </a:pPr>
-            <a:r>
-              <a:rPr lang="es-CO" dirty="0" err="1"/>
-              <a:t>Duracion</a:t>
-            </a:r>
-            <a:r>
-              <a:rPr lang="es-CO" dirty="0"/>
-              <a:t> del proyecto: 2 Meses</a:t>
-            </a:r>
-          </a:p>
-          <a:p>
-            <a:pPr marL="285750" indent="-285750">
-              <a:buFont typeface="Arial" panose="020B0604020202020204" pitchFamily="34" charset="0"/>
-              <a:buChar char="•"/>
-            </a:pPr>
-            <a:r>
-              <a:rPr lang="es-CO" dirty="0" err="1"/>
-              <a:t>Commits</a:t>
-            </a:r>
-            <a:r>
-              <a:rPr lang="es-CO" dirty="0"/>
-              <a:t> totales: 35 </a:t>
-            </a:r>
-          </a:p>
-        </p:txBody>
-      </p:sp>
+      </p:pic>
+      <p:pic>
+        <p:nvPicPr>
+          <p:cNvPr id="1028" name="Picture 4" descr="Resultado de imagen para LOGO DE GIT HUB"/>
+          <p:cNvPicPr>
+            <a:picLocks noChangeAspect="1" noChangeArrowheads="1"/>
+          </p:cNvPicPr>
+          <p:nvPr/>
+        </p:nvPicPr>
+        <p:blipFill>
+          <a:blip r:embed="rId3" cstate="print">
+            <a:extLst>
+              <a:ext uri="{28A0092B-C50C-407E-A947-70E740481C1C}">
+                <a14:useLocalDpi xmlns:a14="http://schemas.microsoft.com/office/drawing/2010/main" val="0"/>
+              </a:ext>
+            </a:extLst>
+          </a:blip>
+          <a:srcRect/>
+          <a:stretch>
+            <a:fillRect/>
+          </a:stretch>
+        </p:blipFill>
+        <p:spPr bwMode="auto">
+          <a:xfrm>
+            <a:off x="1812541" y="3918592"/>
+            <a:ext cx="2013557" cy="2013557"/>
+          </a:xfrm>
+          <a:prstGeom prst="rect">
+            <a:avLst/>
+          </a:prstGeom>
+          <a:noFill/>
+          <a:extLst>
+            <a:ext uri="{909E8E84-426E-40DD-AFC4-6F175D3DCCD1}">
+              <a14:hiddenFill xmlns:a14="http://schemas.microsoft.com/office/drawing/2010/main">
+                <a:solidFill>
+                  <a:srgbClr val="FFFFFF"/>
+                </a:solidFill>
+              </a14:hiddenFill>
+            </a:ext>
+          </a:extLst>
+        </p:spPr>
+      </p:pic>
       <p:pic>
         <p:nvPicPr>
           <p:cNvPr id="7" name="Imagen 6"/>
@@ -6949,15 +7243,132 @@
           <p:nvPr/>
         </p:nvPicPr>
         <p:blipFill>
-          <a:blip r:embed="rId2"/>
+          <a:blip r:embed="rId4" cstate="print">
+            <a:extLst>
+              <a:ext uri="{28A0092B-C50C-407E-A947-70E740481C1C}">
+                <a14:useLocalDpi xmlns:a14="http://schemas.microsoft.com/office/drawing/2010/main" val="0"/>
+              </a:ext>
+            </a:extLst>
+          </a:blip>
           <a:stretch>
             <a:fillRect/>
           </a:stretch>
         </p:blipFill>
         <p:spPr>
           <a:xfrm>
-            <a:off x="465692" y="2408828"/>
-            <a:ext cx="6219825" cy="1495425"/>
+            <a:off x="25005" y="5946339"/>
+            <a:ext cx="1591646" cy="911661"/>
+          </a:xfrm>
+          <a:prstGeom prst="rect">
+            <a:avLst/>
+          </a:prstGeom>
+        </p:spPr>
+      </p:pic>
+    </p:spTree>
+    <p:extLst>
+      <p:ext uri="{BB962C8B-B14F-4D97-AF65-F5344CB8AC3E}">
+        <p14:creationId xmlns:p14="http://schemas.microsoft.com/office/powerpoint/2010/main" val="3852402070"/>
+      </p:ext>
+    </p:extLst>
+  </p:cSld>
+  <p:clrMapOvr>
+    <a:masterClrMapping/>
+  </p:clrMapOvr>
+  <p:timing>
+    <p:tnLst>
+      <p:par>
+        <p:cTn id="1" dur="indefinite" restart="never" nodeType="tmRoot"/>
+      </p:par>
+    </p:tnLst>
+  </p:timing>
+</p:sld>
+</file>
+
+<file path=ppt/slides/slide7.xml><?xml version="1.0" encoding="utf-8"?>
+<p:sld xmlns:a="http://schemas.openxmlformats.org/drawingml/2006/main" xmlns:r="http://schemas.openxmlformats.org/officeDocument/2006/relationships" xmlns:p="http://schemas.openxmlformats.org/presentationml/2006/main">
+  <p:cSld>
+    <p:spTree>
+      <p:nvGrpSpPr>
+        <p:cNvPr id="1" name=""/>
+        <p:cNvGrpSpPr/>
+        <p:nvPr/>
+      </p:nvGrpSpPr>
+      <p:grpSpPr>
+        <a:xfrm>
+          <a:off x="0" y="0"/>
+          <a:ext cx="0" cy="0"/>
+          <a:chOff x="0" y="0"/>
+          <a:chExt cx="0" cy="0"/>
+        </a:xfrm>
+      </p:grpSpPr>
+      <p:sp>
+        <p:nvSpPr>
+          <p:cNvPr id="2" name="Rectángulo 1">
+            <a:hlinkClick r:id="rId2" action="ppaction://hlinkfile"/>
+          </p:cNvPr>
+          <p:cNvSpPr/>
+          <p:nvPr/>
+        </p:nvSpPr>
+        <p:spPr>
+          <a:xfrm>
+            <a:off x="3158448" y="2878209"/>
+            <a:ext cx="5446711" cy="1101582"/>
+          </a:xfrm>
+          <a:prstGeom prst="rect">
+            <a:avLst/>
+          </a:prstGeom>
+        </p:spPr>
+        <p:style>
+          <a:lnRef idx="0">
+            <a:schemeClr val="accent3"/>
+          </a:lnRef>
+          <a:fillRef idx="3">
+            <a:schemeClr val="accent3"/>
+          </a:fillRef>
+          <a:effectRef idx="3">
+            <a:schemeClr val="accent3"/>
+          </a:effectRef>
+          <a:fontRef idx="minor">
+            <a:schemeClr val="lt1"/>
+          </a:fontRef>
+        </p:style>
+        <p:txBody>
+          <a:bodyPr rtlCol="0" anchor="ctr"/>
+          <a:lstStyle/>
+          <a:p>
+            <a:pPr algn="ctr"/>
+            <a:r>
+              <a:rPr lang="es-CO" dirty="0" smtClean="0"/>
+              <a:t>INFORME DE GIT</a:t>
+            </a:r>
+            <a:endParaRPr lang="es-CO" dirty="0"/>
+          </a:p>
+        </p:txBody>
+      </p:sp>
+      <p:pic>
+        <p:nvPicPr>
+          <p:cNvPr id="13" name="Imagen 12"/>
+          <p:cNvPicPr>
+            <a:picLocks noChangeAspect="1"/>
+          </p:cNvPicPr>
+          <p:nvPr/>
+        </p:nvPicPr>
+        <p:blipFill>
+          <a:blip r:embed="rId3" cstate="print">
+            <a:extLst>
+              <a:ext uri="{28A0092B-C50C-407E-A947-70E740481C1C}">
+                <a14:useLocalDpi xmlns:a14="http://schemas.microsoft.com/office/drawing/2010/main" val="0"/>
+              </a:ext>
+            </a:extLst>
+          </a:blip>
+          <a:stretch>
+            <a:fillRect/>
+          </a:stretch>
+        </p:blipFill>
+        <p:spPr>
+          <a:xfrm>
+            <a:off x="25005" y="5946339"/>
+            <a:ext cx="1591646" cy="911661"/>
           </a:xfrm>
           <a:prstGeom prst="rect">
             <a:avLst/>
@@ -6966,124 +7377,116 @@
       </p:pic>
       <p:pic>
         <p:nvPicPr>
-          <p:cNvPr id="8" name="Imagen 7"/>
+          <p:cNvPr id="14" name="Picture 2" descr="Resultado de imagen para LOGO DE GIT HUB"/>
           <p:cNvPicPr>
-            <a:picLocks noChangeAspect="1"/>
+            <a:picLocks noChangeAspect="1" noChangeArrowheads="1"/>
           </p:cNvPicPr>
           <p:nvPr/>
         </p:nvPicPr>
         <p:blipFill>
-          <a:blip r:embed="rId3"/>
+          <a:blip r:embed="rId4" cstate="print">
+            <a:extLst>
+              <a:ext uri="{28A0092B-C50C-407E-A947-70E740481C1C}">
+                <a14:useLocalDpi xmlns:a14="http://schemas.microsoft.com/office/drawing/2010/main" val="0"/>
+              </a:ext>
+            </a:extLst>
+          </a:blip>
+          <a:srcRect/>
           <a:stretch>
             <a:fillRect/>
           </a:stretch>
         </p:blipFill>
-        <p:spPr>
+        <p:spPr bwMode="auto">
           <a:xfrm>
-            <a:off x="465692" y="4151088"/>
-            <a:ext cx="3019425" cy="1581150"/>
+            <a:off x="4627223" y="307851"/>
+            <a:ext cx="1891159" cy="1891159"/>
           </a:xfrm>
           <a:prstGeom prst="rect">
             <a:avLst/>
           </a:prstGeom>
+          <a:noFill/>
+          <a:extLst>
+            <a:ext uri="{909E8E84-426E-40DD-AFC4-6F175D3DCCD1}">
+              <a14:hiddenFill xmlns:a14="http://schemas.microsoft.com/office/drawing/2010/main">
+                <a:solidFill>
+                  <a:srgbClr val="FFFFFF"/>
+                </a:solidFill>
+              </a14:hiddenFill>
+            </a:ext>
+          </a:extLst>
         </p:spPr>
       </p:pic>
       <p:pic>
         <p:nvPicPr>
-          <p:cNvPr id="9" name="Imagen 8"/>
+          <p:cNvPr id="15" name="Picture 4" descr="Resultado de imagen para LOGO DE GIT HUB"/>
           <p:cNvPicPr>
-            <a:picLocks noChangeAspect="1"/>
+            <a:picLocks noChangeAspect="1" noChangeArrowheads="1"/>
           </p:cNvPicPr>
           <p:nvPr/>
         </p:nvPicPr>
         <p:blipFill>
-          <a:blip r:embed="rId4"/>
+          <a:blip r:embed="rId5" cstate="print">
+            <a:extLst>
+              <a:ext uri="{28A0092B-C50C-407E-A947-70E740481C1C}">
+                <a14:useLocalDpi xmlns:a14="http://schemas.microsoft.com/office/drawing/2010/main" val="0"/>
+              </a:ext>
+            </a:extLst>
+          </a:blip>
+          <a:srcRect/>
           <a:stretch>
             <a:fillRect/>
           </a:stretch>
         </p:blipFill>
-        <p:spPr>
+        <p:spPr bwMode="auto">
           <a:xfrm>
-            <a:off x="3677993" y="4151088"/>
-            <a:ext cx="3057525" cy="1647825"/>
+            <a:off x="4563018" y="2229788"/>
+            <a:ext cx="2019568" cy="527613"/>
           </a:xfrm>
           <a:prstGeom prst="rect">
             <a:avLst/>
           </a:prstGeom>
+          <a:noFill/>
+          <a:extLst>
+            <a:ext uri="{909E8E84-426E-40DD-AFC4-6F175D3DCCD1}">
+              <a14:hiddenFill xmlns:a14="http://schemas.microsoft.com/office/drawing/2010/main">
+                <a:solidFill>
+                  <a:srgbClr val="FFFFFF"/>
+                </a:solidFill>
+              </a14:hiddenFill>
+            </a:ext>
+          </a:extLst>
         </p:spPr>
       </p:pic>
-      <p:pic>
-        <p:nvPicPr>
-          <p:cNvPr id="10" name="Imagen 9"/>
-          <p:cNvPicPr>
-            <a:picLocks noChangeAspect="1"/>
-          </p:cNvPicPr>
+      <p:sp>
+        <p:nvSpPr>
+          <p:cNvPr id="16" name="CuadroTexto 15"/>
+          <p:cNvSpPr txBox="1"/>
           <p:nvPr/>
-        </p:nvPicPr>
-        <p:blipFill>
-          <a:blip r:embed="rId5"/>
-          <a:stretch>
-            <a:fillRect/>
-          </a:stretch>
-        </p:blipFill>
+        </p:nvSpPr>
         <p:spPr>
           <a:xfrm>
-            <a:off x="6976598" y="4112988"/>
-            <a:ext cx="3028950" cy="1619250"/>
+            <a:off x="3158449" y="4010569"/>
+            <a:ext cx="5446710" cy="307777"/>
           </a:xfrm>
           <a:prstGeom prst="rect">
             <a:avLst/>
           </a:prstGeom>
+          <a:noFill/>
         </p:spPr>
-      </p:pic>
-      <p:pic>
-        <p:nvPicPr>
-          <p:cNvPr id="11" name="Imagen 10"/>
-          <p:cNvPicPr>
-            <a:picLocks noChangeAspect="1"/>
-          </p:cNvPicPr>
-          <p:nvPr/>
-        </p:nvPicPr>
-        <p:blipFill>
-          <a:blip r:embed="rId6"/>
-          <a:stretch>
-            <a:fillRect/>
-          </a:stretch>
-        </p:blipFill>
-        <p:spPr>
-          <a:xfrm>
-            <a:off x="6967073" y="2265839"/>
-            <a:ext cx="3048000" cy="1581150"/>
-          </a:xfrm>
-          <a:prstGeom prst="rect">
-            <a:avLst/>
-          </a:prstGeom>
-        </p:spPr>
-      </p:pic>
-      <p:pic>
-        <p:nvPicPr>
-          <p:cNvPr id="12" name="Imagen 11"/>
-          <p:cNvPicPr>
-            <a:picLocks noChangeAspect="1"/>
-          </p:cNvPicPr>
-          <p:nvPr/>
-        </p:nvPicPr>
-        <p:blipFill>
-          <a:blip r:embed="rId7"/>
-          <a:stretch>
-            <a:fillRect/>
-          </a:stretch>
-        </p:blipFill>
-        <p:spPr>
-          <a:xfrm>
-            <a:off x="7000411" y="580843"/>
-            <a:ext cx="2981325" cy="1581150"/>
-          </a:xfrm>
-          <a:prstGeom prst="rect">
-            <a:avLst/>
-          </a:prstGeom>
-        </p:spPr>
-      </p:pic>
+        <p:txBody>
+          <a:bodyPr wrap="square" rtlCol="0" anchor="ctr">
+            <a:spAutoFit/>
+          </a:bodyPr>
+          <a:lstStyle/>
+          <a:p>
+            <a:r>
+              <a:rPr lang="es-CO" sz="1400" dirty="0" smtClean="0"/>
+              <a:t>DAR CLICK EN “INFORME DE GIT” PARA DESPLEGAR EL INFORME</a:t>
+            </a:r>
+            <a:endParaRPr lang="es-CO" sz="1400" dirty="0"/>
+          </a:p>
+        </p:txBody>
+      </p:sp>
     </p:spTree>
     <p:extLst>
       <p:ext uri="{BB962C8B-B14F-4D97-AF65-F5344CB8AC3E}">
@@ -7094,6 +7497,13 @@
   <p:clrMapOvr>
     <a:masterClrMapping/>
   </p:clrMapOvr>
+  <p:timing>
+    <p:tnLst>
+      <p:par>
+        <p:cTn id="1" dur="indefinite" restart="never" nodeType="tmRoot"/>
+      </p:par>
+    </p:tnLst>
+  </p:timing>
 </p:sld>
 </file>
 

--- a/Informes Y Presentaciones/Presentacion git.pptx
+++ b/Informes Y Presentaciones/Presentacion git.pptx
@@ -7,11 +7,12 @@
   <p:sldIdLst>
     <p:sldId id="256" r:id="rId2"/>
     <p:sldId id="257" r:id="rId3"/>
-    <p:sldId id="258" r:id="rId4"/>
-    <p:sldId id="259" r:id="rId5"/>
-    <p:sldId id="260" r:id="rId6"/>
-    <p:sldId id="262" r:id="rId7"/>
-    <p:sldId id="261" r:id="rId8"/>
+    <p:sldId id="263" r:id="rId4"/>
+    <p:sldId id="258" r:id="rId5"/>
+    <p:sldId id="259" r:id="rId6"/>
+    <p:sldId id="260" r:id="rId7"/>
+    <p:sldId id="262" r:id="rId8"/>
+    <p:sldId id="261" r:id="rId9"/>
   </p:sldIdLst>
   <p:sldSz cx="12192000" cy="6858000"/>
   <p:notesSz cx="6858000" cy="9144000"/>
@@ -6202,269 +6203,30 @@
           <a:chExt cx="0" cy="0"/>
         </a:xfrm>
       </p:grpSpPr>
-      <p:sp>
-        <p:nvSpPr>
-          <p:cNvPr id="4" name="CuadroTexto 3"/>
-          <p:cNvSpPr txBox="1"/>
+      <p:pic>
+        <p:nvPicPr>
+          <p:cNvPr id="3" name="Imagen 2"/>
+          <p:cNvPicPr>
+            <a:picLocks noChangeAspect="1"/>
+          </p:cNvPicPr>
           <p:nvPr/>
-        </p:nvSpPr>
+        </p:nvPicPr>
+        <p:blipFill>
+          <a:blip r:embed="rId2"/>
+          <a:stretch>
+            <a:fillRect/>
+          </a:stretch>
+        </p:blipFill>
         <p:spPr>
           <a:xfrm>
-            <a:off x="220896" y="3121936"/>
-            <a:ext cx="3243547" cy="369332"/>
+            <a:off x="-207497" y="-120542"/>
+            <a:ext cx="12973050" cy="7305675"/>
           </a:xfrm>
           <a:prstGeom prst="rect">
             <a:avLst/>
           </a:prstGeom>
-          <a:noFill/>
         </p:spPr>
-        <p:txBody>
-          <a:bodyPr wrap="square" rtlCol="0" anchor="ctr">
-            <a:spAutoFit/>
-          </a:bodyPr>
-          <a:lstStyle/>
-          <a:p>
-            <a:r>
-              <a:rPr lang="es-CO" dirty="0"/>
-              <a:t>Fundamentos de </a:t>
-            </a:r>
-            <a:r>
-              <a:rPr lang="es-CO" dirty="0" err="1"/>
-              <a:t>Git</a:t>
-            </a:r>
-            <a:endParaRPr lang="es-CO" dirty="0"/>
-          </a:p>
-        </p:txBody>
-      </p:sp>
-      <p:sp>
-        <p:nvSpPr>
-          <p:cNvPr id="2" name="CuadroTexto 1"/>
-          <p:cNvSpPr txBox="1"/>
-          <p:nvPr/>
-        </p:nvSpPr>
-        <p:spPr>
-          <a:xfrm>
-            <a:off x="220896" y="3673796"/>
-            <a:ext cx="9241049" cy="1815882"/>
-          </a:xfrm>
-          <a:prstGeom prst="rect">
-            <a:avLst/>
-          </a:prstGeom>
-          <a:noFill/>
-        </p:spPr>
-        <p:txBody>
-          <a:bodyPr wrap="square" rtlCol="0">
-            <a:spAutoFit/>
-          </a:bodyPr>
-          <a:lstStyle/>
-          <a:p>
-            <a:pPr algn="just"/>
-            <a:r>
-              <a:rPr lang="es-CO" sz="1600" dirty="0"/>
-              <a:t>Entonces, ¿qué es </a:t>
-            </a:r>
-            <a:r>
-              <a:rPr lang="es-CO" sz="1600" dirty="0" err="1"/>
-              <a:t>Git</a:t>
-            </a:r>
-            <a:r>
-              <a:rPr lang="es-CO" sz="1600" dirty="0"/>
-              <a:t> en pocas palabras? Es muy importante asimilar esta sección, porque si entiendes lo que es </a:t>
-            </a:r>
-            <a:r>
-              <a:rPr lang="es-CO" sz="1600" dirty="0" err="1"/>
-              <a:t>Git</a:t>
-            </a:r>
-            <a:r>
-              <a:rPr lang="es-CO" sz="1600" dirty="0"/>
-              <a:t> y los fundamentos de cómo funciona, probablemente te sea mucho más fácil usar </a:t>
-            </a:r>
-            <a:r>
-              <a:rPr lang="es-CO" sz="1600" dirty="0" err="1"/>
-              <a:t>Git</a:t>
-            </a:r>
-            <a:r>
-              <a:rPr lang="es-CO" sz="1600" dirty="0"/>
-              <a:t> de manera eficaz. A medida que aprendas </a:t>
-            </a:r>
-            <a:r>
-              <a:rPr lang="es-CO" sz="1600" dirty="0" err="1"/>
-              <a:t>Git</a:t>
-            </a:r>
-            <a:r>
-              <a:rPr lang="es-CO" sz="1600" dirty="0"/>
-              <a:t>, intenta olvidar todo lo que puedas saber sobre otros </a:t>
-            </a:r>
-            <a:r>
-              <a:rPr lang="es-CO" sz="1600" dirty="0" err="1"/>
-              <a:t>VCSs</a:t>
-            </a:r>
-            <a:r>
-              <a:rPr lang="es-CO" sz="1600" dirty="0"/>
-              <a:t>, como </a:t>
-            </a:r>
-            <a:r>
-              <a:rPr lang="es-CO" sz="1600" dirty="0" err="1"/>
-              <a:t>Subversion</a:t>
-            </a:r>
-            <a:r>
-              <a:rPr lang="es-CO" sz="1600" dirty="0"/>
-              <a:t> y </a:t>
-            </a:r>
-            <a:r>
-              <a:rPr lang="es-CO" sz="1600" dirty="0" err="1"/>
-              <a:t>Perforce</a:t>
-            </a:r>
-            <a:r>
-              <a:rPr lang="es-CO" sz="1600" dirty="0"/>
-              <a:t>; hacerlo te ayudará a evitar confusiones sutiles a la hora de utilizar la herramienta. </a:t>
-            </a:r>
-            <a:r>
-              <a:rPr lang="es-CO" sz="1600" dirty="0" err="1"/>
-              <a:t>Git</a:t>
-            </a:r>
-            <a:r>
-              <a:rPr lang="es-CO" sz="1600" dirty="0"/>
-              <a:t> almacena y modela la información de forma muy diferente a esos otros sistemas, a pesar de que su interfaz sea bastante similar; comprender esas diferencias evitará que te confundas a la hora de usarlo.</a:t>
-            </a:r>
-          </a:p>
-        </p:txBody>
-      </p:sp>
-      <p:sp>
-        <p:nvSpPr>
-          <p:cNvPr id="5" name="CuadroTexto 4"/>
-          <p:cNvSpPr txBox="1"/>
-          <p:nvPr/>
-        </p:nvSpPr>
-        <p:spPr>
-          <a:xfrm>
-            <a:off x="226435" y="258512"/>
-            <a:ext cx="3243547" cy="369332"/>
-          </a:xfrm>
-          <a:prstGeom prst="rect">
-            <a:avLst/>
-          </a:prstGeom>
-          <a:noFill/>
-        </p:spPr>
-        <p:txBody>
-          <a:bodyPr wrap="square" rtlCol="0" anchor="ctr">
-            <a:spAutoFit/>
-          </a:bodyPr>
-          <a:lstStyle/>
-          <a:p>
-            <a:r>
-              <a:rPr lang="es-CO" dirty="0"/>
-              <a:t>¿Qué es </a:t>
-            </a:r>
-            <a:r>
-              <a:rPr lang="es-CO" dirty="0" err="1"/>
-              <a:t>git</a:t>
-            </a:r>
-            <a:r>
-              <a:rPr lang="es-CO" dirty="0"/>
-              <a:t>?</a:t>
-            </a:r>
-          </a:p>
-        </p:txBody>
-      </p:sp>
-      <p:sp>
-        <p:nvSpPr>
-          <p:cNvPr id="6" name="CuadroTexto 5"/>
-          <p:cNvSpPr txBox="1"/>
-          <p:nvPr/>
-        </p:nvSpPr>
-        <p:spPr>
-          <a:xfrm>
-            <a:off x="220895" y="810372"/>
-            <a:ext cx="9241049" cy="1815882"/>
-          </a:xfrm>
-          <a:prstGeom prst="rect">
-            <a:avLst/>
-          </a:prstGeom>
-          <a:noFill/>
-        </p:spPr>
-        <p:txBody>
-          <a:bodyPr wrap="square" rtlCol="0">
-            <a:spAutoFit/>
-          </a:bodyPr>
-          <a:lstStyle/>
-          <a:p>
-            <a:pPr algn="just"/>
-            <a:r>
-              <a:rPr lang="es-CO" sz="1600" dirty="0" err="1"/>
-              <a:t>Git</a:t>
-            </a:r>
-            <a:r>
-              <a:rPr lang="es-CO" sz="1600" dirty="0"/>
-              <a:t> es un software de control de versiones diseñado por </a:t>
-            </a:r>
-            <a:r>
-              <a:rPr lang="es-CO" sz="1600" dirty="0" err="1"/>
-              <a:t>Linus</a:t>
-            </a:r>
-            <a:r>
-              <a:rPr lang="es-CO" sz="1600" dirty="0"/>
-              <a:t> </a:t>
-            </a:r>
-            <a:r>
-              <a:rPr lang="es-CO" sz="1600" dirty="0" err="1"/>
-              <a:t>Torvalds</a:t>
-            </a:r>
-            <a:r>
-              <a:rPr lang="es-CO" sz="1600" dirty="0"/>
-              <a:t>, pensando en la eficiencia y la confiabilidad del mantenimiento de versiones de aplicaciones cuando éstas tienen un gran número de archivos de código fuente. Al principio, </a:t>
-            </a:r>
-            <a:r>
-              <a:rPr lang="es-CO" sz="1600" dirty="0" err="1"/>
-              <a:t>Git</a:t>
-            </a:r>
-            <a:r>
-              <a:rPr lang="es-CO" sz="1600" dirty="0"/>
-              <a:t> se pensó como un motor de bajo nivel sobre el cual otros pudieran escribir la interfaz de usuario o </a:t>
-            </a:r>
-            <a:r>
-              <a:rPr lang="es-CO" sz="1600" dirty="0" err="1"/>
-              <a:t>front</a:t>
-            </a:r>
-            <a:r>
-              <a:rPr lang="es-CO" sz="1600" dirty="0"/>
-              <a:t> </a:t>
-            </a:r>
-            <a:r>
-              <a:rPr lang="es-CO" sz="1600" dirty="0" err="1"/>
-              <a:t>end</a:t>
-            </a:r>
-            <a:r>
-              <a:rPr lang="es-CO" sz="1600" dirty="0"/>
-              <a:t> como Cogito o </a:t>
-            </a:r>
-            <a:r>
-              <a:rPr lang="es-CO" sz="1600" dirty="0" err="1"/>
-              <a:t>StGIT</a:t>
-            </a:r>
-            <a:r>
-              <a:rPr lang="es-CO" sz="1600" dirty="0"/>
-              <a:t>.  Sin embargo, </a:t>
-            </a:r>
-            <a:r>
-              <a:rPr lang="es-CO" sz="1600" dirty="0" err="1"/>
-              <a:t>Git</a:t>
-            </a:r>
-            <a:r>
-              <a:rPr lang="es-CO" sz="1600" dirty="0"/>
-              <a:t> se ha convertido desde entonces en un sistema de control de versiones con funcionalidad plena. Hay algunos proyectos de mucha relevancia que ya usan </a:t>
-            </a:r>
-            <a:r>
-              <a:rPr lang="es-CO" sz="1600" dirty="0" err="1"/>
-              <a:t>Git</a:t>
-            </a:r>
-            <a:r>
-              <a:rPr lang="es-CO" sz="1600" dirty="0"/>
-              <a:t>, en particular, el grupo de programación del núcleo Linux.</a:t>
-            </a:r>
-          </a:p>
-        </p:txBody>
-      </p:sp>
+      </p:pic>
       <p:pic>
         <p:nvPicPr>
           <p:cNvPr id="8" name="Imagen 7"/>
@@ -6474,7 +6236,7 @@
           <p:nvPr/>
         </p:nvPicPr>
         <p:blipFill>
-          <a:blip r:embed="rId2" cstate="print">
+          <a:blip r:embed="rId3" cstate="print">
             <a:extLst>
               <a:ext uri="{28A0092B-C50C-407E-A947-70E740481C1C}">
                 <a14:useLocalDpi xmlns:a14="http://schemas.microsoft.com/office/drawing/2010/main" val="0"/>
@@ -6532,6 +6294,97 @@
           <a:chExt cx="0" cy="0"/>
         </a:xfrm>
       </p:grpSpPr>
+      <p:pic>
+        <p:nvPicPr>
+          <p:cNvPr id="2" name="Imagen 1"/>
+          <p:cNvPicPr>
+            <a:picLocks noChangeAspect="1"/>
+          </p:cNvPicPr>
+          <p:nvPr/>
+        </p:nvPicPr>
+        <p:blipFill>
+          <a:blip r:embed="rId2"/>
+          <a:stretch>
+            <a:fillRect/>
+          </a:stretch>
+        </p:blipFill>
+        <p:spPr>
+          <a:xfrm>
+            <a:off x="0" y="0"/>
+            <a:ext cx="13001625" cy="7305675"/>
+          </a:xfrm>
+          <a:prstGeom prst="rect">
+            <a:avLst/>
+          </a:prstGeom>
+        </p:spPr>
+      </p:pic>
+      <p:pic>
+        <p:nvPicPr>
+          <p:cNvPr id="10" name="Imagen 9"/>
+          <p:cNvPicPr>
+            <a:picLocks noChangeAspect="1"/>
+          </p:cNvPicPr>
+          <p:nvPr/>
+        </p:nvPicPr>
+        <p:blipFill>
+          <a:blip r:embed="rId3" cstate="print">
+            <a:extLst>
+              <a:ext uri="{28A0092B-C50C-407E-A947-70E740481C1C}">
+                <a14:useLocalDpi xmlns:a14="http://schemas.microsoft.com/office/drawing/2010/main" val="0"/>
+              </a:ext>
+            </a:extLst>
+          </a:blip>
+          <a:stretch>
+            <a:fillRect/>
+          </a:stretch>
+        </p:blipFill>
+        <p:spPr>
+          <a:xfrm>
+            <a:off x="25005" y="5946339"/>
+            <a:ext cx="1591646" cy="911661"/>
+          </a:xfrm>
+          <a:prstGeom prst="rect">
+            <a:avLst/>
+          </a:prstGeom>
+        </p:spPr>
+      </p:pic>
+    </p:spTree>
+    <p:extLst>
+      <p:ext uri="{BB962C8B-B14F-4D97-AF65-F5344CB8AC3E}">
+        <p14:creationId xmlns:p14="http://schemas.microsoft.com/office/powerpoint/2010/main" val="3300759297"/>
+      </p:ext>
+    </p:extLst>
+  </p:cSld>
+  <p:clrMapOvr>
+    <a:masterClrMapping/>
+  </p:clrMapOvr>
+  <p:timing>
+    <p:tnLst>
+      <p:par>
+        <p:cTn id="1" dur="indefinite" restart="never" nodeType="tmRoot"/>
+      </p:par>
+    </p:tnLst>
+  </p:timing>
+</p:sld>
+</file>
+
+<file path=ppt/slides/slide4.xml><?xml version="1.0" encoding="utf-8"?>
+<p:sld xmlns:a="http://schemas.openxmlformats.org/drawingml/2006/main" xmlns:r="http://schemas.openxmlformats.org/officeDocument/2006/relationships" xmlns:p="http://schemas.openxmlformats.org/presentationml/2006/main">
+  <p:cSld>
+    <p:spTree>
+      <p:nvGrpSpPr>
+        <p:cNvPr id="1" name=""/>
+        <p:cNvGrpSpPr/>
+        <p:nvPr/>
+      </p:nvGrpSpPr>
+      <p:grpSpPr>
+        <a:xfrm>
+          <a:off x="0" y="0"/>
+          <a:ext cx="0" cy="0"/>
+          <a:chOff x="0" y="0"/>
+          <a:chExt cx="0" cy="0"/>
+        </a:xfrm>
+      </p:grpSpPr>
       <p:sp>
         <p:nvSpPr>
           <p:cNvPr id="4" name="CuadroTexto 3"/>
@@ -6723,7 +6576,7 @@
 </p:sld>
 </file>
 
-<file path=ppt/slides/slide4.xml><?xml version="1.0" encoding="utf-8"?>
+<file path=ppt/slides/slide5.xml><?xml version="1.0" encoding="utf-8"?>
 <p:sld xmlns:a="http://schemas.openxmlformats.org/drawingml/2006/main" xmlns:r="http://schemas.openxmlformats.org/officeDocument/2006/relationships" xmlns:p="http://schemas.openxmlformats.org/presentationml/2006/main">
   <p:cSld>
     <p:spTree>
@@ -6882,7 +6735,7 @@
 </p:sld>
 </file>
 
-<file path=ppt/slides/slide5.xml><?xml version="1.0" encoding="utf-8"?>
+<file path=ppt/slides/slide6.xml><?xml version="1.0" encoding="utf-8"?>
 <p:sld xmlns:a="http://schemas.openxmlformats.org/drawingml/2006/main" xmlns:r="http://schemas.openxmlformats.org/officeDocument/2006/relationships" xmlns:p="http://schemas.openxmlformats.org/presentationml/2006/main">
   <p:cSld>
     <p:spTree>
@@ -7063,7 +6916,7 @@
 </p:sld>
 </file>
 
-<file path=ppt/slides/slide6.xml><?xml version="1.0" encoding="utf-8"?>
+<file path=ppt/slides/slide7.xml><?xml version="1.0" encoding="utf-8"?>
 <p:sld xmlns:a="http://schemas.openxmlformats.org/drawingml/2006/main" xmlns:r="http://schemas.openxmlformats.org/officeDocument/2006/relationships" xmlns:p="http://schemas.openxmlformats.org/presentationml/2006/main">
   <p:cSld>
     <p:spTree>
@@ -7284,7 +7137,7 @@
 </p:sld>
 </file>
 
-<file path=ppt/slides/slide7.xml><?xml version="1.0" encoding="utf-8"?>
+<file path=ppt/slides/slide8.xml><?xml version="1.0" encoding="utf-8"?>
 <p:sld xmlns:a="http://schemas.openxmlformats.org/drawingml/2006/main" xmlns:r="http://schemas.openxmlformats.org/officeDocument/2006/relationships" xmlns:p="http://schemas.openxmlformats.org/presentationml/2006/main">
   <p:cSld>
     <p:spTree>
